--- a/hamiltonian/fig/fig.pptx
+++ b/hamiltonian/fig/fig.pptx
@@ -5,14 +5,16 @@
     <p:sldMasterId id="2147483648" r:id="rId1"/>
   </p:sldMasterIdLst>
   <p:notesMasterIdLst>
-    <p:notesMasterId r:id="rId7"/>
+    <p:notesMasterId r:id="rId9"/>
   </p:notesMasterIdLst>
   <p:sldIdLst>
-    <p:sldId id="263" r:id="rId2"/>
-    <p:sldId id="264" r:id="rId3"/>
-    <p:sldId id="265" r:id="rId4"/>
-    <p:sldId id="266" r:id="rId5"/>
-    <p:sldId id="267" r:id="rId6"/>
+    <p:sldId id="268" r:id="rId2"/>
+    <p:sldId id="269" r:id="rId3"/>
+    <p:sldId id="263" r:id="rId4"/>
+    <p:sldId id="264" r:id="rId5"/>
+    <p:sldId id="265" r:id="rId6"/>
+    <p:sldId id="266" r:id="rId7"/>
+    <p:sldId id="267" r:id="rId8"/>
   </p:sldIdLst>
   <p:sldSz cx="9144000" cy="6858000" type="screen4x3"/>
   <p:notesSz cx="6858000" cy="9144000"/>
@@ -216,7 +218,7 @@
             <a:fld id="{D2C63D3F-0352-EF45-A95C-C8137A1B6577}" type="datetimeFigureOut">
               <a:rPr lang="ja-JP" altLang="en-US" smtClean="0"/>
               <a:pPr/>
-              <a:t>2023/4/14</a:t>
+              <a:t>2023/6/10</a:t>
             </a:fld>
             <a:endParaRPr lang="ja-JP" altLang="en-US"/>
           </a:p>
@@ -584,7 +586,92 @@
             <a:fld id="{658B8C6D-C3B1-8D4B-883D-F931C7D3B8B2}" type="slidenum">
               <a:rPr lang="ja-JP" altLang="en-US" smtClean="0"/>
               <a:pPr/>
-              <a:t>4</a:t>
+              <a:t>2</a:t>
+            </a:fld>
+            <a:endParaRPr lang="ja-JP" altLang="en-US"/>
+          </a:p>
+        </p:txBody>
+      </p:sp>
+    </p:spTree>
+    <p:extLst>
+      <p:ext uri="{BB962C8B-B14F-4D97-AF65-F5344CB8AC3E}">
+        <p14:creationId xmlns:p14="http://schemas.microsoft.com/office/powerpoint/2010/main" val="2878608649"/>
+      </p:ext>
+    </p:extLst>
+  </p:cSld>
+  <p:clrMapOvr>
+    <a:masterClrMapping/>
+  </p:clrMapOvr>
+</p:notes>
+</file>
+
+<file path=ppt/notesSlides/notesSlide2.xml><?xml version="1.0" encoding="utf-8"?>
+<p:notes xmlns:a="http://schemas.openxmlformats.org/drawingml/2006/main" xmlns:r="http://schemas.openxmlformats.org/officeDocument/2006/relationships" xmlns:p="http://schemas.openxmlformats.org/presentationml/2006/main">
+  <p:cSld>
+    <p:spTree>
+      <p:nvGrpSpPr>
+        <p:cNvPr id="1" name=""/>
+        <p:cNvGrpSpPr/>
+        <p:nvPr/>
+      </p:nvGrpSpPr>
+      <p:grpSpPr>
+        <a:xfrm>
+          <a:off x="0" y="0"/>
+          <a:ext cx="0" cy="0"/>
+          <a:chOff x="0" y="0"/>
+          <a:chExt cx="0" cy="0"/>
+        </a:xfrm>
+      </p:grpSpPr>
+      <p:sp>
+        <p:nvSpPr>
+          <p:cNvPr id="2" name="スライド イメージ プレースホルダー 1"/>
+          <p:cNvSpPr>
+            <a:spLocks noGrp="1" noRot="1" noChangeAspect="1"/>
+          </p:cNvSpPr>
+          <p:nvPr>
+            <p:ph type="sldImg"/>
+          </p:nvPr>
+        </p:nvSpPr>
+        <p:spPr/>
+      </p:sp>
+      <p:sp>
+        <p:nvSpPr>
+          <p:cNvPr id="3" name="ノート プレースホルダー 2"/>
+          <p:cNvSpPr>
+            <a:spLocks noGrp="1"/>
+          </p:cNvSpPr>
+          <p:nvPr>
+            <p:ph type="body" idx="1"/>
+          </p:nvPr>
+        </p:nvSpPr>
+        <p:spPr/>
+        <p:txBody>
+          <a:bodyPr/>
+          <a:lstStyle/>
+          <a:p>
+            <a:endParaRPr kumimoji="1" lang="ja-JP" altLang="en-US"/>
+          </a:p>
+        </p:txBody>
+      </p:sp>
+      <p:sp>
+        <p:nvSpPr>
+          <p:cNvPr id="4" name="スライド番号プレースホルダー 3"/>
+          <p:cNvSpPr>
+            <a:spLocks noGrp="1"/>
+          </p:cNvSpPr>
+          <p:nvPr>
+            <p:ph type="sldNum" sz="quarter" idx="5"/>
+          </p:nvPr>
+        </p:nvSpPr>
+        <p:spPr/>
+        <p:txBody>
+          <a:bodyPr/>
+          <a:lstStyle/>
+          <a:p>
+            <a:fld id="{658B8C6D-C3B1-8D4B-883D-F931C7D3B8B2}" type="slidenum">
+              <a:rPr lang="ja-JP" altLang="en-US" smtClean="0"/>
+              <a:pPr/>
+              <a:t>6</a:t>
             </a:fld>
             <a:endParaRPr lang="ja-JP" altLang="en-US"/>
           </a:p>
@@ -926,6 +1013,4993 @@
           <a:chExt cx="0" cy="0"/>
         </a:xfrm>
       </p:grpSpPr>
+      <p:grpSp>
+        <p:nvGrpSpPr>
+          <p:cNvPr id="50" name="グループ化 49">
+            <a:extLst>
+              <a:ext uri="{FF2B5EF4-FFF2-40B4-BE49-F238E27FC236}">
+                <a16:creationId xmlns:a16="http://schemas.microsoft.com/office/drawing/2014/main" id="{8CE11007-C62D-2220-C902-32519715E555}"/>
+              </a:ext>
+            </a:extLst>
+          </p:cNvPr>
+          <p:cNvGrpSpPr/>
+          <p:nvPr/>
+        </p:nvGrpSpPr>
+        <p:grpSpPr>
+          <a:xfrm>
+            <a:off x="2411760" y="2564904"/>
+            <a:ext cx="1200133" cy="1440160"/>
+            <a:chOff x="251520" y="548680"/>
+            <a:chExt cx="3600400" cy="4320480"/>
+          </a:xfrm>
+        </p:grpSpPr>
+        <p:sp>
+          <p:nvSpPr>
+            <p:cNvPr id="2" name="正方形/長方形 1">
+              <a:extLst>
+                <a:ext uri="{FF2B5EF4-FFF2-40B4-BE49-F238E27FC236}">
+                  <a16:creationId xmlns:a16="http://schemas.microsoft.com/office/drawing/2014/main" id="{39803A51-EF19-DFD7-385F-5A04E164D7F6}"/>
+                </a:ext>
+              </a:extLst>
+            </p:cNvPr>
+            <p:cNvSpPr/>
+            <p:nvPr/>
+          </p:nvSpPr>
+          <p:spPr>
+            <a:xfrm>
+              <a:off x="251520" y="548680"/>
+              <a:ext cx="3600400" cy="4320480"/>
+            </a:xfrm>
+            <a:prstGeom prst="rect">
+              <a:avLst/>
+            </a:prstGeom>
+            <a:solidFill>
+              <a:schemeClr val="tx2">
+                <a:lumMod val="40000"/>
+                <a:lumOff val="60000"/>
+              </a:schemeClr>
+            </a:solidFill>
+            <a:ln>
+              <a:noFill/>
+            </a:ln>
+          </p:spPr>
+          <p:txBody>
+            <a:bodyPr wrap="square" rtlCol="0" anchor="ctr">
+              <a:spAutoFit/>
+            </a:bodyPr>
+            <a:lstStyle/>
+            <a:p>
+              <a:pPr algn="ctr"/>
+              <a:endParaRPr kumimoji="1" lang="ja-JP" altLang="en-US" sz="2400" dirty="0"/>
+            </a:p>
+          </p:txBody>
+        </p:sp>
+        <p:sp>
+          <p:nvSpPr>
+            <p:cNvPr id="3" name="直角三角形 2">
+              <a:extLst>
+                <a:ext uri="{FF2B5EF4-FFF2-40B4-BE49-F238E27FC236}">
+                  <a16:creationId xmlns:a16="http://schemas.microsoft.com/office/drawing/2014/main" id="{B65CF6B8-7389-3D19-E334-33DDCEC76E0B}"/>
+                </a:ext>
+              </a:extLst>
+            </p:cNvPr>
+            <p:cNvSpPr/>
+            <p:nvPr/>
+          </p:nvSpPr>
+          <p:spPr>
+            <a:xfrm>
+              <a:off x="2411760" y="548680"/>
+              <a:ext cx="1440160" cy="1440160"/>
+            </a:xfrm>
+            <a:prstGeom prst="rtTriangle">
+              <a:avLst/>
+            </a:prstGeom>
+            <a:solidFill>
+              <a:schemeClr val="accent6">
+                <a:lumMod val="60000"/>
+                <a:lumOff val="40000"/>
+              </a:schemeClr>
+            </a:solidFill>
+            <a:ln>
+              <a:noFill/>
+            </a:ln>
+          </p:spPr>
+          <p:txBody>
+            <a:bodyPr wrap="square" rtlCol="0" anchor="ctr">
+              <a:spAutoFit/>
+            </a:bodyPr>
+            <a:lstStyle/>
+            <a:p>
+              <a:pPr algn="ctr"/>
+              <a:endParaRPr kumimoji="1" lang="ja-JP" altLang="en-US" sz="2400" dirty="0"/>
+            </a:p>
+          </p:txBody>
+        </p:sp>
+        <p:sp>
+          <p:nvSpPr>
+            <p:cNvPr id="4" name="直角三角形 3">
+              <a:extLst>
+                <a:ext uri="{FF2B5EF4-FFF2-40B4-BE49-F238E27FC236}">
+                  <a16:creationId xmlns:a16="http://schemas.microsoft.com/office/drawing/2014/main" id="{ABDA8013-CBEC-4CAD-E791-40F8F6C34654}"/>
+                </a:ext>
+              </a:extLst>
+            </p:cNvPr>
+            <p:cNvSpPr/>
+            <p:nvPr/>
+          </p:nvSpPr>
+          <p:spPr>
+            <a:xfrm rot="10800000">
+              <a:off x="2411760" y="548680"/>
+              <a:ext cx="1440160" cy="1440160"/>
+            </a:xfrm>
+            <a:prstGeom prst="rtTriangle">
+              <a:avLst/>
+            </a:prstGeom>
+            <a:solidFill>
+              <a:schemeClr val="bg1"/>
+            </a:solidFill>
+            <a:ln>
+              <a:noFill/>
+            </a:ln>
+          </p:spPr>
+          <p:txBody>
+            <a:bodyPr wrap="square" rtlCol="0" anchor="ctr">
+              <a:spAutoFit/>
+            </a:bodyPr>
+            <a:lstStyle/>
+            <a:p>
+              <a:pPr algn="ctr"/>
+              <a:endParaRPr kumimoji="1" lang="ja-JP" altLang="en-US" sz="2400" dirty="0"/>
+            </a:p>
+          </p:txBody>
+        </p:sp>
+        <p:cxnSp>
+          <p:nvCxnSpPr>
+            <p:cNvPr id="6" name="直線コネクタ 5">
+              <a:extLst>
+                <a:ext uri="{FF2B5EF4-FFF2-40B4-BE49-F238E27FC236}">
+                  <a16:creationId xmlns:a16="http://schemas.microsoft.com/office/drawing/2014/main" id="{8B4FA682-00DA-94F1-5E74-3E8F22AA2A30}"/>
+                </a:ext>
+              </a:extLst>
+            </p:cNvPr>
+            <p:cNvCxnSpPr>
+              <a:cxnSpLocks/>
+              <a:stCxn id="4" idx="4"/>
+            </p:cNvCxnSpPr>
+            <p:nvPr/>
+          </p:nvCxnSpPr>
+          <p:spPr>
+            <a:xfrm flipH="1">
+              <a:off x="251520" y="548680"/>
+              <a:ext cx="2160240" cy="0"/>
+            </a:xfrm>
+            <a:prstGeom prst="line">
+              <a:avLst/>
+            </a:prstGeom>
+            <a:ln w="28575">
+              <a:solidFill>
+                <a:schemeClr val="tx1"/>
+              </a:solidFill>
+              <a:headEnd type="none"/>
+              <a:tailEnd type="none"/>
+            </a:ln>
+            <a:effectLst/>
+          </p:spPr>
+          <p:style>
+            <a:lnRef idx="2">
+              <a:schemeClr val="accent1"/>
+            </a:lnRef>
+            <a:fillRef idx="0">
+              <a:schemeClr val="accent1"/>
+            </a:fillRef>
+            <a:effectRef idx="1">
+              <a:schemeClr val="accent1"/>
+            </a:effectRef>
+            <a:fontRef idx="minor">
+              <a:schemeClr val="tx1"/>
+            </a:fontRef>
+          </p:style>
+        </p:cxnSp>
+        <p:cxnSp>
+          <p:nvCxnSpPr>
+            <p:cNvPr id="9" name="直線コネクタ 8">
+              <a:extLst>
+                <a:ext uri="{FF2B5EF4-FFF2-40B4-BE49-F238E27FC236}">
+                  <a16:creationId xmlns:a16="http://schemas.microsoft.com/office/drawing/2014/main" id="{24E30139-71A8-F16D-1185-59A1A0D03E91}"/>
+                </a:ext>
+              </a:extLst>
+            </p:cNvPr>
+            <p:cNvCxnSpPr>
+              <a:cxnSpLocks/>
+            </p:cNvCxnSpPr>
+            <p:nvPr/>
+          </p:nvCxnSpPr>
+          <p:spPr>
+            <a:xfrm flipH="1">
+              <a:off x="251520" y="4869160"/>
+              <a:ext cx="3600400" cy="0"/>
+            </a:xfrm>
+            <a:prstGeom prst="line">
+              <a:avLst/>
+            </a:prstGeom>
+            <a:ln w="28575">
+              <a:solidFill>
+                <a:schemeClr val="tx1"/>
+              </a:solidFill>
+              <a:headEnd type="none"/>
+              <a:tailEnd type="none"/>
+            </a:ln>
+            <a:effectLst/>
+          </p:spPr>
+          <p:style>
+            <a:lnRef idx="2">
+              <a:schemeClr val="accent1"/>
+            </a:lnRef>
+            <a:fillRef idx="0">
+              <a:schemeClr val="accent1"/>
+            </a:fillRef>
+            <a:effectRef idx="1">
+              <a:schemeClr val="accent1"/>
+            </a:effectRef>
+            <a:fontRef idx="minor">
+              <a:schemeClr val="tx1"/>
+            </a:fontRef>
+          </p:style>
+        </p:cxnSp>
+        <p:cxnSp>
+          <p:nvCxnSpPr>
+            <p:cNvPr id="11" name="直線コネクタ 10">
+              <a:extLst>
+                <a:ext uri="{FF2B5EF4-FFF2-40B4-BE49-F238E27FC236}">
+                  <a16:creationId xmlns:a16="http://schemas.microsoft.com/office/drawing/2014/main" id="{8214A191-0F8D-1538-083E-8148BA73BC65}"/>
+                </a:ext>
+              </a:extLst>
+            </p:cNvPr>
+            <p:cNvCxnSpPr>
+              <a:cxnSpLocks/>
+            </p:cNvCxnSpPr>
+            <p:nvPr/>
+          </p:nvCxnSpPr>
+          <p:spPr>
+            <a:xfrm>
+              <a:off x="251520" y="548680"/>
+              <a:ext cx="0" cy="4320480"/>
+            </a:xfrm>
+            <a:prstGeom prst="line">
+              <a:avLst/>
+            </a:prstGeom>
+            <a:ln w="28575">
+              <a:solidFill>
+                <a:schemeClr val="tx1"/>
+              </a:solidFill>
+              <a:headEnd type="none"/>
+              <a:tailEnd type="none"/>
+            </a:ln>
+            <a:effectLst/>
+          </p:spPr>
+          <p:style>
+            <a:lnRef idx="2">
+              <a:schemeClr val="accent1"/>
+            </a:lnRef>
+            <a:fillRef idx="0">
+              <a:schemeClr val="accent1"/>
+            </a:fillRef>
+            <a:effectRef idx="1">
+              <a:schemeClr val="accent1"/>
+            </a:effectRef>
+            <a:fontRef idx="minor">
+              <a:schemeClr val="tx1"/>
+            </a:fontRef>
+          </p:style>
+        </p:cxnSp>
+        <p:cxnSp>
+          <p:nvCxnSpPr>
+            <p:cNvPr id="15" name="直線コネクタ 14">
+              <a:extLst>
+                <a:ext uri="{FF2B5EF4-FFF2-40B4-BE49-F238E27FC236}">
+                  <a16:creationId xmlns:a16="http://schemas.microsoft.com/office/drawing/2014/main" id="{002C3960-C9A9-081D-5A77-43A78F29012E}"/>
+                </a:ext>
+              </a:extLst>
+            </p:cNvPr>
+            <p:cNvCxnSpPr>
+              <a:cxnSpLocks/>
+              <a:stCxn id="3" idx="4"/>
+            </p:cNvCxnSpPr>
+            <p:nvPr/>
+          </p:nvCxnSpPr>
+          <p:spPr>
+            <a:xfrm>
+              <a:off x="3851920" y="1988840"/>
+              <a:ext cx="0" cy="2880320"/>
+            </a:xfrm>
+            <a:prstGeom prst="line">
+              <a:avLst/>
+            </a:prstGeom>
+            <a:ln w="28575">
+              <a:solidFill>
+                <a:schemeClr val="tx1"/>
+              </a:solidFill>
+              <a:headEnd type="none"/>
+              <a:tailEnd type="none"/>
+            </a:ln>
+            <a:effectLst/>
+          </p:spPr>
+          <p:style>
+            <a:lnRef idx="2">
+              <a:schemeClr val="accent1"/>
+            </a:lnRef>
+            <a:fillRef idx="0">
+              <a:schemeClr val="accent1"/>
+            </a:fillRef>
+            <a:effectRef idx="1">
+              <a:schemeClr val="accent1"/>
+            </a:effectRef>
+            <a:fontRef idx="minor">
+              <a:schemeClr val="tx1"/>
+            </a:fontRef>
+          </p:style>
+        </p:cxnSp>
+        <p:cxnSp>
+          <p:nvCxnSpPr>
+            <p:cNvPr id="17" name="直線コネクタ 16">
+              <a:extLst>
+                <a:ext uri="{FF2B5EF4-FFF2-40B4-BE49-F238E27FC236}">
+                  <a16:creationId xmlns:a16="http://schemas.microsoft.com/office/drawing/2014/main" id="{3EB50A53-D172-0952-4334-D0AA0CDA74A6}"/>
+                </a:ext>
+              </a:extLst>
+            </p:cNvPr>
+            <p:cNvCxnSpPr>
+              <a:cxnSpLocks/>
+              <a:stCxn id="4" idx="4"/>
+              <a:endCxn id="4" idx="0"/>
+            </p:cNvCxnSpPr>
+            <p:nvPr/>
+          </p:nvCxnSpPr>
+          <p:spPr>
+            <a:xfrm>
+              <a:off x="2411760" y="548680"/>
+              <a:ext cx="1440160" cy="1440160"/>
+            </a:xfrm>
+            <a:prstGeom prst="line">
+              <a:avLst/>
+            </a:prstGeom>
+            <a:ln w="28575">
+              <a:solidFill>
+                <a:schemeClr val="tx1"/>
+              </a:solidFill>
+              <a:headEnd type="none"/>
+              <a:tailEnd type="none"/>
+            </a:ln>
+            <a:effectLst/>
+          </p:spPr>
+          <p:style>
+            <a:lnRef idx="2">
+              <a:schemeClr val="accent1"/>
+            </a:lnRef>
+            <a:fillRef idx="0">
+              <a:schemeClr val="accent1"/>
+            </a:fillRef>
+            <a:effectRef idx="1">
+              <a:schemeClr val="accent1"/>
+            </a:effectRef>
+            <a:fontRef idx="minor">
+              <a:schemeClr val="tx1"/>
+            </a:fontRef>
+          </p:style>
+        </p:cxnSp>
+        <p:cxnSp>
+          <p:nvCxnSpPr>
+            <p:cNvPr id="29" name="直線コネクタ 28">
+              <a:extLst>
+                <a:ext uri="{FF2B5EF4-FFF2-40B4-BE49-F238E27FC236}">
+                  <a16:creationId xmlns:a16="http://schemas.microsoft.com/office/drawing/2014/main" id="{3D0D553F-18FB-53F7-3F91-9D87A869B638}"/>
+                </a:ext>
+              </a:extLst>
+            </p:cNvPr>
+            <p:cNvCxnSpPr>
+              <a:cxnSpLocks/>
+            </p:cNvCxnSpPr>
+            <p:nvPr/>
+          </p:nvCxnSpPr>
+          <p:spPr>
+            <a:xfrm flipH="1">
+              <a:off x="2411760" y="1988840"/>
+              <a:ext cx="1440160" cy="0"/>
+            </a:xfrm>
+            <a:prstGeom prst="line">
+              <a:avLst/>
+            </a:prstGeom>
+            <a:ln w="28575">
+              <a:solidFill>
+                <a:schemeClr val="tx1"/>
+              </a:solidFill>
+              <a:headEnd type="none"/>
+              <a:tailEnd type="none"/>
+            </a:ln>
+            <a:effectLst/>
+          </p:spPr>
+          <p:style>
+            <a:lnRef idx="2">
+              <a:schemeClr val="accent1"/>
+            </a:lnRef>
+            <a:fillRef idx="0">
+              <a:schemeClr val="accent1"/>
+            </a:fillRef>
+            <a:effectRef idx="1">
+              <a:schemeClr val="accent1"/>
+            </a:effectRef>
+            <a:fontRef idx="minor">
+              <a:schemeClr val="tx1"/>
+            </a:fontRef>
+          </p:style>
+        </p:cxnSp>
+        <p:cxnSp>
+          <p:nvCxnSpPr>
+            <p:cNvPr id="30" name="直線コネクタ 29">
+              <a:extLst>
+                <a:ext uri="{FF2B5EF4-FFF2-40B4-BE49-F238E27FC236}">
+                  <a16:creationId xmlns:a16="http://schemas.microsoft.com/office/drawing/2014/main" id="{AE53D70D-6817-97A4-3F51-15C415E165D9}"/>
+                </a:ext>
+              </a:extLst>
+            </p:cNvPr>
+            <p:cNvCxnSpPr>
+              <a:cxnSpLocks/>
+              <a:stCxn id="4" idx="4"/>
+            </p:cNvCxnSpPr>
+            <p:nvPr/>
+          </p:nvCxnSpPr>
+          <p:spPr>
+            <a:xfrm>
+              <a:off x="2411760" y="548680"/>
+              <a:ext cx="0" cy="1440160"/>
+            </a:xfrm>
+            <a:prstGeom prst="line">
+              <a:avLst/>
+            </a:prstGeom>
+            <a:ln w="28575">
+              <a:solidFill>
+                <a:schemeClr val="tx1"/>
+              </a:solidFill>
+              <a:headEnd type="none"/>
+              <a:tailEnd type="none"/>
+            </a:ln>
+            <a:effectLst/>
+          </p:spPr>
+          <p:style>
+            <a:lnRef idx="2">
+              <a:schemeClr val="accent1"/>
+            </a:lnRef>
+            <a:fillRef idx="0">
+              <a:schemeClr val="accent1"/>
+            </a:fillRef>
+            <a:effectRef idx="1">
+              <a:schemeClr val="accent1"/>
+            </a:effectRef>
+            <a:fontRef idx="minor">
+              <a:schemeClr val="tx1"/>
+            </a:fontRef>
+          </p:style>
+        </p:cxnSp>
+      </p:grpSp>
+      <p:grpSp>
+        <p:nvGrpSpPr>
+          <p:cNvPr id="49" name="グループ化 48">
+            <a:extLst>
+              <a:ext uri="{FF2B5EF4-FFF2-40B4-BE49-F238E27FC236}">
+                <a16:creationId xmlns:a16="http://schemas.microsoft.com/office/drawing/2014/main" id="{EFB16491-04EB-4AD6-4C49-C1F4ABF32FC3}"/>
+              </a:ext>
+            </a:extLst>
+          </p:cNvPr>
+          <p:cNvGrpSpPr/>
+          <p:nvPr/>
+        </p:nvGrpSpPr>
+        <p:grpSpPr>
+          <a:xfrm>
+            <a:off x="5652120" y="2564904"/>
+            <a:ext cx="1200133" cy="1440160"/>
+            <a:chOff x="4572000" y="548680"/>
+            <a:chExt cx="3600400" cy="4320480"/>
+          </a:xfrm>
+        </p:grpSpPr>
+        <p:sp>
+          <p:nvSpPr>
+            <p:cNvPr id="39" name="正方形/長方形 38">
+              <a:extLst>
+                <a:ext uri="{FF2B5EF4-FFF2-40B4-BE49-F238E27FC236}">
+                  <a16:creationId xmlns:a16="http://schemas.microsoft.com/office/drawing/2014/main" id="{3ED6097F-EC83-3097-4541-A441CDF4C881}"/>
+                </a:ext>
+              </a:extLst>
+            </p:cNvPr>
+            <p:cNvSpPr/>
+            <p:nvPr/>
+          </p:nvSpPr>
+          <p:spPr>
+            <a:xfrm>
+              <a:off x="4572000" y="548680"/>
+              <a:ext cx="3600400" cy="4320480"/>
+            </a:xfrm>
+            <a:prstGeom prst="rect">
+              <a:avLst/>
+            </a:prstGeom>
+            <a:solidFill>
+              <a:schemeClr val="accent6">
+                <a:lumMod val="60000"/>
+                <a:lumOff val="40000"/>
+              </a:schemeClr>
+            </a:solidFill>
+            <a:ln>
+              <a:noFill/>
+            </a:ln>
+          </p:spPr>
+          <p:txBody>
+            <a:bodyPr wrap="square" rtlCol="0" anchor="ctr">
+              <a:spAutoFit/>
+            </a:bodyPr>
+            <a:lstStyle/>
+            <a:p>
+              <a:pPr algn="ctr"/>
+              <a:endParaRPr kumimoji="1" lang="ja-JP" altLang="en-US" sz="2400" dirty="0"/>
+            </a:p>
+          </p:txBody>
+        </p:sp>
+        <p:sp>
+          <p:nvSpPr>
+            <p:cNvPr id="40" name="直角三角形 39">
+              <a:extLst>
+                <a:ext uri="{FF2B5EF4-FFF2-40B4-BE49-F238E27FC236}">
+                  <a16:creationId xmlns:a16="http://schemas.microsoft.com/office/drawing/2014/main" id="{14E469E6-32C3-EF28-12C2-8C0E41F903A2}"/>
+                </a:ext>
+              </a:extLst>
+            </p:cNvPr>
+            <p:cNvSpPr/>
+            <p:nvPr/>
+          </p:nvSpPr>
+          <p:spPr>
+            <a:xfrm>
+              <a:off x="6732240" y="548680"/>
+              <a:ext cx="1440160" cy="1440160"/>
+            </a:xfrm>
+            <a:prstGeom prst="rtTriangle">
+              <a:avLst/>
+            </a:prstGeom>
+            <a:solidFill>
+              <a:schemeClr val="tx2">
+                <a:lumMod val="40000"/>
+                <a:lumOff val="60000"/>
+              </a:schemeClr>
+            </a:solidFill>
+            <a:ln>
+              <a:noFill/>
+            </a:ln>
+          </p:spPr>
+          <p:txBody>
+            <a:bodyPr wrap="square" rtlCol="0" anchor="ctr">
+              <a:spAutoFit/>
+            </a:bodyPr>
+            <a:lstStyle/>
+            <a:p>
+              <a:pPr algn="ctr"/>
+              <a:endParaRPr kumimoji="1" lang="ja-JP" altLang="en-US" sz="2400" dirty="0"/>
+            </a:p>
+          </p:txBody>
+        </p:sp>
+        <p:sp>
+          <p:nvSpPr>
+            <p:cNvPr id="41" name="直角三角形 40">
+              <a:extLst>
+                <a:ext uri="{FF2B5EF4-FFF2-40B4-BE49-F238E27FC236}">
+                  <a16:creationId xmlns:a16="http://schemas.microsoft.com/office/drawing/2014/main" id="{B372E292-593D-2906-E4D6-C8929CCFB00E}"/>
+                </a:ext>
+              </a:extLst>
+            </p:cNvPr>
+            <p:cNvSpPr/>
+            <p:nvPr/>
+          </p:nvSpPr>
+          <p:spPr>
+            <a:xfrm rot="10800000">
+              <a:off x="6732240" y="548680"/>
+              <a:ext cx="1440160" cy="1440160"/>
+            </a:xfrm>
+            <a:prstGeom prst="rtTriangle">
+              <a:avLst/>
+            </a:prstGeom>
+            <a:solidFill>
+              <a:schemeClr val="bg1"/>
+            </a:solidFill>
+            <a:ln>
+              <a:noFill/>
+            </a:ln>
+          </p:spPr>
+          <p:txBody>
+            <a:bodyPr wrap="square" rtlCol="0" anchor="ctr">
+              <a:spAutoFit/>
+            </a:bodyPr>
+            <a:lstStyle/>
+            <a:p>
+              <a:pPr algn="ctr"/>
+              <a:endParaRPr kumimoji="1" lang="ja-JP" altLang="en-US" sz="2400" dirty="0"/>
+            </a:p>
+          </p:txBody>
+        </p:sp>
+        <p:cxnSp>
+          <p:nvCxnSpPr>
+            <p:cNvPr id="42" name="直線コネクタ 41">
+              <a:extLst>
+                <a:ext uri="{FF2B5EF4-FFF2-40B4-BE49-F238E27FC236}">
+                  <a16:creationId xmlns:a16="http://schemas.microsoft.com/office/drawing/2014/main" id="{40A006A9-CC8A-DDA1-72C6-9AAB8DBEB799}"/>
+                </a:ext>
+              </a:extLst>
+            </p:cNvPr>
+            <p:cNvCxnSpPr>
+              <a:cxnSpLocks/>
+              <a:stCxn id="41" idx="4"/>
+            </p:cNvCxnSpPr>
+            <p:nvPr/>
+          </p:nvCxnSpPr>
+          <p:spPr>
+            <a:xfrm flipH="1">
+              <a:off x="4572000" y="548680"/>
+              <a:ext cx="2160240" cy="0"/>
+            </a:xfrm>
+            <a:prstGeom prst="line">
+              <a:avLst/>
+            </a:prstGeom>
+            <a:ln w="28575">
+              <a:solidFill>
+                <a:schemeClr val="tx1"/>
+              </a:solidFill>
+              <a:headEnd type="none"/>
+              <a:tailEnd type="none"/>
+            </a:ln>
+            <a:effectLst/>
+          </p:spPr>
+          <p:style>
+            <a:lnRef idx="2">
+              <a:schemeClr val="accent1"/>
+            </a:lnRef>
+            <a:fillRef idx="0">
+              <a:schemeClr val="accent1"/>
+            </a:fillRef>
+            <a:effectRef idx="1">
+              <a:schemeClr val="accent1"/>
+            </a:effectRef>
+            <a:fontRef idx="minor">
+              <a:schemeClr val="tx1"/>
+            </a:fontRef>
+          </p:style>
+        </p:cxnSp>
+        <p:cxnSp>
+          <p:nvCxnSpPr>
+            <p:cNvPr id="43" name="直線コネクタ 42">
+              <a:extLst>
+                <a:ext uri="{FF2B5EF4-FFF2-40B4-BE49-F238E27FC236}">
+                  <a16:creationId xmlns:a16="http://schemas.microsoft.com/office/drawing/2014/main" id="{E122BD92-FDB7-9D7E-F54A-C448DEBBBDAA}"/>
+                </a:ext>
+              </a:extLst>
+            </p:cNvPr>
+            <p:cNvCxnSpPr>
+              <a:cxnSpLocks/>
+            </p:cNvCxnSpPr>
+            <p:nvPr/>
+          </p:nvCxnSpPr>
+          <p:spPr>
+            <a:xfrm flipH="1">
+              <a:off x="4572000" y="4869160"/>
+              <a:ext cx="3600400" cy="0"/>
+            </a:xfrm>
+            <a:prstGeom prst="line">
+              <a:avLst/>
+            </a:prstGeom>
+            <a:ln w="28575">
+              <a:solidFill>
+                <a:schemeClr val="tx1"/>
+              </a:solidFill>
+              <a:headEnd type="none"/>
+              <a:tailEnd type="none"/>
+            </a:ln>
+            <a:effectLst/>
+          </p:spPr>
+          <p:style>
+            <a:lnRef idx="2">
+              <a:schemeClr val="accent1"/>
+            </a:lnRef>
+            <a:fillRef idx="0">
+              <a:schemeClr val="accent1"/>
+            </a:fillRef>
+            <a:effectRef idx="1">
+              <a:schemeClr val="accent1"/>
+            </a:effectRef>
+            <a:fontRef idx="minor">
+              <a:schemeClr val="tx1"/>
+            </a:fontRef>
+          </p:style>
+        </p:cxnSp>
+        <p:cxnSp>
+          <p:nvCxnSpPr>
+            <p:cNvPr id="44" name="直線コネクタ 43">
+              <a:extLst>
+                <a:ext uri="{FF2B5EF4-FFF2-40B4-BE49-F238E27FC236}">
+                  <a16:creationId xmlns:a16="http://schemas.microsoft.com/office/drawing/2014/main" id="{C042802B-73F5-5086-624A-F074C3EB58CF}"/>
+                </a:ext>
+              </a:extLst>
+            </p:cNvPr>
+            <p:cNvCxnSpPr>
+              <a:cxnSpLocks/>
+            </p:cNvCxnSpPr>
+            <p:nvPr/>
+          </p:nvCxnSpPr>
+          <p:spPr>
+            <a:xfrm>
+              <a:off x="4572000" y="548680"/>
+              <a:ext cx="0" cy="4320480"/>
+            </a:xfrm>
+            <a:prstGeom prst="line">
+              <a:avLst/>
+            </a:prstGeom>
+            <a:ln w="28575">
+              <a:solidFill>
+                <a:schemeClr val="tx1"/>
+              </a:solidFill>
+              <a:headEnd type="none"/>
+              <a:tailEnd type="none"/>
+            </a:ln>
+            <a:effectLst/>
+          </p:spPr>
+          <p:style>
+            <a:lnRef idx="2">
+              <a:schemeClr val="accent1"/>
+            </a:lnRef>
+            <a:fillRef idx="0">
+              <a:schemeClr val="accent1"/>
+            </a:fillRef>
+            <a:effectRef idx="1">
+              <a:schemeClr val="accent1"/>
+            </a:effectRef>
+            <a:fontRef idx="minor">
+              <a:schemeClr val="tx1"/>
+            </a:fontRef>
+          </p:style>
+        </p:cxnSp>
+        <p:cxnSp>
+          <p:nvCxnSpPr>
+            <p:cNvPr id="45" name="直線コネクタ 44">
+              <a:extLst>
+                <a:ext uri="{FF2B5EF4-FFF2-40B4-BE49-F238E27FC236}">
+                  <a16:creationId xmlns:a16="http://schemas.microsoft.com/office/drawing/2014/main" id="{73F240EA-9680-96D0-2DBE-62FCEBA6CA58}"/>
+                </a:ext>
+              </a:extLst>
+            </p:cNvPr>
+            <p:cNvCxnSpPr>
+              <a:cxnSpLocks/>
+              <a:stCxn id="40" idx="4"/>
+            </p:cNvCxnSpPr>
+            <p:nvPr/>
+          </p:nvCxnSpPr>
+          <p:spPr>
+            <a:xfrm>
+              <a:off x="8172400" y="1988840"/>
+              <a:ext cx="0" cy="2880320"/>
+            </a:xfrm>
+            <a:prstGeom prst="line">
+              <a:avLst/>
+            </a:prstGeom>
+            <a:ln w="28575">
+              <a:solidFill>
+                <a:schemeClr val="tx1"/>
+              </a:solidFill>
+              <a:headEnd type="none"/>
+              <a:tailEnd type="none"/>
+            </a:ln>
+            <a:effectLst/>
+          </p:spPr>
+          <p:style>
+            <a:lnRef idx="2">
+              <a:schemeClr val="accent1"/>
+            </a:lnRef>
+            <a:fillRef idx="0">
+              <a:schemeClr val="accent1"/>
+            </a:fillRef>
+            <a:effectRef idx="1">
+              <a:schemeClr val="accent1"/>
+            </a:effectRef>
+            <a:fontRef idx="minor">
+              <a:schemeClr val="tx1"/>
+            </a:fontRef>
+          </p:style>
+        </p:cxnSp>
+        <p:cxnSp>
+          <p:nvCxnSpPr>
+            <p:cNvPr id="46" name="直線コネクタ 45">
+              <a:extLst>
+                <a:ext uri="{FF2B5EF4-FFF2-40B4-BE49-F238E27FC236}">
+                  <a16:creationId xmlns:a16="http://schemas.microsoft.com/office/drawing/2014/main" id="{92830397-25E1-B1D2-3D92-1A34B990AF99}"/>
+                </a:ext>
+              </a:extLst>
+            </p:cNvPr>
+            <p:cNvCxnSpPr>
+              <a:cxnSpLocks/>
+              <a:stCxn id="41" idx="4"/>
+              <a:endCxn id="41" idx="0"/>
+            </p:cNvCxnSpPr>
+            <p:nvPr/>
+          </p:nvCxnSpPr>
+          <p:spPr>
+            <a:xfrm>
+              <a:off x="6732240" y="548680"/>
+              <a:ext cx="1440160" cy="1440160"/>
+            </a:xfrm>
+            <a:prstGeom prst="line">
+              <a:avLst/>
+            </a:prstGeom>
+            <a:ln w="28575">
+              <a:solidFill>
+                <a:schemeClr val="tx1"/>
+              </a:solidFill>
+              <a:headEnd type="none"/>
+              <a:tailEnd type="none"/>
+            </a:ln>
+            <a:effectLst/>
+          </p:spPr>
+          <p:style>
+            <a:lnRef idx="2">
+              <a:schemeClr val="accent1"/>
+            </a:lnRef>
+            <a:fillRef idx="0">
+              <a:schemeClr val="accent1"/>
+            </a:fillRef>
+            <a:effectRef idx="1">
+              <a:schemeClr val="accent1"/>
+            </a:effectRef>
+            <a:fontRef idx="minor">
+              <a:schemeClr val="tx1"/>
+            </a:fontRef>
+          </p:style>
+        </p:cxnSp>
+        <p:cxnSp>
+          <p:nvCxnSpPr>
+            <p:cNvPr id="47" name="直線コネクタ 46">
+              <a:extLst>
+                <a:ext uri="{FF2B5EF4-FFF2-40B4-BE49-F238E27FC236}">
+                  <a16:creationId xmlns:a16="http://schemas.microsoft.com/office/drawing/2014/main" id="{5173D861-1451-1C88-3AFE-2BB5EC51C7EB}"/>
+                </a:ext>
+              </a:extLst>
+            </p:cNvPr>
+            <p:cNvCxnSpPr>
+              <a:cxnSpLocks/>
+            </p:cNvCxnSpPr>
+            <p:nvPr/>
+          </p:nvCxnSpPr>
+          <p:spPr>
+            <a:xfrm flipH="1">
+              <a:off x="6732240" y="1988840"/>
+              <a:ext cx="1440160" cy="0"/>
+            </a:xfrm>
+            <a:prstGeom prst="line">
+              <a:avLst/>
+            </a:prstGeom>
+            <a:ln w="28575">
+              <a:solidFill>
+                <a:schemeClr val="tx1"/>
+              </a:solidFill>
+              <a:headEnd type="none"/>
+              <a:tailEnd type="none"/>
+            </a:ln>
+            <a:effectLst/>
+          </p:spPr>
+          <p:style>
+            <a:lnRef idx="2">
+              <a:schemeClr val="accent1"/>
+            </a:lnRef>
+            <a:fillRef idx="0">
+              <a:schemeClr val="accent1"/>
+            </a:fillRef>
+            <a:effectRef idx="1">
+              <a:schemeClr val="accent1"/>
+            </a:effectRef>
+            <a:fontRef idx="minor">
+              <a:schemeClr val="tx1"/>
+            </a:fontRef>
+          </p:style>
+        </p:cxnSp>
+        <p:cxnSp>
+          <p:nvCxnSpPr>
+            <p:cNvPr id="48" name="直線コネクタ 47">
+              <a:extLst>
+                <a:ext uri="{FF2B5EF4-FFF2-40B4-BE49-F238E27FC236}">
+                  <a16:creationId xmlns:a16="http://schemas.microsoft.com/office/drawing/2014/main" id="{B71AB522-FA51-1578-C267-182CD7C9A3B0}"/>
+                </a:ext>
+              </a:extLst>
+            </p:cNvPr>
+            <p:cNvCxnSpPr>
+              <a:cxnSpLocks/>
+              <a:stCxn id="41" idx="4"/>
+            </p:cNvCxnSpPr>
+            <p:nvPr/>
+          </p:nvCxnSpPr>
+          <p:spPr>
+            <a:xfrm>
+              <a:off x="6732240" y="548680"/>
+              <a:ext cx="0" cy="1440160"/>
+            </a:xfrm>
+            <a:prstGeom prst="line">
+              <a:avLst/>
+            </a:prstGeom>
+            <a:ln w="28575">
+              <a:solidFill>
+                <a:schemeClr val="tx1"/>
+              </a:solidFill>
+              <a:headEnd type="none"/>
+              <a:tailEnd type="none"/>
+            </a:ln>
+            <a:effectLst/>
+          </p:spPr>
+          <p:style>
+            <a:lnRef idx="2">
+              <a:schemeClr val="accent1"/>
+            </a:lnRef>
+            <a:fillRef idx="0">
+              <a:schemeClr val="accent1"/>
+            </a:fillRef>
+            <a:effectRef idx="1">
+              <a:schemeClr val="accent1"/>
+            </a:effectRef>
+            <a:fontRef idx="minor">
+              <a:schemeClr val="tx1"/>
+            </a:fontRef>
+          </p:style>
+        </p:cxnSp>
+      </p:grpSp>
+      <p:sp>
+        <p:nvSpPr>
+          <p:cNvPr id="51" name="テキスト ボックス 50">
+            <a:extLst>
+              <a:ext uri="{FF2B5EF4-FFF2-40B4-BE49-F238E27FC236}">
+                <a16:creationId xmlns:a16="http://schemas.microsoft.com/office/drawing/2014/main" id="{3CDD84CE-B049-E825-E5F7-681CE68B7EF2}"/>
+              </a:ext>
+            </a:extLst>
+          </p:cNvPr>
+          <p:cNvSpPr txBox="1"/>
+          <p:nvPr/>
+        </p:nvSpPr>
+        <p:spPr>
+          <a:xfrm>
+            <a:off x="2771800" y="476672"/>
+            <a:ext cx="2537874" cy="707886"/>
+          </a:xfrm>
+          <a:prstGeom prst="rect">
+            <a:avLst/>
+          </a:prstGeom>
+          <a:noFill/>
+        </p:spPr>
+        <p:txBody>
+          <a:bodyPr wrap="none" rtlCol="0">
+            <a:spAutoFit/>
+          </a:bodyPr>
+          <a:lstStyle/>
+          <a:p>
+            <a:r>
+              <a:rPr lang="ja-JP" altLang="en-US" sz="4000"/>
+              <a:t>双対 </a:t>
+            </a:r>
+            <a:r>
+              <a:rPr lang="en-US" altLang="ja-JP" sz="4000"/>
+              <a:t>(dual)</a:t>
+            </a:r>
+            <a:endParaRPr kumimoji="1" lang="ja-JP" altLang="en-US" sz="4000" dirty="0"/>
+          </a:p>
+        </p:txBody>
+      </p:sp>
+      <p:sp>
+        <p:nvSpPr>
+          <p:cNvPr id="52" name="テキスト ボックス 51">
+            <a:extLst>
+              <a:ext uri="{FF2B5EF4-FFF2-40B4-BE49-F238E27FC236}">
+                <a16:creationId xmlns:a16="http://schemas.microsoft.com/office/drawing/2014/main" id="{CAF1DFA4-0182-7617-D1AD-E91DE33108AE}"/>
+              </a:ext>
+            </a:extLst>
+          </p:cNvPr>
+          <p:cNvSpPr txBox="1"/>
+          <p:nvPr/>
+        </p:nvSpPr>
+        <p:spPr>
+          <a:xfrm>
+            <a:off x="2987824" y="1484784"/>
+            <a:ext cx="2238113" cy="461665"/>
+          </a:xfrm>
+          <a:prstGeom prst="rect">
+            <a:avLst/>
+          </a:prstGeom>
+          <a:noFill/>
+        </p:spPr>
+        <p:txBody>
+          <a:bodyPr wrap="none" rtlCol="0">
+            <a:spAutoFit/>
+          </a:bodyPr>
+          <a:lstStyle/>
+          <a:p>
+            <a:r>
+              <a:rPr kumimoji="1" lang="ja-JP" altLang="en-US" sz="2400"/>
+              <a:t>イメージ：裏返し</a:t>
+            </a:r>
+            <a:endParaRPr kumimoji="1" lang="ja-JP" altLang="en-US" sz="2400" dirty="0"/>
+          </a:p>
+        </p:txBody>
+      </p:sp>
+      <p:pic>
+        <p:nvPicPr>
+          <p:cNvPr id="1026" name="Picture 2" descr="くるっとした矢印のイラスト「上」">
+            <a:extLst>
+              <a:ext uri="{FF2B5EF4-FFF2-40B4-BE49-F238E27FC236}">
+                <a16:creationId xmlns:a16="http://schemas.microsoft.com/office/drawing/2014/main" id="{33FD665C-03F5-E1BF-ECBE-DEEB138CEC66}"/>
+              </a:ext>
+            </a:extLst>
+          </p:cNvPr>
+          <p:cNvPicPr>
+            <a:picLocks noChangeAspect="1" noChangeArrowheads="1"/>
+          </p:cNvPicPr>
+          <p:nvPr/>
+        </p:nvPicPr>
+        <p:blipFill>
+          <a:blip r:embed="rId2">
+            <a:extLst>
+              <a:ext uri="{28A0092B-C50C-407E-A947-70E740481C1C}">
+                <a14:useLocalDpi xmlns:a14="http://schemas.microsoft.com/office/drawing/2010/main" val="0"/>
+              </a:ext>
+            </a:extLst>
+          </a:blip>
+          <a:srcRect/>
+          <a:stretch>
+            <a:fillRect/>
+          </a:stretch>
+        </p:blipFill>
+        <p:spPr bwMode="auto">
+          <a:xfrm rot="5931399" flipH="1">
+            <a:off x="4052490" y="2056402"/>
+            <a:ext cx="1111944" cy="1649587"/>
+          </a:xfrm>
+          <a:prstGeom prst="rect">
+            <a:avLst/>
+          </a:prstGeom>
+          <a:noFill/>
+          <a:extLst>
+            <a:ext uri="{909E8E84-426E-40DD-AFC4-6F175D3DCCD1}">
+              <a14:hiddenFill xmlns:a14="http://schemas.microsoft.com/office/drawing/2010/main">
+                <a:solidFill>
+                  <a:srgbClr val="FFFFFF"/>
+                </a:solidFill>
+              </a14:hiddenFill>
+            </a:ext>
+          </a:extLst>
+        </p:spPr>
+      </p:pic>
+      <p:pic>
+        <p:nvPicPr>
+          <p:cNvPr id="1028" name="Picture 4" descr="くるっとした矢印のイラスト「左」">
+            <a:extLst>
+              <a:ext uri="{FF2B5EF4-FFF2-40B4-BE49-F238E27FC236}">
+                <a16:creationId xmlns:a16="http://schemas.microsoft.com/office/drawing/2014/main" id="{BAA98FDD-DFCD-F9EB-3EE8-A8B0AF243105}"/>
+              </a:ext>
+            </a:extLst>
+          </p:cNvPr>
+          <p:cNvPicPr>
+            <a:picLocks noChangeAspect="1" noChangeArrowheads="1"/>
+          </p:cNvPicPr>
+          <p:nvPr/>
+        </p:nvPicPr>
+        <p:blipFill>
+          <a:blip r:embed="rId3">
+            <a:extLst>
+              <a:ext uri="{28A0092B-C50C-407E-A947-70E740481C1C}">
+                <a14:useLocalDpi xmlns:a14="http://schemas.microsoft.com/office/drawing/2010/main" val="0"/>
+              </a:ext>
+            </a:extLst>
+          </a:blip>
+          <a:srcRect/>
+          <a:stretch>
+            <a:fillRect/>
+          </a:stretch>
+        </p:blipFill>
+        <p:spPr bwMode="auto">
+          <a:xfrm flipV="1">
+            <a:off x="3707904" y="3356992"/>
+            <a:ext cx="1645915" cy="981453"/>
+          </a:xfrm>
+          <a:prstGeom prst="rect">
+            <a:avLst/>
+          </a:prstGeom>
+          <a:noFill/>
+          <a:extLst>
+            <a:ext uri="{909E8E84-426E-40DD-AFC4-6F175D3DCCD1}">
+              <a14:hiddenFill xmlns:a14="http://schemas.microsoft.com/office/drawing/2010/main">
+                <a:solidFill>
+                  <a:srgbClr val="FFFFFF"/>
+                </a:solidFill>
+              </a14:hiddenFill>
+            </a:ext>
+          </a:extLst>
+        </p:spPr>
+      </p:pic>
+      <mc:AlternateContent xmlns:mc="http://schemas.openxmlformats.org/markup-compatibility/2006">
+        <mc:Choice xmlns:a14="http://schemas.microsoft.com/office/drawing/2010/main" Requires="a14">
+          <p:sp>
+            <p:nvSpPr>
+              <p:cNvPr id="54" name="テキスト ボックス 53">
+                <a:extLst>
+                  <a:ext uri="{FF2B5EF4-FFF2-40B4-BE49-F238E27FC236}">
+                    <a16:creationId xmlns:a16="http://schemas.microsoft.com/office/drawing/2014/main" id="{FC4586DA-EDE6-C389-B9C3-92A3B4A90EDF}"/>
+                  </a:ext>
+                </a:extLst>
+              </p:cNvPr>
+              <p:cNvSpPr txBox="1"/>
+              <p:nvPr/>
+            </p:nvSpPr>
+            <p:spPr>
+              <a:xfrm>
+                <a:off x="2669088" y="2924944"/>
+                <a:ext cx="606768" cy="923330"/>
+              </a:xfrm>
+              <a:prstGeom prst="rect">
+                <a:avLst/>
+              </a:prstGeom>
+              <a:noFill/>
+            </p:spPr>
+            <p:txBody>
+              <a:bodyPr wrap="none" lIns="0" tIns="0" rIns="0" bIns="0" rtlCol="0">
+                <a:spAutoFit/>
+              </a:bodyPr>
+              <a:lstStyle/>
+              <a:p>
+                <a14:m>
+                  <m:oMathPara xmlns:m="http://schemas.openxmlformats.org/officeDocument/2006/math">
+                    <m:oMathParaPr>
+                      <m:jc m:val="centerGroup"/>
+                    </m:oMathParaPr>
+                    <m:oMath xmlns:m="http://schemas.openxmlformats.org/officeDocument/2006/math">
+                      <m:r>
+                        <a:rPr kumimoji="1" lang="en-US" altLang="ja-JP" sz="6000" b="0" i="1" smtClean="0">
+                          <a:latin typeface="Cambria Math" panose="02040503050406030204" pitchFamily="18" charset="0"/>
+                        </a:rPr>
+                        <m:t>𝑥</m:t>
+                      </m:r>
+                    </m:oMath>
+                  </m:oMathPara>
+                </a14:m>
+                <a:endParaRPr kumimoji="1" lang="ja-JP" altLang="en-US" sz="6000" dirty="0"/>
+              </a:p>
+            </p:txBody>
+          </p:sp>
+        </mc:Choice>
+        <mc:Fallback>
+          <p:sp>
+            <p:nvSpPr>
+              <p:cNvPr id="54" name="テキスト ボックス 53">
+                <a:extLst>
+                  <a:ext uri="{FF2B5EF4-FFF2-40B4-BE49-F238E27FC236}">
+                    <a16:creationId xmlns:a16="http://schemas.microsoft.com/office/drawing/2014/main" id="{FC4586DA-EDE6-C389-B9C3-92A3B4A90EDF}"/>
+                  </a:ext>
+                </a:extLst>
+              </p:cNvPr>
+              <p:cNvSpPr txBox="1">
+                <a:spLocks noRot="1" noChangeAspect="1" noMove="1" noResize="1" noEditPoints="1" noAdjustHandles="1" noChangeArrowheads="1" noChangeShapeType="1" noTextEdit="1"/>
+              </p:cNvSpPr>
+              <p:nvPr/>
+            </p:nvSpPr>
+            <p:spPr>
+              <a:xfrm>
+                <a:off x="2669088" y="2924944"/>
+                <a:ext cx="606768" cy="923330"/>
+              </a:xfrm>
+              <a:prstGeom prst="rect">
+                <a:avLst/>
+              </a:prstGeom>
+              <a:blipFill>
+                <a:blip r:embed="rId4"/>
+                <a:stretch>
+                  <a:fillRect/>
+                </a:stretch>
+              </a:blipFill>
+            </p:spPr>
+            <p:txBody>
+              <a:bodyPr/>
+              <a:lstStyle/>
+              <a:p>
+                <a:r>
+                  <a:rPr lang="ja-JP" altLang="en-US">
+                    <a:noFill/>
+                  </a:rPr>
+                  <a:t> </a:t>
+                </a:r>
+              </a:p>
+            </p:txBody>
+          </p:sp>
+        </mc:Fallback>
+      </mc:AlternateContent>
+      <mc:AlternateContent xmlns:mc="http://schemas.openxmlformats.org/markup-compatibility/2006">
+        <mc:Choice xmlns:a14="http://schemas.microsoft.com/office/drawing/2010/main" Requires="a14">
+          <p:sp>
+            <p:nvSpPr>
+              <p:cNvPr id="55" name="テキスト ボックス 54">
+                <a:extLst>
+                  <a:ext uri="{FF2B5EF4-FFF2-40B4-BE49-F238E27FC236}">
+                    <a16:creationId xmlns:a16="http://schemas.microsoft.com/office/drawing/2014/main" id="{D4DAE3F0-B4A8-F2FD-BB8A-42FDCDDED4BD}"/>
+                  </a:ext>
+                </a:extLst>
+              </p:cNvPr>
+              <p:cNvSpPr txBox="1"/>
+              <p:nvPr/>
+            </p:nvSpPr>
+            <p:spPr>
+              <a:xfrm>
+                <a:off x="5940152" y="2852936"/>
+                <a:ext cx="622093" cy="923330"/>
+              </a:xfrm>
+              <a:prstGeom prst="rect">
+                <a:avLst/>
+              </a:prstGeom>
+              <a:noFill/>
+            </p:spPr>
+            <p:txBody>
+              <a:bodyPr wrap="none" lIns="0" tIns="0" rIns="0" bIns="0" rtlCol="0">
+                <a:spAutoFit/>
+              </a:bodyPr>
+              <a:lstStyle/>
+              <a:p>
+                <a14:m>
+                  <m:oMathPara xmlns:m="http://schemas.openxmlformats.org/officeDocument/2006/math">
+                    <m:oMathParaPr>
+                      <m:jc m:val="centerGroup"/>
+                    </m:oMathParaPr>
+                    <m:oMath xmlns:m="http://schemas.openxmlformats.org/officeDocument/2006/math">
+                      <m:r>
+                        <a:rPr kumimoji="1" lang="en-US" altLang="ja-JP" sz="6000" b="0" i="1" smtClean="0">
+                          <a:latin typeface="Cambria Math" panose="02040503050406030204" pitchFamily="18" charset="0"/>
+                        </a:rPr>
+                        <m:t>𝑘</m:t>
+                      </m:r>
+                    </m:oMath>
+                  </m:oMathPara>
+                </a14:m>
+                <a:endParaRPr kumimoji="1" lang="ja-JP" altLang="en-US" sz="6000" dirty="0"/>
+              </a:p>
+            </p:txBody>
+          </p:sp>
+        </mc:Choice>
+        <mc:Fallback>
+          <p:sp>
+            <p:nvSpPr>
+              <p:cNvPr id="55" name="テキスト ボックス 54">
+                <a:extLst>
+                  <a:ext uri="{FF2B5EF4-FFF2-40B4-BE49-F238E27FC236}">
+                    <a16:creationId xmlns:a16="http://schemas.microsoft.com/office/drawing/2014/main" id="{D4DAE3F0-B4A8-F2FD-BB8A-42FDCDDED4BD}"/>
+                  </a:ext>
+                </a:extLst>
+              </p:cNvPr>
+              <p:cNvSpPr txBox="1">
+                <a:spLocks noRot="1" noChangeAspect="1" noMove="1" noResize="1" noEditPoints="1" noAdjustHandles="1" noChangeArrowheads="1" noChangeShapeType="1" noTextEdit="1"/>
+              </p:cNvSpPr>
+              <p:nvPr/>
+            </p:nvSpPr>
+            <p:spPr>
+              <a:xfrm>
+                <a:off x="5940152" y="2852936"/>
+                <a:ext cx="622093" cy="923330"/>
+              </a:xfrm>
+              <a:prstGeom prst="rect">
+                <a:avLst/>
+              </a:prstGeom>
+              <a:blipFill>
+                <a:blip r:embed="rId5"/>
+                <a:stretch>
+                  <a:fillRect/>
+                </a:stretch>
+              </a:blipFill>
+            </p:spPr>
+            <p:txBody>
+              <a:bodyPr/>
+              <a:lstStyle/>
+              <a:p>
+                <a:r>
+                  <a:rPr lang="ja-JP" altLang="en-US">
+                    <a:noFill/>
+                  </a:rPr>
+                  <a:t> </a:t>
+                </a:r>
+              </a:p>
+            </p:txBody>
+          </p:sp>
+        </mc:Fallback>
+      </mc:AlternateContent>
+      <p:sp>
+        <p:nvSpPr>
+          <p:cNvPr id="56" name="テキスト ボックス 55">
+            <a:extLst>
+              <a:ext uri="{FF2B5EF4-FFF2-40B4-BE49-F238E27FC236}">
+                <a16:creationId xmlns:a16="http://schemas.microsoft.com/office/drawing/2014/main" id="{55B74991-CC12-7200-4CAD-B0B7DC0AEC65}"/>
+              </a:ext>
+            </a:extLst>
+          </p:cNvPr>
+          <p:cNvSpPr txBox="1"/>
+          <p:nvPr/>
+        </p:nvSpPr>
+        <p:spPr>
+          <a:xfrm>
+            <a:off x="467544" y="2996952"/>
+            <a:ext cx="1850186" cy="461665"/>
+          </a:xfrm>
+          <a:prstGeom prst="rect">
+            <a:avLst/>
+          </a:prstGeom>
+          <a:noFill/>
+        </p:spPr>
+        <p:txBody>
+          <a:bodyPr wrap="none" rtlCol="0">
+            <a:spAutoFit/>
+          </a:bodyPr>
+          <a:lstStyle/>
+          <a:p>
+            <a:r>
+              <a:rPr lang="ja-JP" altLang="en-US" sz="2400"/>
+              <a:t>フーリエ変換</a:t>
+            </a:r>
+            <a:endParaRPr kumimoji="1" lang="ja-JP" altLang="en-US" sz="2400" dirty="0"/>
+          </a:p>
+        </p:txBody>
+      </p:sp>
+      <p:sp>
+        <p:nvSpPr>
+          <p:cNvPr id="57" name="テキスト ボックス 56">
+            <a:extLst>
+              <a:ext uri="{FF2B5EF4-FFF2-40B4-BE49-F238E27FC236}">
+                <a16:creationId xmlns:a16="http://schemas.microsoft.com/office/drawing/2014/main" id="{B98245AC-14B6-BBB6-5BD6-D363B65D3B90}"/>
+              </a:ext>
+            </a:extLst>
+          </p:cNvPr>
+          <p:cNvSpPr txBox="1"/>
+          <p:nvPr/>
+        </p:nvSpPr>
+        <p:spPr>
+          <a:xfrm>
+            <a:off x="323528" y="5085184"/>
+            <a:ext cx="1776448" cy="830997"/>
+          </a:xfrm>
+          <a:prstGeom prst="rect">
+            <a:avLst/>
+          </a:prstGeom>
+          <a:noFill/>
+        </p:spPr>
+        <p:txBody>
+          <a:bodyPr wrap="none" rtlCol="0">
+            <a:spAutoFit/>
+          </a:bodyPr>
+          <a:lstStyle/>
+          <a:p>
+            <a:r>
+              <a:rPr kumimoji="1" lang="ja-JP" altLang="en-US" sz="2400"/>
+              <a:t>縦ベクトルと</a:t>
+            </a:r>
+            <a:endParaRPr kumimoji="1" lang="en-US" altLang="ja-JP" sz="2400"/>
+          </a:p>
+          <a:p>
+            <a:r>
+              <a:rPr lang="ja-JP" altLang="en-US" sz="2400"/>
+              <a:t>横ベクトル</a:t>
+            </a:r>
+            <a:endParaRPr kumimoji="1" lang="ja-JP" altLang="en-US" sz="2400" dirty="0"/>
+          </a:p>
+        </p:txBody>
+      </p:sp>
+      <p:grpSp>
+        <p:nvGrpSpPr>
+          <p:cNvPr id="1046" name="グループ化 1045">
+            <a:extLst>
+              <a:ext uri="{FF2B5EF4-FFF2-40B4-BE49-F238E27FC236}">
+                <a16:creationId xmlns:a16="http://schemas.microsoft.com/office/drawing/2014/main" id="{F71184E0-6F9A-A5AD-C06B-52CDE4D263ED}"/>
+              </a:ext>
+            </a:extLst>
+          </p:cNvPr>
+          <p:cNvGrpSpPr/>
+          <p:nvPr/>
+        </p:nvGrpSpPr>
+        <p:grpSpPr>
+          <a:xfrm>
+            <a:off x="2411760" y="4797152"/>
+            <a:ext cx="1200133" cy="1440160"/>
+            <a:chOff x="251520" y="548680"/>
+            <a:chExt cx="3600400" cy="4320480"/>
+          </a:xfrm>
+        </p:grpSpPr>
+        <p:sp>
+          <p:nvSpPr>
+            <p:cNvPr id="1047" name="正方形/長方形 1046">
+              <a:extLst>
+                <a:ext uri="{FF2B5EF4-FFF2-40B4-BE49-F238E27FC236}">
+                  <a16:creationId xmlns:a16="http://schemas.microsoft.com/office/drawing/2014/main" id="{A42C96EB-82B9-1049-C00A-3C64EF2154B2}"/>
+                </a:ext>
+              </a:extLst>
+            </p:cNvPr>
+            <p:cNvSpPr/>
+            <p:nvPr/>
+          </p:nvSpPr>
+          <p:spPr>
+            <a:xfrm>
+              <a:off x="251520" y="548680"/>
+              <a:ext cx="3600400" cy="4320480"/>
+            </a:xfrm>
+            <a:prstGeom prst="rect">
+              <a:avLst/>
+            </a:prstGeom>
+            <a:solidFill>
+              <a:schemeClr val="tx2">
+                <a:lumMod val="40000"/>
+                <a:lumOff val="60000"/>
+              </a:schemeClr>
+            </a:solidFill>
+            <a:ln>
+              <a:noFill/>
+            </a:ln>
+          </p:spPr>
+          <p:txBody>
+            <a:bodyPr wrap="square" rtlCol="0" anchor="ctr">
+              <a:spAutoFit/>
+            </a:bodyPr>
+            <a:lstStyle/>
+            <a:p>
+              <a:pPr algn="ctr"/>
+              <a:endParaRPr kumimoji="1" lang="ja-JP" altLang="en-US" sz="2400" dirty="0"/>
+            </a:p>
+          </p:txBody>
+        </p:sp>
+        <p:sp>
+          <p:nvSpPr>
+            <p:cNvPr id="1048" name="直角三角形 1047">
+              <a:extLst>
+                <a:ext uri="{FF2B5EF4-FFF2-40B4-BE49-F238E27FC236}">
+                  <a16:creationId xmlns:a16="http://schemas.microsoft.com/office/drawing/2014/main" id="{18A30472-0676-BE02-0B06-C46A326E392E}"/>
+                </a:ext>
+              </a:extLst>
+            </p:cNvPr>
+            <p:cNvSpPr/>
+            <p:nvPr/>
+          </p:nvSpPr>
+          <p:spPr>
+            <a:xfrm>
+              <a:off x="2411760" y="548680"/>
+              <a:ext cx="1440160" cy="1440160"/>
+            </a:xfrm>
+            <a:prstGeom prst="rtTriangle">
+              <a:avLst/>
+            </a:prstGeom>
+            <a:solidFill>
+              <a:schemeClr val="accent6">
+                <a:lumMod val="60000"/>
+                <a:lumOff val="40000"/>
+              </a:schemeClr>
+            </a:solidFill>
+            <a:ln>
+              <a:noFill/>
+            </a:ln>
+          </p:spPr>
+          <p:txBody>
+            <a:bodyPr wrap="square" rtlCol="0" anchor="ctr">
+              <a:spAutoFit/>
+            </a:bodyPr>
+            <a:lstStyle/>
+            <a:p>
+              <a:pPr algn="ctr"/>
+              <a:endParaRPr kumimoji="1" lang="ja-JP" altLang="en-US" sz="2400" dirty="0"/>
+            </a:p>
+          </p:txBody>
+        </p:sp>
+        <p:sp>
+          <p:nvSpPr>
+            <p:cNvPr id="1049" name="直角三角形 1048">
+              <a:extLst>
+                <a:ext uri="{FF2B5EF4-FFF2-40B4-BE49-F238E27FC236}">
+                  <a16:creationId xmlns:a16="http://schemas.microsoft.com/office/drawing/2014/main" id="{5880A947-53BF-EB18-0CBD-D634B2852B2A}"/>
+                </a:ext>
+              </a:extLst>
+            </p:cNvPr>
+            <p:cNvSpPr/>
+            <p:nvPr/>
+          </p:nvSpPr>
+          <p:spPr>
+            <a:xfrm rot="10800000">
+              <a:off x="2411760" y="548680"/>
+              <a:ext cx="1440160" cy="1440160"/>
+            </a:xfrm>
+            <a:prstGeom prst="rtTriangle">
+              <a:avLst/>
+            </a:prstGeom>
+            <a:solidFill>
+              <a:schemeClr val="bg1"/>
+            </a:solidFill>
+            <a:ln>
+              <a:noFill/>
+            </a:ln>
+          </p:spPr>
+          <p:txBody>
+            <a:bodyPr wrap="square" rtlCol="0" anchor="ctr">
+              <a:spAutoFit/>
+            </a:bodyPr>
+            <a:lstStyle/>
+            <a:p>
+              <a:pPr algn="ctr"/>
+              <a:endParaRPr kumimoji="1" lang="ja-JP" altLang="en-US" sz="2400" dirty="0"/>
+            </a:p>
+          </p:txBody>
+        </p:sp>
+        <p:cxnSp>
+          <p:nvCxnSpPr>
+            <p:cNvPr id="1050" name="直線コネクタ 1049">
+              <a:extLst>
+                <a:ext uri="{FF2B5EF4-FFF2-40B4-BE49-F238E27FC236}">
+                  <a16:creationId xmlns:a16="http://schemas.microsoft.com/office/drawing/2014/main" id="{647F59D9-494F-2FBF-D474-6B2BA138BA13}"/>
+                </a:ext>
+              </a:extLst>
+            </p:cNvPr>
+            <p:cNvCxnSpPr>
+              <a:cxnSpLocks/>
+              <a:stCxn id="1049" idx="4"/>
+            </p:cNvCxnSpPr>
+            <p:nvPr/>
+          </p:nvCxnSpPr>
+          <p:spPr>
+            <a:xfrm flipH="1">
+              <a:off x="251520" y="548680"/>
+              <a:ext cx="2160240" cy="0"/>
+            </a:xfrm>
+            <a:prstGeom prst="line">
+              <a:avLst/>
+            </a:prstGeom>
+            <a:ln w="28575">
+              <a:solidFill>
+                <a:schemeClr val="tx1"/>
+              </a:solidFill>
+              <a:headEnd type="none"/>
+              <a:tailEnd type="none"/>
+            </a:ln>
+            <a:effectLst/>
+          </p:spPr>
+          <p:style>
+            <a:lnRef idx="2">
+              <a:schemeClr val="accent1"/>
+            </a:lnRef>
+            <a:fillRef idx="0">
+              <a:schemeClr val="accent1"/>
+            </a:fillRef>
+            <a:effectRef idx="1">
+              <a:schemeClr val="accent1"/>
+            </a:effectRef>
+            <a:fontRef idx="minor">
+              <a:schemeClr val="tx1"/>
+            </a:fontRef>
+          </p:style>
+        </p:cxnSp>
+        <p:cxnSp>
+          <p:nvCxnSpPr>
+            <p:cNvPr id="1051" name="直線コネクタ 1050">
+              <a:extLst>
+                <a:ext uri="{FF2B5EF4-FFF2-40B4-BE49-F238E27FC236}">
+                  <a16:creationId xmlns:a16="http://schemas.microsoft.com/office/drawing/2014/main" id="{D14BE21F-C9E5-94D3-AD83-3999A2621C84}"/>
+                </a:ext>
+              </a:extLst>
+            </p:cNvPr>
+            <p:cNvCxnSpPr>
+              <a:cxnSpLocks/>
+            </p:cNvCxnSpPr>
+            <p:nvPr/>
+          </p:nvCxnSpPr>
+          <p:spPr>
+            <a:xfrm flipH="1">
+              <a:off x="251520" y="4869160"/>
+              <a:ext cx="3600400" cy="0"/>
+            </a:xfrm>
+            <a:prstGeom prst="line">
+              <a:avLst/>
+            </a:prstGeom>
+            <a:ln w="28575">
+              <a:solidFill>
+                <a:schemeClr val="tx1"/>
+              </a:solidFill>
+              <a:headEnd type="none"/>
+              <a:tailEnd type="none"/>
+            </a:ln>
+            <a:effectLst/>
+          </p:spPr>
+          <p:style>
+            <a:lnRef idx="2">
+              <a:schemeClr val="accent1"/>
+            </a:lnRef>
+            <a:fillRef idx="0">
+              <a:schemeClr val="accent1"/>
+            </a:fillRef>
+            <a:effectRef idx="1">
+              <a:schemeClr val="accent1"/>
+            </a:effectRef>
+            <a:fontRef idx="minor">
+              <a:schemeClr val="tx1"/>
+            </a:fontRef>
+          </p:style>
+        </p:cxnSp>
+        <p:cxnSp>
+          <p:nvCxnSpPr>
+            <p:cNvPr id="1052" name="直線コネクタ 1051">
+              <a:extLst>
+                <a:ext uri="{FF2B5EF4-FFF2-40B4-BE49-F238E27FC236}">
+                  <a16:creationId xmlns:a16="http://schemas.microsoft.com/office/drawing/2014/main" id="{56E7421F-01CD-CCF6-ED16-C76865D4B42E}"/>
+                </a:ext>
+              </a:extLst>
+            </p:cNvPr>
+            <p:cNvCxnSpPr>
+              <a:cxnSpLocks/>
+            </p:cNvCxnSpPr>
+            <p:nvPr/>
+          </p:nvCxnSpPr>
+          <p:spPr>
+            <a:xfrm>
+              <a:off x="251520" y="548680"/>
+              <a:ext cx="0" cy="4320480"/>
+            </a:xfrm>
+            <a:prstGeom prst="line">
+              <a:avLst/>
+            </a:prstGeom>
+            <a:ln w="28575">
+              <a:solidFill>
+                <a:schemeClr val="tx1"/>
+              </a:solidFill>
+              <a:headEnd type="none"/>
+              <a:tailEnd type="none"/>
+            </a:ln>
+            <a:effectLst/>
+          </p:spPr>
+          <p:style>
+            <a:lnRef idx="2">
+              <a:schemeClr val="accent1"/>
+            </a:lnRef>
+            <a:fillRef idx="0">
+              <a:schemeClr val="accent1"/>
+            </a:fillRef>
+            <a:effectRef idx="1">
+              <a:schemeClr val="accent1"/>
+            </a:effectRef>
+            <a:fontRef idx="minor">
+              <a:schemeClr val="tx1"/>
+            </a:fontRef>
+          </p:style>
+        </p:cxnSp>
+        <p:cxnSp>
+          <p:nvCxnSpPr>
+            <p:cNvPr id="1053" name="直線コネクタ 1052">
+              <a:extLst>
+                <a:ext uri="{FF2B5EF4-FFF2-40B4-BE49-F238E27FC236}">
+                  <a16:creationId xmlns:a16="http://schemas.microsoft.com/office/drawing/2014/main" id="{89A46002-5827-F772-FC27-8B61C64DB7C4}"/>
+                </a:ext>
+              </a:extLst>
+            </p:cNvPr>
+            <p:cNvCxnSpPr>
+              <a:cxnSpLocks/>
+              <a:stCxn id="1048" idx="4"/>
+            </p:cNvCxnSpPr>
+            <p:nvPr/>
+          </p:nvCxnSpPr>
+          <p:spPr>
+            <a:xfrm>
+              <a:off x="3851920" y="1988840"/>
+              <a:ext cx="0" cy="2880320"/>
+            </a:xfrm>
+            <a:prstGeom prst="line">
+              <a:avLst/>
+            </a:prstGeom>
+            <a:ln w="28575">
+              <a:solidFill>
+                <a:schemeClr val="tx1"/>
+              </a:solidFill>
+              <a:headEnd type="none"/>
+              <a:tailEnd type="none"/>
+            </a:ln>
+            <a:effectLst/>
+          </p:spPr>
+          <p:style>
+            <a:lnRef idx="2">
+              <a:schemeClr val="accent1"/>
+            </a:lnRef>
+            <a:fillRef idx="0">
+              <a:schemeClr val="accent1"/>
+            </a:fillRef>
+            <a:effectRef idx="1">
+              <a:schemeClr val="accent1"/>
+            </a:effectRef>
+            <a:fontRef idx="minor">
+              <a:schemeClr val="tx1"/>
+            </a:fontRef>
+          </p:style>
+        </p:cxnSp>
+        <p:cxnSp>
+          <p:nvCxnSpPr>
+            <p:cNvPr id="1054" name="直線コネクタ 1053">
+              <a:extLst>
+                <a:ext uri="{FF2B5EF4-FFF2-40B4-BE49-F238E27FC236}">
+                  <a16:creationId xmlns:a16="http://schemas.microsoft.com/office/drawing/2014/main" id="{86F2CE8C-CF7A-4C9F-6C09-04A83029F49A}"/>
+                </a:ext>
+              </a:extLst>
+            </p:cNvPr>
+            <p:cNvCxnSpPr>
+              <a:cxnSpLocks/>
+              <a:stCxn id="1049" idx="4"/>
+              <a:endCxn id="1049" idx="0"/>
+            </p:cNvCxnSpPr>
+            <p:nvPr/>
+          </p:nvCxnSpPr>
+          <p:spPr>
+            <a:xfrm>
+              <a:off x="2411760" y="548680"/>
+              <a:ext cx="1440160" cy="1440160"/>
+            </a:xfrm>
+            <a:prstGeom prst="line">
+              <a:avLst/>
+            </a:prstGeom>
+            <a:ln w="28575">
+              <a:solidFill>
+                <a:schemeClr val="tx1"/>
+              </a:solidFill>
+              <a:headEnd type="none"/>
+              <a:tailEnd type="none"/>
+            </a:ln>
+            <a:effectLst/>
+          </p:spPr>
+          <p:style>
+            <a:lnRef idx="2">
+              <a:schemeClr val="accent1"/>
+            </a:lnRef>
+            <a:fillRef idx="0">
+              <a:schemeClr val="accent1"/>
+            </a:fillRef>
+            <a:effectRef idx="1">
+              <a:schemeClr val="accent1"/>
+            </a:effectRef>
+            <a:fontRef idx="minor">
+              <a:schemeClr val="tx1"/>
+            </a:fontRef>
+          </p:style>
+        </p:cxnSp>
+        <p:cxnSp>
+          <p:nvCxnSpPr>
+            <p:cNvPr id="1055" name="直線コネクタ 1054">
+              <a:extLst>
+                <a:ext uri="{FF2B5EF4-FFF2-40B4-BE49-F238E27FC236}">
+                  <a16:creationId xmlns:a16="http://schemas.microsoft.com/office/drawing/2014/main" id="{EDC23DAE-80A3-6BF4-B5CF-D2C002C4FF54}"/>
+                </a:ext>
+              </a:extLst>
+            </p:cNvPr>
+            <p:cNvCxnSpPr>
+              <a:cxnSpLocks/>
+            </p:cNvCxnSpPr>
+            <p:nvPr/>
+          </p:nvCxnSpPr>
+          <p:spPr>
+            <a:xfrm flipH="1">
+              <a:off x="2411760" y="1988840"/>
+              <a:ext cx="1440160" cy="0"/>
+            </a:xfrm>
+            <a:prstGeom prst="line">
+              <a:avLst/>
+            </a:prstGeom>
+            <a:ln w="28575">
+              <a:solidFill>
+                <a:schemeClr val="tx1"/>
+              </a:solidFill>
+              <a:headEnd type="none"/>
+              <a:tailEnd type="none"/>
+            </a:ln>
+            <a:effectLst/>
+          </p:spPr>
+          <p:style>
+            <a:lnRef idx="2">
+              <a:schemeClr val="accent1"/>
+            </a:lnRef>
+            <a:fillRef idx="0">
+              <a:schemeClr val="accent1"/>
+            </a:fillRef>
+            <a:effectRef idx="1">
+              <a:schemeClr val="accent1"/>
+            </a:effectRef>
+            <a:fontRef idx="minor">
+              <a:schemeClr val="tx1"/>
+            </a:fontRef>
+          </p:style>
+        </p:cxnSp>
+        <p:cxnSp>
+          <p:nvCxnSpPr>
+            <p:cNvPr id="1056" name="直線コネクタ 1055">
+              <a:extLst>
+                <a:ext uri="{FF2B5EF4-FFF2-40B4-BE49-F238E27FC236}">
+                  <a16:creationId xmlns:a16="http://schemas.microsoft.com/office/drawing/2014/main" id="{E108346F-ABFC-28BE-5596-97100CB8AE24}"/>
+                </a:ext>
+              </a:extLst>
+            </p:cNvPr>
+            <p:cNvCxnSpPr>
+              <a:cxnSpLocks/>
+              <a:stCxn id="1049" idx="4"/>
+            </p:cNvCxnSpPr>
+            <p:nvPr/>
+          </p:nvCxnSpPr>
+          <p:spPr>
+            <a:xfrm>
+              <a:off x="2411760" y="548680"/>
+              <a:ext cx="0" cy="1440160"/>
+            </a:xfrm>
+            <a:prstGeom prst="line">
+              <a:avLst/>
+            </a:prstGeom>
+            <a:ln w="28575">
+              <a:solidFill>
+                <a:schemeClr val="tx1"/>
+              </a:solidFill>
+              <a:headEnd type="none"/>
+              <a:tailEnd type="none"/>
+            </a:ln>
+            <a:effectLst/>
+          </p:spPr>
+          <p:style>
+            <a:lnRef idx="2">
+              <a:schemeClr val="accent1"/>
+            </a:lnRef>
+            <a:fillRef idx="0">
+              <a:schemeClr val="accent1"/>
+            </a:fillRef>
+            <a:effectRef idx="1">
+              <a:schemeClr val="accent1"/>
+            </a:effectRef>
+            <a:fontRef idx="minor">
+              <a:schemeClr val="tx1"/>
+            </a:fontRef>
+          </p:style>
+        </p:cxnSp>
+      </p:grpSp>
+      <p:grpSp>
+        <p:nvGrpSpPr>
+          <p:cNvPr id="1057" name="グループ化 1056">
+            <a:extLst>
+              <a:ext uri="{FF2B5EF4-FFF2-40B4-BE49-F238E27FC236}">
+                <a16:creationId xmlns:a16="http://schemas.microsoft.com/office/drawing/2014/main" id="{76220CC8-BCB9-FD20-1BAC-AA605F0CF8AE}"/>
+              </a:ext>
+            </a:extLst>
+          </p:cNvPr>
+          <p:cNvGrpSpPr/>
+          <p:nvPr/>
+        </p:nvGrpSpPr>
+        <p:grpSpPr>
+          <a:xfrm>
+            <a:off x="5652120" y="4797152"/>
+            <a:ext cx="1200133" cy="1440160"/>
+            <a:chOff x="4572000" y="548680"/>
+            <a:chExt cx="3600400" cy="4320480"/>
+          </a:xfrm>
+        </p:grpSpPr>
+        <p:sp>
+          <p:nvSpPr>
+            <p:cNvPr id="1058" name="正方形/長方形 1057">
+              <a:extLst>
+                <a:ext uri="{FF2B5EF4-FFF2-40B4-BE49-F238E27FC236}">
+                  <a16:creationId xmlns:a16="http://schemas.microsoft.com/office/drawing/2014/main" id="{6134FEA1-E16F-B2D0-0442-9F53A9F31A3E}"/>
+                </a:ext>
+              </a:extLst>
+            </p:cNvPr>
+            <p:cNvSpPr/>
+            <p:nvPr/>
+          </p:nvSpPr>
+          <p:spPr>
+            <a:xfrm>
+              <a:off x="4572000" y="548680"/>
+              <a:ext cx="3600400" cy="4320480"/>
+            </a:xfrm>
+            <a:prstGeom prst="rect">
+              <a:avLst/>
+            </a:prstGeom>
+            <a:solidFill>
+              <a:schemeClr val="accent6">
+                <a:lumMod val="60000"/>
+                <a:lumOff val="40000"/>
+              </a:schemeClr>
+            </a:solidFill>
+            <a:ln>
+              <a:noFill/>
+            </a:ln>
+          </p:spPr>
+          <p:txBody>
+            <a:bodyPr wrap="square" rtlCol="0" anchor="ctr">
+              <a:spAutoFit/>
+            </a:bodyPr>
+            <a:lstStyle/>
+            <a:p>
+              <a:pPr algn="ctr"/>
+              <a:endParaRPr kumimoji="1" lang="ja-JP" altLang="en-US" sz="2400" dirty="0"/>
+            </a:p>
+          </p:txBody>
+        </p:sp>
+        <p:sp>
+          <p:nvSpPr>
+            <p:cNvPr id="1059" name="直角三角形 1058">
+              <a:extLst>
+                <a:ext uri="{FF2B5EF4-FFF2-40B4-BE49-F238E27FC236}">
+                  <a16:creationId xmlns:a16="http://schemas.microsoft.com/office/drawing/2014/main" id="{2868D760-05B9-0AA5-F34E-3E642C6899D9}"/>
+                </a:ext>
+              </a:extLst>
+            </p:cNvPr>
+            <p:cNvSpPr/>
+            <p:nvPr/>
+          </p:nvSpPr>
+          <p:spPr>
+            <a:xfrm>
+              <a:off x="6732240" y="548680"/>
+              <a:ext cx="1440160" cy="1440160"/>
+            </a:xfrm>
+            <a:prstGeom prst="rtTriangle">
+              <a:avLst/>
+            </a:prstGeom>
+            <a:solidFill>
+              <a:schemeClr val="tx2">
+                <a:lumMod val="40000"/>
+                <a:lumOff val="60000"/>
+              </a:schemeClr>
+            </a:solidFill>
+            <a:ln>
+              <a:noFill/>
+            </a:ln>
+          </p:spPr>
+          <p:txBody>
+            <a:bodyPr wrap="square" rtlCol="0" anchor="ctr">
+              <a:spAutoFit/>
+            </a:bodyPr>
+            <a:lstStyle/>
+            <a:p>
+              <a:pPr algn="ctr"/>
+              <a:endParaRPr kumimoji="1" lang="ja-JP" altLang="en-US" sz="2400" dirty="0"/>
+            </a:p>
+          </p:txBody>
+        </p:sp>
+        <p:sp>
+          <p:nvSpPr>
+            <p:cNvPr id="1060" name="直角三角形 1059">
+              <a:extLst>
+                <a:ext uri="{FF2B5EF4-FFF2-40B4-BE49-F238E27FC236}">
+                  <a16:creationId xmlns:a16="http://schemas.microsoft.com/office/drawing/2014/main" id="{0D67A036-436D-5C2E-CB6E-6BF5BF8B099F}"/>
+                </a:ext>
+              </a:extLst>
+            </p:cNvPr>
+            <p:cNvSpPr/>
+            <p:nvPr/>
+          </p:nvSpPr>
+          <p:spPr>
+            <a:xfrm rot="10800000">
+              <a:off x="6732240" y="548680"/>
+              <a:ext cx="1440160" cy="1440160"/>
+            </a:xfrm>
+            <a:prstGeom prst="rtTriangle">
+              <a:avLst/>
+            </a:prstGeom>
+            <a:solidFill>
+              <a:schemeClr val="bg1"/>
+            </a:solidFill>
+            <a:ln>
+              <a:noFill/>
+            </a:ln>
+          </p:spPr>
+          <p:txBody>
+            <a:bodyPr wrap="square" rtlCol="0" anchor="ctr">
+              <a:spAutoFit/>
+            </a:bodyPr>
+            <a:lstStyle/>
+            <a:p>
+              <a:pPr algn="ctr"/>
+              <a:endParaRPr kumimoji="1" lang="ja-JP" altLang="en-US" sz="2400" dirty="0"/>
+            </a:p>
+          </p:txBody>
+        </p:sp>
+        <p:cxnSp>
+          <p:nvCxnSpPr>
+            <p:cNvPr id="1061" name="直線コネクタ 1060">
+              <a:extLst>
+                <a:ext uri="{FF2B5EF4-FFF2-40B4-BE49-F238E27FC236}">
+                  <a16:creationId xmlns:a16="http://schemas.microsoft.com/office/drawing/2014/main" id="{A4E88D55-7D64-88F4-A52A-B8B052A0885C}"/>
+                </a:ext>
+              </a:extLst>
+            </p:cNvPr>
+            <p:cNvCxnSpPr>
+              <a:cxnSpLocks/>
+              <a:stCxn id="1060" idx="4"/>
+            </p:cNvCxnSpPr>
+            <p:nvPr/>
+          </p:nvCxnSpPr>
+          <p:spPr>
+            <a:xfrm flipH="1">
+              <a:off x="4572000" y="548680"/>
+              <a:ext cx="2160240" cy="0"/>
+            </a:xfrm>
+            <a:prstGeom prst="line">
+              <a:avLst/>
+            </a:prstGeom>
+            <a:ln w="28575">
+              <a:solidFill>
+                <a:schemeClr val="tx1"/>
+              </a:solidFill>
+              <a:headEnd type="none"/>
+              <a:tailEnd type="none"/>
+            </a:ln>
+            <a:effectLst/>
+          </p:spPr>
+          <p:style>
+            <a:lnRef idx="2">
+              <a:schemeClr val="accent1"/>
+            </a:lnRef>
+            <a:fillRef idx="0">
+              <a:schemeClr val="accent1"/>
+            </a:fillRef>
+            <a:effectRef idx="1">
+              <a:schemeClr val="accent1"/>
+            </a:effectRef>
+            <a:fontRef idx="minor">
+              <a:schemeClr val="tx1"/>
+            </a:fontRef>
+          </p:style>
+        </p:cxnSp>
+        <p:cxnSp>
+          <p:nvCxnSpPr>
+            <p:cNvPr id="1062" name="直線コネクタ 1061">
+              <a:extLst>
+                <a:ext uri="{FF2B5EF4-FFF2-40B4-BE49-F238E27FC236}">
+                  <a16:creationId xmlns:a16="http://schemas.microsoft.com/office/drawing/2014/main" id="{52F28FCC-8A59-FA6C-EEC1-B2979B947B21}"/>
+                </a:ext>
+              </a:extLst>
+            </p:cNvPr>
+            <p:cNvCxnSpPr>
+              <a:cxnSpLocks/>
+            </p:cNvCxnSpPr>
+            <p:nvPr/>
+          </p:nvCxnSpPr>
+          <p:spPr>
+            <a:xfrm flipH="1">
+              <a:off x="4572000" y="4869160"/>
+              <a:ext cx="3600400" cy="0"/>
+            </a:xfrm>
+            <a:prstGeom prst="line">
+              <a:avLst/>
+            </a:prstGeom>
+            <a:ln w="28575">
+              <a:solidFill>
+                <a:schemeClr val="tx1"/>
+              </a:solidFill>
+              <a:headEnd type="none"/>
+              <a:tailEnd type="none"/>
+            </a:ln>
+            <a:effectLst/>
+          </p:spPr>
+          <p:style>
+            <a:lnRef idx="2">
+              <a:schemeClr val="accent1"/>
+            </a:lnRef>
+            <a:fillRef idx="0">
+              <a:schemeClr val="accent1"/>
+            </a:fillRef>
+            <a:effectRef idx="1">
+              <a:schemeClr val="accent1"/>
+            </a:effectRef>
+            <a:fontRef idx="minor">
+              <a:schemeClr val="tx1"/>
+            </a:fontRef>
+          </p:style>
+        </p:cxnSp>
+        <p:cxnSp>
+          <p:nvCxnSpPr>
+            <p:cNvPr id="1063" name="直線コネクタ 1062">
+              <a:extLst>
+                <a:ext uri="{FF2B5EF4-FFF2-40B4-BE49-F238E27FC236}">
+                  <a16:creationId xmlns:a16="http://schemas.microsoft.com/office/drawing/2014/main" id="{F1E736B6-4FBA-77D8-719E-2E79A5B875C3}"/>
+                </a:ext>
+              </a:extLst>
+            </p:cNvPr>
+            <p:cNvCxnSpPr>
+              <a:cxnSpLocks/>
+            </p:cNvCxnSpPr>
+            <p:nvPr/>
+          </p:nvCxnSpPr>
+          <p:spPr>
+            <a:xfrm>
+              <a:off x="4572000" y="548680"/>
+              <a:ext cx="0" cy="4320480"/>
+            </a:xfrm>
+            <a:prstGeom prst="line">
+              <a:avLst/>
+            </a:prstGeom>
+            <a:ln w="28575">
+              <a:solidFill>
+                <a:schemeClr val="tx1"/>
+              </a:solidFill>
+              <a:headEnd type="none"/>
+              <a:tailEnd type="none"/>
+            </a:ln>
+            <a:effectLst/>
+          </p:spPr>
+          <p:style>
+            <a:lnRef idx="2">
+              <a:schemeClr val="accent1"/>
+            </a:lnRef>
+            <a:fillRef idx="0">
+              <a:schemeClr val="accent1"/>
+            </a:fillRef>
+            <a:effectRef idx="1">
+              <a:schemeClr val="accent1"/>
+            </a:effectRef>
+            <a:fontRef idx="minor">
+              <a:schemeClr val="tx1"/>
+            </a:fontRef>
+          </p:style>
+        </p:cxnSp>
+        <p:cxnSp>
+          <p:nvCxnSpPr>
+            <p:cNvPr id="1064" name="直線コネクタ 1063">
+              <a:extLst>
+                <a:ext uri="{FF2B5EF4-FFF2-40B4-BE49-F238E27FC236}">
+                  <a16:creationId xmlns:a16="http://schemas.microsoft.com/office/drawing/2014/main" id="{C2CE0C4D-8701-079C-A7C0-5787B024456C}"/>
+                </a:ext>
+              </a:extLst>
+            </p:cNvPr>
+            <p:cNvCxnSpPr>
+              <a:cxnSpLocks/>
+              <a:stCxn id="1059" idx="4"/>
+            </p:cNvCxnSpPr>
+            <p:nvPr/>
+          </p:nvCxnSpPr>
+          <p:spPr>
+            <a:xfrm>
+              <a:off x="8172400" y="1988840"/>
+              <a:ext cx="0" cy="2880320"/>
+            </a:xfrm>
+            <a:prstGeom prst="line">
+              <a:avLst/>
+            </a:prstGeom>
+            <a:ln w="28575">
+              <a:solidFill>
+                <a:schemeClr val="tx1"/>
+              </a:solidFill>
+              <a:headEnd type="none"/>
+              <a:tailEnd type="none"/>
+            </a:ln>
+            <a:effectLst/>
+          </p:spPr>
+          <p:style>
+            <a:lnRef idx="2">
+              <a:schemeClr val="accent1"/>
+            </a:lnRef>
+            <a:fillRef idx="0">
+              <a:schemeClr val="accent1"/>
+            </a:fillRef>
+            <a:effectRef idx="1">
+              <a:schemeClr val="accent1"/>
+            </a:effectRef>
+            <a:fontRef idx="minor">
+              <a:schemeClr val="tx1"/>
+            </a:fontRef>
+          </p:style>
+        </p:cxnSp>
+        <p:cxnSp>
+          <p:nvCxnSpPr>
+            <p:cNvPr id="1065" name="直線コネクタ 1064">
+              <a:extLst>
+                <a:ext uri="{FF2B5EF4-FFF2-40B4-BE49-F238E27FC236}">
+                  <a16:creationId xmlns:a16="http://schemas.microsoft.com/office/drawing/2014/main" id="{315EEDDE-40B9-867D-D452-37FC08633EC8}"/>
+                </a:ext>
+              </a:extLst>
+            </p:cNvPr>
+            <p:cNvCxnSpPr>
+              <a:cxnSpLocks/>
+              <a:stCxn id="1060" idx="4"/>
+              <a:endCxn id="1060" idx="0"/>
+            </p:cNvCxnSpPr>
+            <p:nvPr/>
+          </p:nvCxnSpPr>
+          <p:spPr>
+            <a:xfrm>
+              <a:off x="6732240" y="548680"/>
+              <a:ext cx="1440160" cy="1440160"/>
+            </a:xfrm>
+            <a:prstGeom prst="line">
+              <a:avLst/>
+            </a:prstGeom>
+            <a:ln w="28575">
+              <a:solidFill>
+                <a:schemeClr val="tx1"/>
+              </a:solidFill>
+              <a:headEnd type="none"/>
+              <a:tailEnd type="none"/>
+            </a:ln>
+            <a:effectLst/>
+          </p:spPr>
+          <p:style>
+            <a:lnRef idx="2">
+              <a:schemeClr val="accent1"/>
+            </a:lnRef>
+            <a:fillRef idx="0">
+              <a:schemeClr val="accent1"/>
+            </a:fillRef>
+            <a:effectRef idx="1">
+              <a:schemeClr val="accent1"/>
+            </a:effectRef>
+            <a:fontRef idx="minor">
+              <a:schemeClr val="tx1"/>
+            </a:fontRef>
+          </p:style>
+        </p:cxnSp>
+        <p:cxnSp>
+          <p:nvCxnSpPr>
+            <p:cNvPr id="1066" name="直線コネクタ 1065">
+              <a:extLst>
+                <a:ext uri="{FF2B5EF4-FFF2-40B4-BE49-F238E27FC236}">
+                  <a16:creationId xmlns:a16="http://schemas.microsoft.com/office/drawing/2014/main" id="{925DD21A-1148-19A4-F9AF-A17D58C18F85}"/>
+                </a:ext>
+              </a:extLst>
+            </p:cNvPr>
+            <p:cNvCxnSpPr>
+              <a:cxnSpLocks/>
+            </p:cNvCxnSpPr>
+            <p:nvPr/>
+          </p:nvCxnSpPr>
+          <p:spPr>
+            <a:xfrm flipH="1">
+              <a:off x="6732240" y="1988840"/>
+              <a:ext cx="1440160" cy="0"/>
+            </a:xfrm>
+            <a:prstGeom prst="line">
+              <a:avLst/>
+            </a:prstGeom>
+            <a:ln w="28575">
+              <a:solidFill>
+                <a:schemeClr val="tx1"/>
+              </a:solidFill>
+              <a:headEnd type="none"/>
+              <a:tailEnd type="none"/>
+            </a:ln>
+            <a:effectLst/>
+          </p:spPr>
+          <p:style>
+            <a:lnRef idx="2">
+              <a:schemeClr val="accent1"/>
+            </a:lnRef>
+            <a:fillRef idx="0">
+              <a:schemeClr val="accent1"/>
+            </a:fillRef>
+            <a:effectRef idx="1">
+              <a:schemeClr val="accent1"/>
+            </a:effectRef>
+            <a:fontRef idx="minor">
+              <a:schemeClr val="tx1"/>
+            </a:fontRef>
+          </p:style>
+        </p:cxnSp>
+        <p:cxnSp>
+          <p:nvCxnSpPr>
+            <p:cNvPr id="1067" name="直線コネクタ 1066">
+              <a:extLst>
+                <a:ext uri="{FF2B5EF4-FFF2-40B4-BE49-F238E27FC236}">
+                  <a16:creationId xmlns:a16="http://schemas.microsoft.com/office/drawing/2014/main" id="{01E1C41A-E7EB-5ED5-7C4C-C42840E3F517}"/>
+                </a:ext>
+              </a:extLst>
+            </p:cNvPr>
+            <p:cNvCxnSpPr>
+              <a:cxnSpLocks/>
+              <a:stCxn id="1060" idx="4"/>
+            </p:cNvCxnSpPr>
+            <p:nvPr/>
+          </p:nvCxnSpPr>
+          <p:spPr>
+            <a:xfrm>
+              <a:off x="6732240" y="548680"/>
+              <a:ext cx="0" cy="1440160"/>
+            </a:xfrm>
+            <a:prstGeom prst="line">
+              <a:avLst/>
+            </a:prstGeom>
+            <a:ln w="28575">
+              <a:solidFill>
+                <a:schemeClr val="tx1"/>
+              </a:solidFill>
+              <a:headEnd type="none"/>
+              <a:tailEnd type="none"/>
+            </a:ln>
+            <a:effectLst/>
+          </p:spPr>
+          <p:style>
+            <a:lnRef idx="2">
+              <a:schemeClr val="accent1"/>
+            </a:lnRef>
+            <a:fillRef idx="0">
+              <a:schemeClr val="accent1"/>
+            </a:fillRef>
+            <a:effectRef idx="1">
+              <a:schemeClr val="accent1"/>
+            </a:effectRef>
+            <a:fontRef idx="minor">
+              <a:schemeClr val="tx1"/>
+            </a:fontRef>
+          </p:style>
+        </p:cxnSp>
+      </p:grpSp>
+      <p:pic>
+        <p:nvPicPr>
+          <p:cNvPr id="1068" name="Picture 2" descr="くるっとした矢印のイラスト「上」">
+            <a:extLst>
+              <a:ext uri="{FF2B5EF4-FFF2-40B4-BE49-F238E27FC236}">
+                <a16:creationId xmlns:a16="http://schemas.microsoft.com/office/drawing/2014/main" id="{7EAA285E-053E-20A8-581F-821F98B3742C}"/>
+              </a:ext>
+            </a:extLst>
+          </p:cNvPr>
+          <p:cNvPicPr>
+            <a:picLocks noChangeAspect="1" noChangeArrowheads="1"/>
+          </p:cNvPicPr>
+          <p:nvPr/>
+        </p:nvPicPr>
+        <p:blipFill>
+          <a:blip r:embed="rId2">
+            <a:extLst>
+              <a:ext uri="{28A0092B-C50C-407E-A947-70E740481C1C}">
+                <a14:useLocalDpi xmlns:a14="http://schemas.microsoft.com/office/drawing/2010/main" val="0"/>
+              </a:ext>
+            </a:extLst>
+          </a:blip>
+          <a:srcRect/>
+          <a:stretch>
+            <a:fillRect/>
+          </a:stretch>
+        </p:blipFill>
+        <p:spPr bwMode="auto">
+          <a:xfrm rot="5931399" flipH="1">
+            <a:off x="4196506" y="4288650"/>
+            <a:ext cx="1111944" cy="1649587"/>
+          </a:xfrm>
+          <a:prstGeom prst="rect">
+            <a:avLst/>
+          </a:prstGeom>
+          <a:noFill/>
+          <a:extLst>
+            <a:ext uri="{909E8E84-426E-40DD-AFC4-6F175D3DCCD1}">
+              <a14:hiddenFill xmlns:a14="http://schemas.microsoft.com/office/drawing/2010/main">
+                <a:solidFill>
+                  <a:srgbClr val="FFFFFF"/>
+                </a:solidFill>
+              </a14:hiddenFill>
+            </a:ext>
+          </a:extLst>
+        </p:spPr>
+      </p:pic>
+      <p:pic>
+        <p:nvPicPr>
+          <p:cNvPr id="1069" name="Picture 4" descr="くるっとした矢印のイラスト「左」">
+            <a:extLst>
+              <a:ext uri="{FF2B5EF4-FFF2-40B4-BE49-F238E27FC236}">
+                <a16:creationId xmlns:a16="http://schemas.microsoft.com/office/drawing/2014/main" id="{7CABF56A-0D2E-B76C-378E-83CE10F966F3}"/>
+              </a:ext>
+            </a:extLst>
+          </p:cNvPr>
+          <p:cNvPicPr>
+            <a:picLocks noChangeAspect="1" noChangeArrowheads="1"/>
+          </p:cNvPicPr>
+          <p:nvPr/>
+        </p:nvPicPr>
+        <p:blipFill>
+          <a:blip r:embed="rId3">
+            <a:extLst>
+              <a:ext uri="{28A0092B-C50C-407E-A947-70E740481C1C}">
+                <a14:useLocalDpi xmlns:a14="http://schemas.microsoft.com/office/drawing/2010/main" val="0"/>
+              </a:ext>
+            </a:extLst>
+          </a:blip>
+          <a:srcRect/>
+          <a:stretch>
+            <a:fillRect/>
+          </a:stretch>
+        </p:blipFill>
+        <p:spPr bwMode="auto">
+          <a:xfrm flipV="1">
+            <a:off x="3707904" y="5589240"/>
+            <a:ext cx="1645915" cy="981453"/>
+          </a:xfrm>
+          <a:prstGeom prst="rect">
+            <a:avLst/>
+          </a:prstGeom>
+          <a:noFill/>
+          <a:extLst>
+            <a:ext uri="{909E8E84-426E-40DD-AFC4-6F175D3DCCD1}">
+              <a14:hiddenFill xmlns:a14="http://schemas.microsoft.com/office/drawing/2010/main">
+                <a:solidFill>
+                  <a:srgbClr val="FFFFFF"/>
+                </a:solidFill>
+              </a14:hiddenFill>
+            </a:ext>
+          </a:extLst>
+        </p:spPr>
+      </p:pic>
+      <mc:AlternateContent xmlns:mc="http://schemas.openxmlformats.org/markup-compatibility/2006">
+        <mc:Choice xmlns:a14="http://schemas.microsoft.com/office/drawing/2010/main" Requires="a14">
+          <p:sp>
+            <p:nvSpPr>
+              <p:cNvPr id="1072" name="テキスト ボックス 1071">
+                <a:extLst>
+                  <a:ext uri="{FF2B5EF4-FFF2-40B4-BE49-F238E27FC236}">
+                    <a16:creationId xmlns:a16="http://schemas.microsoft.com/office/drawing/2014/main" id="{F02A3B7A-84EA-F044-B2E2-4F5703F1F57D}"/>
+                  </a:ext>
+                </a:extLst>
+              </p:cNvPr>
+              <p:cNvSpPr txBox="1"/>
+              <p:nvPr/>
+            </p:nvSpPr>
+            <p:spPr>
+              <a:xfrm>
+                <a:off x="2445312" y="5517232"/>
+                <a:ext cx="1118576" cy="424925"/>
+              </a:xfrm>
+              <a:prstGeom prst="rect">
+                <a:avLst/>
+              </a:prstGeom>
+              <a:noFill/>
+            </p:spPr>
+            <p:txBody>
+              <a:bodyPr wrap="none" lIns="0" tIns="0" rIns="0" bIns="0" rtlCol="0">
+                <a:spAutoFit/>
+              </a:bodyPr>
+              <a:lstStyle/>
+              <a:p>
+                <a14:m>
+                  <m:oMathPara xmlns:m="http://schemas.openxmlformats.org/officeDocument/2006/math">
+                    <m:oMathParaPr>
+                      <m:jc m:val="centerGroup"/>
+                    </m:oMathParaPr>
+                    <m:oMath xmlns:m="http://schemas.openxmlformats.org/officeDocument/2006/math">
+                      <m:d>
+                        <m:dPr>
+                          <m:ctrlPr>
+                            <a:rPr kumimoji="1" lang="en-US" altLang="ja-JP" sz="2400" i="1" smtClean="0">
+                              <a:latin typeface="Cambria Math" panose="02040503050406030204" pitchFamily="18" charset="0"/>
+                            </a:rPr>
+                          </m:ctrlPr>
+                        </m:dPr>
+                        <m:e>
+                          <m:sSub>
+                            <m:sSubPr>
+                              <m:ctrlPr>
+                                <a:rPr kumimoji="1" lang="en-US" altLang="ja-JP" sz="2400" b="0" i="1" smtClean="0">
+                                  <a:latin typeface="Cambria Math" panose="02040503050406030204" pitchFamily="18" charset="0"/>
+                                </a:rPr>
+                              </m:ctrlPr>
+                            </m:sSubPr>
+                            <m:e>
+                              <m:r>
+                                <a:rPr kumimoji="1" lang="en-US" altLang="ja-JP" sz="2400" b="0" i="1" smtClean="0">
+                                  <a:latin typeface="Cambria Math" panose="02040503050406030204" pitchFamily="18" charset="0"/>
+                                </a:rPr>
+                                <m:t>𝑟</m:t>
+                              </m:r>
+                            </m:e>
+                            <m:sub>
+                              <m:r>
+                                <a:rPr kumimoji="1" lang="en-US" altLang="ja-JP" sz="2400" b="0" i="1" smtClean="0">
+                                  <a:latin typeface="Cambria Math" panose="02040503050406030204" pitchFamily="18" charset="0"/>
+                                </a:rPr>
+                                <m:t>𝑥</m:t>
+                              </m:r>
+                            </m:sub>
+                          </m:sSub>
+                          <m:r>
+                            <a:rPr kumimoji="1" lang="en-US" altLang="ja-JP" sz="2400" b="0" i="1" smtClean="0">
+                              <a:latin typeface="Cambria Math" panose="02040503050406030204" pitchFamily="18" charset="0"/>
+                            </a:rPr>
+                            <m:t>   </m:t>
+                          </m:r>
+                          <m:sSub>
+                            <m:sSubPr>
+                              <m:ctrlPr>
+                                <a:rPr kumimoji="1" lang="en-US" altLang="ja-JP" sz="2400" b="0" i="1" smtClean="0">
+                                  <a:latin typeface="Cambria Math" panose="02040503050406030204" pitchFamily="18" charset="0"/>
+                                </a:rPr>
+                              </m:ctrlPr>
+                            </m:sSubPr>
+                            <m:e>
+                              <m:r>
+                                <a:rPr kumimoji="1" lang="en-US" altLang="ja-JP" sz="2400" b="0" i="1" smtClean="0">
+                                  <a:latin typeface="Cambria Math" panose="02040503050406030204" pitchFamily="18" charset="0"/>
+                                </a:rPr>
+                                <m:t>𝑟</m:t>
+                              </m:r>
+                            </m:e>
+                            <m:sub>
+                              <m:r>
+                                <a:rPr kumimoji="1" lang="en-US" altLang="ja-JP" sz="2400" b="0" i="1" smtClean="0">
+                                  <a:latin typeface="Cambria Math" panose="02040503050406030204" pitchFamily="18" charset="0"/>
+                                </a:rPr>
+                                <m:t>𝑦</m:t>
+                              </m:r>
+                            </m:sub>
+                          </m:sSub>
+                          <m:r>
+                            <m:rPr>
+                              <m:nor/>
+                            </m:rPr>
+                            <a:rPr lang="ja-JP" altLang="en-US" sz="2400" dirty="0"/>
+                            <m:t> </m:t>
+                          </m:r>
+                        </m:e>
+                      </m:d>
+                    </m:oMath>
+                  </m:oMathPara>
+                </a14:m>
+                <a:endParaRPr kumimoji="1" lang="ja-JP" altLang="en-US" sz="2400" dirty="0"/>
+              </a:p>
+            </p:txBody>
+          </p:sp>
+        </mc:Choice>
+        <mc:Fallback>
+          <p:sp>
+            <p:nvSpPr>
+              <p:cNvPr id="1072" name="テキスト ボックス 1071">
+                <a:extLst>
+                  <a:ext uri="{FF2B5EF4-FFF2-40B4-BE49-F238E27FC236}">
+                    <a16:creationId xmlns:a16="http://schemas.microsoft.com/office/drawing/2014/main" id="{F02A3B7A-84EA-F044-B2E2-4F5703F1F57D}"/>
+                  </a:ext>
+                </a:extLst>
+              </p:cNvPr>
+              <p:cNvSpPr txBox="1">
+                <a:spLocks noRot="1" noChangeAspect="1" noMove="1" noResize="1" noEditPoints="1" noAdjustHandles="1" noChangeArrowheads="1" noChangeShapeType="1" noTextEdit="1"/>
+              </p:cNvSpPr>
+              <p:nvPr/>
+            </p:nvSpPr>
+            <p:spPr>
+              <a:xfrm>
+                <a:off x="2445312" y="5517232"/>
+                <a:ext cx="1118576" cy="424925"/>
+              </a:xfrm>
+              <a:prstGeom prst="rect">
+                <a:avLst/>
+              </a:prstGeom>
+              <a:blipFill>
+                <a:blip r:embed="rId6"/>
+                <a:stretch>
+                  <a:fillRect/>
+                </a:stretch>
+              </a:blipFill>
+            </p:spPr>
+            <p:txBody>
+              <a:bodyPr/>
+              <a:lstStyle/>
+              <a:p>
+                <a:r>
+                  <a:rPr lang="ja-JP" altLang="en-US">
+                    <a:noFill/>
+                  </a:rPr>
+                  <a:t> </a:t>
+                </a:r>
+              </a:p>
+            </p:txBody>
+          </p:sp>
+        </mc:Fallback>
+      </mc:AlternateContent>
+      <mc:AlternateContent xmlns:mc="http://schemas.openxmlformats.org/markup-compatibility/2006">
+        <mc:Choice xmlns:a14="http://schemas.microsoft.com/office/drawing/2010/main" Requires="a14">
+          <p:sp>
+            <p:nvSpPr>
+              <p:cNvPr id="1073" name="テキスト ボックス 1072">
+                <a:extLst>
+                  <a:ext uri="{FF2B5EF4-FFF2-40B4-BE49-F238E27FC236}">
+                    <a16:creationId xmlns:a16="http://schemas.microsoft.com/office/drawing/2014/main" id="{0D6ED6AB-854C-BA47-6F16-49A576B2FE7B}"/>
+                  </a:ext>
+                </a:extLst>
+              </p:cNvPr>
+              <p:cNvSpPr txBox="1"/>
+              <p:nvPr/>
+            </p:nvSpPr>
+            <p:spPr>
+              <a:xfrm>
+                <a:off x="5868144" y="5301208"/>
+                <a:ext cx="628762" cy="658129"/>
+              </a:xfrm>
+              <a:prstGeom prst="rect">
+                <a:avLst/>
+              </a:prstGeom>
+              <a:noFill/>
+            </p:spPr>
+            <p:txBody>
+              <a:bodyPr wrap="none" lIns="0" tIns="0" rIns="0" bIns="0" rtlCol="0">
+                <a:spAutoFit/>
+              </a:bodyPr>
+              <a:lstStyle/>
+              <a:p>
+                <a14:m>
+                  <m:oMathPara xmlns:m="http://schemas.openxmlformats.org/officeDocument/2006/math">
+                    <m:oMathParaPr>
+                      <m:jc m:val="centerGroup"/>
+                    </m:oMathParaPr>
+                    <m:oMath xmlns:m="http://schemas.openxmlformats.org/officeDocument/2006/math">
+                      <m:d>
+                        <m:dPr>
+                          <m:ctrlPr>
+                            <a:rPr kumimoji="1" lang="en-US" altLang="ja-JP" sz="2400" i="1" smtClean="0">
+                              <a:latin typeface="Cambria Math" panose="02040503050406030204" pitchFamily="18" charset="0"/>
+                            </a:rPr>
+                          </m:ctrlPr>
+                        </m:dPr>
+                        <m:e>
+                          <m:m>
+                            <m:mPr>
+                              <m:mcs>
+                                <m:mc>
+                                  <m:mcPr>
+                                    <m:count m:val="1"/>
+                                    <m:mcJc m:val="center"/>
+                                  </m:mcPr>
+                                </m:mc>
+                              </m:mcs>
+                              <m:ctrlPr>
+                                <a:rPr kumimoji="1" lang="en-US" altLang="ja-JP" sz="2400" i="1" smtClean="0">
+                                  <a:latin typeface="Cambria Math" panose="02040503050406030204" pitchFamily="18" charset="0"/>
+                                </a:rPr>
+                              </m:ctrlPr>
+                            </m:mPr>
+                            <m:mr>
+                              <m:e>
+                                <m:sSub>
+                                  <m:sSubPr>
+                                    <m:ctrlPr>
+                                      <a:rPr kumimoji="1" lang="en-US" altLang="ja-JP" sz="2400" b="0" i="1" smtClean="0">
+                                        <a:latin typeface="Cambria Math" panose="02040503050406030204" pitchFamily="18" charset="0"/>
+                                      </a:rPr>
+                                    </m:ctrlPr>
+                                  </m:sSubPr>
+                                  <m:e>
+                                    <m:r>
+                                      <m:rPr>
+                                        <m:brk m:alnAt="7"/>
+                                      </m:rPr>
+                                      <a:rPr kumimoji="1" lang="en-US" altLang="ja-JP" sz="2400" b="0" i="1" smtClean="0">
+                                        <a:latin typeface="Cambria Math" panose="02040503050406030204" pitchFamily="18" charset="0"/>
+                                      </a:rPr>
+                                      <m:t>𝑟</m:t>
+                                    </m:r>
+                                  </m:e>
+                                  <m:sub>
+                                    <m:r>
+                                      <m:rPr>
+                                        <m:brk m:alnAt="7"/>
+                                      </m:rPr>
+                                      <a:rPr kumimoji="1" lang="en-US" altLang="ja-JP" sz="2400" b="0" i="1" smtClean="0">
+                                        <a:latin typeface="Cambria Math" panose="02040503050406030204" pitchFamily="18" charset="0"/>
+                                      </a:rPr>
+                                      <m:t>𝑥</m:t>
+                                    </m:r>
+                                  </m:sub>
+                                </m:sSub>
+                              </m:e>
+                            </m:mr>
+                            <m:mr>
+                              <m:e>
+                                <m:sSub>
+                                  <m:sSubPr>
+                                    <m:ctrlPr>
+                                      <a:rPr kumimoji="1" lang="en-US" altLang="ja-JP" sz="2400" b="0" i="1" smtClean="0">
+                                        <a:latin typeface="Cambria Math" panose="02040503050406030204" pitchFamily="18" charset="0"/>
+                                      </a:rPr>
+                                    </m:ctrlPr>
+                                  </m:sSubPr>
+                                  <m:e>
+                                    <m:r>
+                                      <a:rPr kumimoji="1" lang="en-US" altLang="ja-JP" sz="2400" b="0" i="1" smtClean="0">
+                                        <a:latin typeface="Cambria Math" panose="02040503050406030204" pitchFamily="18" charset="0"/>
+                                      </a:rPr>
+                                      <m:t>𝑟</m:t>
+                                    </m:r>
+                                  </m:e>
+                                  <m:sub>
+                                    <m:r>
+                                      <a:rPr kumimoji="1" lang="en-US" altLang="ja-JP" sz="2400" b="0" i="1" smtClean="0">
+                                        <a:latin typeface="Cambria Math" panose="02040503050406030204" pitchFamily="18" charset="0"/>
+                                      </a:rPr>
+                                      <m:t>𝑦</m:t>
+                                    </m:r>
+                                  </m:sub>
+                                </m:sSub>
+                              </m:e>
+                            </m:mr>
+                          </m:m>
+                        </m:e>
+                      </m:d>
+                    </m:oMath>
+                  </m:oMathPara>
+                </a14:m>
+                <a:endParaRPr kumimoji="1" lang="ja-JP" altLang="en-US" sz="2400" dirty="0"/>
+              </a:p>
+            </p:txBody>
+          </p:sp>
+        </mc:Choice>
+        <mc:Fallback>
+          <p:sp>
+            <p:nvSpPr>
+              <p:cNvPr id="1073" name="テキスト ボックス 1072">
+                <a:extLst>
+                  <a:ext uri="{FF2B5EF4-FFF2-40B4-BE49-F238E27FC236}">
+                    <a16:creationId xmlns:a16="http://schemas.microsoft.com/office/drawing/2014/main" id="{0D6ED6AB-854C-BA47-6F16-49A576B2FE7B}"/>
+                  </a:ext>
+                </a:extLst>
+              </p:cNvPr>
+              <p:cNvSpPr txBox="1">
+                <a:spLocks noRot="1" noChangeAspect="1" noMove="1" noResize="1" noEditPoints="1" noAdjustHandles="1" noChangeArrowheads="1" noChangeShapeType="1" noTextEdit="1"/>
+              </p:cNvSpPr>
+              <p:nvPr/>
+            </p:nvSpPr>
+            <p:spPr>
+              <a:xfrm>
+                <a:off x="5868144" y="5301208"/>
+                <a:ext cx="628762" cy="658129"/>
+              </a:xfrm>
+              <a:prstGeom prst="rect">
+                <a:avLst/>
+              </a:prstGeom>
+              <a:blipFill>
+                <a:blip r:embed="rId7"/>
+                <a:stretch>
+                  <a:fillRect/>
+                </a:stretch>
+              </a:blipFill>
+            </p:spPr>
+            <p:txBody>
+              <a:bodyPr/>
+              <a:lstStyle/>
+              <a:p>
+                <a:r>
+                  <a:rPr lang="ja-JP" altLang="en-US">
+                    <a:noFill/>
+                  </a:rPr>
+                  <a:t> </a:t>
+                </a:r>
+              </a:p>
+            </p:txBody>
+          </p:sp>
+        </mc:Fallback>
+      </mc:AlternateContent>
+    </p:spTree>
+    <p:extLst>
+      <p:ext uri="{BB962C8B-B14F-4D97-AF65-F5344CB8AC3E}">
+        <p14:creationId xmlns:p14="http://schemas.microsoft.com/office/powerpoint/2010/main" val="3061882357"/>
+      </p:ext>
+    </p:extLst>
+  </p:cSld>
+  <p:clrMapOvr>
+    <a:masterClrMapping/>
+  </p:clrMapOvr>
+</p:sld>
+</file>
+
+<file path=ppt/slides/slide2.xml><?xml version="1.0" encoding="utf-8"?>
+<p:sld xmlns:a="http://schemas.openxmlformats.org/drawingml/2006/main" xmlns:r="http://schemas.openxmlformats.org/officeDocument/2006/relationships" xmlns:p="http://schemas.openxmlformats.org/presentationml/2006/main">
+  <p:cSld>
+    <p:spTree>
+      <p:nvGrpSpPr>
+        <p:cNvPr id="1" name=""/>
+        <p:cNvGrpSpPr/>
+        <p:nvPr/>
+      </p:nvGrpSpPr>
+      <p:grpSpPr>
+        <a:xfrm>
+          <a:off x="0" y="0"/>
+          <a:ext cx="0" cy="0"/>
+          <a:chOff x="0" y="0"/>
+          <a:chExt cx="0" cy="0"/>
+        </a:xfrm>
+      </p:grpSpPr>
+      <p:sp>
+        <p:nvSpPr>
+          <p:cNvPr id="2" name="テキスト ボックス 1">
+            <a:extLst>
+              <a:ext uri="{FF2B5EF4-FFF2-40B4-BE49-F238E27FC236}">
+                <a16:creationId xmlns:a16="http://schemas.microsoft.com/office/drawing/2014/main" id="{26D5E64F-CC5A-2390-6D5A-83C3856D2B55}"/>
+              </a:ext>
+            </a:extLst>
+          </p:cNvPr>
+          <p:cNvSpPr txBox="1"/>
+          <p:nvPr/>
+        </p:nvSpPr>
+        <p:spPr>
+          <a:xfrm>
+            <a:off x="2627784" y="411357"/>
+            <a:ext cx="3676071" cy="707886"/>
+          </a:xfrm>
+          <a:prstGeom prst="rect">
+            <a:avLst/>
+          </a:prstGeom>
+          <a:noFill/>
+        </p:spPr>
+        <p:txBody>
+          <a:bodyPr wrap="none" rtlCol="0">
+            <a:spAutoFit/>
+          </a:bodyPr>
+          <a:lstStyle/>
+          <a:p>
+            <a:r>
+              <a:rPr lang="ja-JP" altLang="en-US" sz="4000"/>
+              <a:t>共役 </a:t>
+            </a:r>
+            <a:r>
+              <a:rPr lang="en-US" altLang="ja-JP" sz="4000"/>
+              <a:t>(conjugate)</a:t>
+            </a:r>
+            <a:endParaRPr kumimoji="1" lang="ja-JP" altLang="en-US" sz="4000" dirty="0"/>
+          </a:p>
+        </p:txBody>
+      </p:sp>
+      <p:sp>
+        <p:nvSpPr>
+          <p:cNvPr id="3" name="テキスト ボックス 2">
+            <a:extLst>
+              <a:ext uri="{FF2B5EF4-FFF2-40B4-BE49-F238E27FC236}">
+                <a16:creationId xmlns:a16="http://schemas.microsoft.com/office/drawing/2014/main" id="{41336668-B779-20EB-A43F-5AD229318C89}"/>
+              </a:ext>
+            </a:extLst>
+          </p:cNvPr>
+          <p:cNvSpPr txBox="1"/>
+          <p:nvPr/>
+        </p:nvSpPr>
+        <p:spPr>
+          <a:xfrm>
+            <a:off x="3419872" y="1275453"/>
+            <a:ext cx="2002471" cy="461665"/>
+          </a:xfrm>
+          <a:prstGeom prst="rect">
+            <a:avLst/>
+          </a:prstGeom>
+          <a:noFill/>
+        </p:spPr>
+        <p:txBody>
+          <a:bodyPr wrap="none" rtlCol="0">
+            <a:spAutoFit/>
+          </a:bodyPr>
+          <a:lstStyle/>
+          <a:p>
+            <a:r>
+              <a:rPr kumimoji="1" lang="ja-JP" altLang="en-US" sz="2400"/>
+              <a:t>イメージ：分解</a:t>
+            </a:r>
+            <a:endParaRPr kumimoji="1" lang="ja-JP" altLang="en-US" sz="2400" dirty="0"/>
+          </a:p>
+        </p:txBody>
+      </p:sp>
+      <p:sp>
+        <p:nvSpPr>
+          <p:cNvPr id="4" name="楕円 3">
+            <a:extLst>
+              <a:ext uri="{FF2B5EF4-FFF2-40B4-BE49-F238E27FC236}">
+                <a16:creationId xmlns:a16="http://schemas.microsoft.com/office/drawing/2014/main" id="{65B5C483-390D-4AC3-86E3-26B4A71D4A1A}"/>
+              </a:ext>
+            </a:extLst>
+          </p:cNvPr>
+          <p:cNvSpPr/>
+          <p:nvPr/>
+        </p:nvSpPr>
+        <p:spPr>
+          <a:xfrm>
+            <a:off x="1979712" y="3645024"/>
+            <a:ext cx="1152128" cy="1152128"/>
+          </a:xfrm>
+          <a:prstGeom prst="ellipse">
+            <a:avLst/>
+          </a:prstGeom>
+          <a:solidFill>
+            <a:schemeClr val="accent3">
+              <a:lumMod val="60000"/>
+              <a:lumOff val="40000"/>
+            </a:schemeClr>
+          </a:solidFill>
+          <a:ln>
+            <a:noFill/>
+          </a:ln>
+        </p:spPr>
+        <p:txBody>
+          <a:bodyPr wrap="square" rtlCol="0" anchor="ctr">
+            <a:spAutoFit/>
+          </a:bodyPr>
+          <a:lstStyle/>
+          <a:p>
+            <a:pPr algn="ctr"/>
+            <a:endParaRPr kumimoji="1" lang="ja-JP" altLang="en-US" sz="2400" dirty="0"/>
+          </a:p>
+        </p:txBody>
+      </p:sp>
+      <p:grpSp>
+        <p:nvGrpSpPr>
+          <p:cNvPr id="12" name="グループ化 11">
+            <a:extLst>
+              <a:ext uri="{FF2B5EF4-FFF2-40B4-BE49-F238E27FC236}">
+                <a16:creationId xmlns:a16="http://schemas.microsoft.com/office/drawing/2014/main" id="{1DE1929A-41E6-3F12-5348-A97D0F1796D9}"/>
+              </a:ext>
+            </a:extLst>
+          </p:cNvPr>
+          <p:cNvGrpSpPr/>
+          <p:nvPr/>
+        </p:nvGrpSpPr>
+        <p:grpSpPr>
+          <a:xfrm>
+            <a:off x="1619672" y="5301208"/>
+            <a:ext cx="1152128" cy="1152128"/>
+            <a:chOff x="4499992" y="3429000"/>
+            <a:chExt cx="2160240" cy="2160240"/>
+          </a:xfrm>
+        </p:grpSpPr>
+        <p:sp>
+          <p:nvSpPr>
+            <p:cNvPr id="6" name="弦 5">
+              <a:extLst>
+                <a:ext uri="{FF2B5EF4-FFF2-40B4-BE49-F238E27FC236}">
+                  <a16:creationId xmlns:a16="http://schemas.microsoft.com/office/drawing/2014/main" id="{58A612B1-E860-F672-DA8F-493017D262B5}"/>
+                </a:ext>
+              </a:extLst>
+            </p:cNvPr>
+            <p:cNvSpPr/>
+            <p:nvPr/>
+          </p:nvSpPr>
+          <p:spPr>
+            <a:xfrm>
+              <a:off x="4499992" y="3429000"/>
+              <a:ext cx="2160240" cy="2160240"/>
+            </a:xfrm>
+            <a:prstGeom prst="chord">
+              <a:avLst>
+                <a:gd name="adj1" fmla="val 5362734"/>
+                <a:gd name="adj2" fmla="val 16200000"/>
+              </a:avLst>
+            </a:prstGeom>
+            <a:solidFill>
+              <a:schemeClr val="accent3">
+                <a:lumMod val="60000"/>
+                <a:lumOff val="40000"/>
+              </a:schemeClr>
+            </a:solidFill>
+            <a:ln>
+              <a:noFill/>
+            </a:ln>
+          </p:spPr>
+          <p:txBody>
+            <a:bodyPr wrap="square" rtlCol="0" anchor="ctr">
+              <a:spAutoFit/>
+            </a:bodyPr>
+            <a:lstStyle/>
+            <a:p>
+              <a:pPr algn="ctr"/>
+              <a:endParaRPr kumimoji="1" lang="ja-JP" altLang="en-US" sz="2400" dirty="0"/>
+            </a:p>
+          </p:txBody>
+        </p:sp>
+        <p:sp>
+          <p:nvSpPr>
+            <p:cNvPr id="8" name="正方形/長方形 7">
+              <a:extLst>
+                <a:ext uri="{FF2B5EF4-FFF2-40B4-BE49-F238E27FC236}">
+                  <a16:creationId xmlns:a16="http://schemas.microsoft.com/office/drawing/2014/main" id="{1C2CA7DB-3DDB-1534-1FB6-963701AB51F5}"/>
+                </a:ext>
+              </a:extLst>
+            </p:cNvPr>
+            <p:cNvSpPr/>
+            <p:nvPr/>
+          </p:nvSpPr>
+          <p:spPr>
+            <a:xfrm>
+              <a:off x="5580112" y="4149080"/>
+              <a:ext cx="288032" cy="720080"/>
+            </a:xfrm>
+            <a:prstGeom prst="rect">
+              <a:avLst/>
+            </a:prstGeom>
+            <a:solidFill>
+              <a:schemeClr val="accent3">
+                <a:lumMod val="60000"/>
+                <a:lumOff val="40000"/>
+              </a:schemeClr>
+            </a:solidFill>
+            <a:ln>
+              <a:noFill/>
+            </a:ln>
+          </p:spPr>
+          <p:txBody>
+            <a:bodyPr wrap="square" rtlCol="0" anchor="ctr">
+              <a:spAutoFit/>
+            </a:bodyPr>
+            <a:lstStyle/>
+            <a:p>
+              <a:pPr algn="ctr"/>
+              <a:endParaRPr kumimoji="1" lang="ja-JP" altLang="en-US" sz="2400" dirty="0"/>
+            </a:p>
+          </p:txBody>
+        </p:sp>
+      </p:grpSp>
+      <p:grpSp>
+        <p:nvGrpSpPr>
+          <p:cNvPr id="11" name="グループ化 10">
+            <a:extLst>
+              <a:ext uri="{FF2B5EF4-FFF2-40B4-BE49-F238E27FC236}">
+                <a16:creationId xmlns:a16="http://schemas.microsoft.com/office/drawing/2014/main" id="{844F77C5-4AB9-2E90-EDE2-B4199E938B34}"/>
+              </a:ext>
+            </a:extLst>
+          </p:cNvPr>
+          <p:cNvGrpSpPr/>
+          <p:nvPr/>
+        </p:nvGrpSpPr>
+        <p:grpSpPr>
+          <a:xfrm>
+            <a:off x="2339752" y="5301208"/>
+            <a:ext cx="1152128" cy="1152128"/>
+            <a:chOff x="5220072" y="3429000"/>
+            <a:chExt cx="2160240" cy="2160240"/>
+          </a:xfrm>
+        </p:grpSpPr>
+        <p:sp>
+          <p:nvSpPr>
+            <p:cNvPr id="7" name="弦 6">
+              <a:extLst>
+                <a:ext uri="{FF2B5EF4-FFF2-40B4-BE49-F238E27FC236}">
+                  <a16:creationId xmlns:a16="http://schemas.microsoft.com/office/drawing/2014/main" id="{268ED017-632C-3BFA-B324-4C2C5429C535}"/>
+                </a:ext>
+              </a:extLst>
+            </p:cNvPr>
+            <p:cNvSpPr/>
+            <p:nvPr/>
+          </p:nvSpPr>
+          <p:spPr>
+            <a:xfrm rot="10800000">
+              <a:off x="5220072" y="3429000"/>
+              <a:ext cx="2160240" cy="2160240"/>
+            </a:xfrm>
+            <a:prstGeom prst="chord">
+              <a:avLst>
+                <a:gd name="adj1" fmla="val 5362734"/>
+                <a:gd name="adj2" fmla="val 16200000"/>
+              </a:avLst>
+            </a:prstGeom>
+            <a:solidFill>
+              <a:schemeClr val="accent3">
+                <a:lumMod val="60000"/>
+                <a:lumOff val="40000"/>
+              </a:schemeClr>
+            </a:solidFill>
+            <a:ln>
+              <a:noFill/>
+            </a:ln>
+          </p:spPr>
+          <p:txBody>
+            <a:bodyPr wrap="square" rtlCol="0" anchor="ctr">
+              <a:spAutoFit/>
+            </a:bodyPr>
+            <a:lstStyle/>
+            <a:p>
+              <a:pPr algn="ctr"/>
+              <a:endParaRPr kumimoji="1" lang="ja-JP" altLang="en-US" sz="2400" dirty="0"/>
+            </a:p>
+          </p:txBody>
+        </p:sp>
+        <p:sp>
+          <p:nvSpPr>
+            <p:cNvPr id="10" name="正方形/長方形 9">
+              <a:extLst>
+                <a:ext uri="{FF2B5EF4-FFF2-40B4-BE49-F238E27FC236}">
+                  <a16:creationId xmlns:a16="http://schemas.microsoft.com/office/drawing/2014/main" id="{8A5CFBDA-2917-1334-8A57-ED5C54EE017A}"/>
+                </a:ext>
+              </a:extLst>
+            </p:cNvPr>
+            <p:cNvSpPr/>
+            <p:nvPr/>
+          </p:nvSpPr>
+          <p:spPr>
+            <a:xfrm>
+              <a:off x="6228184" y="4149080"/>
+              <a:ext cx="360040" cy="720080"/>
+            </a:xfrm>
+            <a:prstGeom prst="rect">
+              <a:avLst/>
+            </a:prstGeom>
+            <a:solidFill>
+              <a:schemeClr val="bg1"/>
+            </a:solidFill>
+            <a:ln>
+              <a:noFill/>
+            </a:ln>
+          </p:spPr>
+          <p:txBody>
+            <a:bodyPr wrap="square" rtlCol="0" anchor="ctr">
+              <a:spAutoFit/>
+            </a:bodyPr>
+            <a:lstStyle/>
+            <a:p>
+              <a:pPr algn="ctr"/>
+              <a:endParaRPr kumimoji="1" lang="ja-JP" altLang="en-US" sz="2400" dirty="0"/>
+            </a:p>
+          </p:txBody>
+        </p:sp>
+      </p:grpSp>
+      <p:grpSp>
+        <p:nvGrpSpPr>
+          <p:cNvPr id="19" name="グループ化 18">
+            <a:extLst>
+              <a:ext uri="{FF2B5EF4-FFF2-40B4-BE49-F238E27FC236}">
+                <a16:creationId xmlns:a16="http://schemas.microsoft.com/office/drawing/2014/main" id="{14CAAD24-F1F6-5C9B-65AB-C858A5F3D504}"/>
+              </a:ext>
+            </a:extLst>
+          </p:cNvPr>
+          <p:cNvGrpSpPr/>
+          <p:nvPr/>
+        </p:nvGrpSpPr>
+        <p:grpSpPr>
+          <a:xfrm>
+            <a:off x="1619672" y="2132856"/>
+            <a:ext cx="1152128" cy="1152128"/>
+            <a:chOff x="251520" y="4509120"/>
+            <a:chExt cx="2160240" cy="2160240"/>
+          </a:xfrm>
+        </p:grpSpPr>
+        <p:sp>
+          <p:nvSpPr>
+            <p:cNvPr id="13" name="弦 12">
+              <a:extLst>
+                <a:ext uri="{FF2B5EF4-FFF2-40B4-BE49-F238E27FC236}">
+                  <a16:creationId xmlns:a16="http://schemas.microsoft.com/office/drawing/2014/main" id="{DF9DC419-CB43-E671-E9C4-DB73D1CDFE07}"/>
+                </a:ext>
+              </a:extLst>
+            </p:cNvPr>
+            <p:cNvSpPr/>
+            <p:nvPr/>
+          </p:nvSpPr>
+          <p:spPr>
+            <a:xfrm>
+              <a:off x="251520" y="4509120"/>
+              <a:ext cx="2160240" cy="2160240"/>
+            </a:xfrm>
+            <a:prstGeom prst="chord">
+              <a:avLst>
+                <a:gd name="adj1" fmla="val 5362734"/>
+                <a:gd name="adj2" fmla="val 16200000"/>
+              </a:avLst>
+            </a:prstGeom>
+            <a:solidFill>
+              <a:schemeClr val="accent3">
+                <a:lumMod val="60000"/>
+                <a:lumOff val="40000"/>
+              </a:schemeClr>
+            </a:solidFill>
+            <a:ln>
+              <a:noFill/>
+            </a:ln>
+          </p:spPr>
+          <p:txBody>
+            <a:bodyPr wrap="square" rtlCol="0" anchor="ctr">
+              <a:spAutoFit/>
+            </a:bodyPr>
+            <a:lstStyle/>
+            <a:p>
+              <a:pPr algn="ctr"/>
+              <a:endParaRPr kumimoji="1" lang="ja-JP" altLang="en-US" sz="2400" dirty="0"/>
+            </a:p>
+          </p:txBody>
+        </p:sp>
+        <p:sp>
+          <p:nvSpPr>
+            <p:cNvPr id="15" name="二等辺三角形 14">
+              <a:extLst>
+                <a:ext uri="{FF2B5EF4-FFF2-40B4-BE49-F238E27FC236}">
+                  <a16:creationId xmlns:a16="http://schemas.microsoft.com/office/drawing/2014/main" id="{8C922377-8BB8-5B54-53DE-4462BB76FC86}"/>
+                </a:ext>
+              </a:extLst>
+            </p:cNvPr>
+            <p:cNvSpPr/>
+            <p:nvPr/>
+          </p:nvSpPr>
+          <p:spPr>
+            <a:xfrm rot="5400000">
+              <a:off x="935596" y="5337212"/>
+              <a:ext cx="1152128" cy="504056"/>
+            </a:xfrm>
+            <a:prstGeom prst="triangle">
+              <a:avLst/>
+            </a:prstGeom>
+            <a:solidFill>
+              <a:schemeClr val="accent3">
+                <a:lumMod val="60000"/>
+                <a:lumOff val="40000"/>
+              </a:schemeClr>
+            </a:solidFill>
+            <a:ln>
+              <a:noFill/>
+            </a:ln>
+          </p:spPr>
+          <p:txBody>
+            <a:bodyPr wrap="square" rtlCol="0" anchor="ctr">
+              <a:spAutoFit/>
+            </a:bodyPr>
+            <a:lstStyle/>
+            <a:p>
+              <a:pPr algn="ctr"/>
+              <a:endParaRPr kumimoji="1" lang="ja-JP" altLang="en-US" sz="2400" dirty="0"/>
+            </a:p>
+          </p:txBody>
+        </p:sp>
+      </p:grpSp>
+      <p:grpSp>
+        <p:nvGrpSpPr>
+          <p:cNvPr id="18" name="グループ化 17">
+            <a:extLst>
+              <a:ext uri="{FF2B5EF4-FFF2-40B4-BE49-F238E27FC236}">
+                <a16:creationId xmlns:a16="http://schemas.microsoft.com/office/drawing/2014/main" id="{A02E196B-BB33-0D75-134E-DDE07A8EC218}"/>
+              </a:ext>
+            </a:extLst>
+          </p:cNvPr>
+          <p:cNvGrpSpPr/>
+          <p:nvPr/>
+        </p:nvGrpSpPr>
+        <p:grpSpPr>
+          <a:xfrm>
+            <a:off x="2339752" y="2132856"/>
+            <a:ext cx="1152128" cy="1152128"/>
+            <a:chOff x="1979711" y="4423724"/>
+            <a:chExt cx="2160240" cy="2160240"/>
+          </a:xfrm>
+        </p:grpSpPr>
+        <p:sp>
+          <p:nvSpPr>
+            <p:cNvPr id="14" name="弦 13">
+              <a:extLst>
+                <a:ext uri="{FF2B5EF4-FFF2-40B4-BE49-F238E27FC236}">
+                  <a16:creationId xmlns:a16="http://schemas.microsoft.com/office/drawing/2014/main" id="{626E1839-67A5-16EA-E27B-C59D2F886546}"/>
+                </a:ext>
+              </a:extLst>
+            </p:cNvPr>
+            <p:cNvSpPr/>
+            <p:nvPr/>
+          </p:nvSpPr>
+          <p:spPr>
+            <a:xfrm rot="10800000">
+              <a:off x="1979711" y="4423724"/>
+              <a:ext cx="2160240" cy="2160240"/>
+            </a:xfrm>
+            <a:prstGeom prst="chord">
+              <a:avLst>
+                <a:gd name="adj1" fmla="val 5362734"/>
+                <a:gd name="adj2" fmla="val 16200000"/>
+              </a:avLst>
+            </a:prstGeom>
+            <a:solidFill>
+              <a:schemeClr val="accent3">
+                <a:lumMod val="60000"/>
+                <a:lumOff val="40000"/>
+              </a:schemeClr>
+            </a:solidFill>
+            <a:ln>
+              <a:noFill/>
+            </a:ln>
+          </p:spPr>
+          <p:txBody>
+            <a:bodyPr wrap="square" rtlCol="0" anchor="ctr">
+              <a:spAutoFit/>
+            </a:bodyPr>
+            <a:lstStyle/>
+            <a:p>
+              <a:pPr algn="ctr"/>
+              <a:endParaRPr kumimoji="1" lang="ja-JP" altLang="en-US" sz="2400" dirty="0"/>
+            </a:p>
+          </p:txBody>
+        </p:sp>
+        <p:sp>
+          <p:nvSpPr>
+            <p:cNvPr id="16" name="二等辺三角形 15">
+              <a:extLst>
+                <a:ext uri="{FF2B5EF4-FFF2-40B4-BE49-F238E27FC236}">
+                  <a16:creationId xmlns:a16="http://schemas.microsoft.com/office/drawing/2014/main" id="{6ED065C9-01AA-47C5-0A3D-8D50B9FF5708}"/>
+                </a:ext>
+              </a:extLst>
+            </p:cNvPr>
+            <p:cNvSpPr/>
+            <p:nvPr/>
+          </p:nvSpPr>
+          <p:spPr>
+            <a:xfrm rot="5400000">
+              <a:off x="2627784" y="5150498"/>
+              <a:ext cx="1224136" cy="648072"/>
+            </a:xfrm>
+            <a:prstGeom prst="triangle">
+              <a:avLst/>
+            </a:prstGeom>
+            <a:solidFill>
+              <a:schemeClr val="bg1"/>
+            </a:solidFill>
+            <a:ln>
+              <a:noFill/>
+            </a:ln>
+          </p:spPr>
+          <p:txBody>
+            <a:bodyPr wrap="square" rtlCol="0" anchor="ctr">
+              <a:spAutoFit/>
+            </a:bodyPr>
+            <a:lstStyle/>
+            <a:p>
+              <a:pPr algn="ctr"/>
+              <a:endParaRPr kumimoji="1" lang="ja-JP" altLang="en-US" sz="2400" dirty="0"/>
+            </a:p>
+          </p:txBody>
+        </p:sp>
+      </p:grpSp>
+      <mc:AlternateContent xmlns:mc="http://schemas.openxmlformats.org/markup-compatibility/2006">
+        <mc:Choice xmlns:a14="http://schemas.microsoft.com/office/drawing/2010/main" Requires="a14">
+          <p:sp>
+            <p:nvSpPr>
+              <p:cNvPr id="21" name="テキスト ボックス 20">
+                <a:extLst>
+                  <a:ext uri="{FF2B5EF4-FFF2-40B4-BE49-F238E27FC236}">
+                    <a16:creationId xmlns:a16="http://schemas.microsoft.com/office/drawing/2014/main" id="{C7D520CF-6DFE-FD7C-6769-017A88BD3179}"/>
+                  </a:ext>
+                </a:extLst>
+              </p:cNvPr>
+              <p:cNvSpPr txBox="1"/>
+              <p:nvPr/>
+            </p:nvSpPr>
+            <p:spPr>
+              <a:xfrm>
+                <a:off x="2339752" y="3933056"/>
+                <a:ext cx="416781" cy="615553"/>
+              </a:xfrm>
+              <a:prstGeom prst="rect">
+                <a:avLst/>
+              </a:prstGeom>
+              <a:noFill/>
+            </p:spPr>
+            <p:txBody>
+              <a:bodyPr wrap="none" lIns="0" tIns="0" rIns="0" bIns="0" rtlCol="0">
+                <a:spAutoFit/>
+              </a:bodyPr>
+              <a:lstStyle/>
+              <a:p>
+                <a14:m>
+                  <m:oMathPara xmlns:m="http://schemas.openxmlformats.org/officeDocument/2006/math">
+                    <m:oMathParaPr>
+                      <m:jc m:val="centerGroup"/>
+                    </m:oMathParaPr>
+                    <m:oMath xmlns:m="http://schemas.openxmlformats.org/officeDocument/2006/math">
+                      <m:r>
+                        <a:rPr kumimoji="1" lang="en-US" altLang="ja-JP" sz="4000" b="0" i="1" smtClean="0">
+                          <a:latin typeface="Cambria Math" panose="02040503050406030204" pitchFamily="18" charset="0"/>
+                        </a:rPr>
+                        <m:t>ℏ</m:t>
+                      </m:r>
+                    </m:oMath>
+                  </m:oMathPara>
+                </a14:m>
+                <a:endParaRPr kumimoji="1" lang="ja-JP" altLang="en-US" sz="4000" dirty="0"/>
+              </a:p>
+            </p:txBody>
+          </p:sp>
+        </mc:Choice>
+        <mc:Fallback>
+          <p:sp>
+            <p:nvSpPr>
+              <p:cNvPr id="21" name="テキスト ボックス 20">
+                <a:extLst>
+                  <a:ext uri="{FF2B5EF4-FFF2-40B4-BE49-F238E27FC236}">
+                    <a16:creationId xmlns:a16="http://schemas.microsoft.com/office/drawing/2014/main" id="{C7D520CF-6DFE-FD7C-6769-017A88BD3179}"/>
+                  </a:ext>
+                </a:extLst>
+              </p:cNvPr>
+              <p:cNvSpPr txBox="1">
+                <a:spLocks noRot="1" noChangeAspect="1" noMove="1" noResize="1" noEditPoints="1" noAdjustHandles="1" noChangeArrowheads="1" noChangeShapeType="1" noTextEdit="1"/>
+              </p:cNvSpPr>
+              <p:nvPr/>
+            </p:nvSpPr>
+            <p:spPr>
+              <a:xfrm>
+                <a:off x="2339752" y="3933056"/>
+                <a:ext cx="416781" cy="615553"/>
+              </a:xfrm>
+              <a:prstGeom prst="rect">
+                <a:avLst/>
+              </a:prstGeom>
+              <a:blipFill>
+                <a:blip r:embed="rId3"/>
+                <a:stretch>
+                  <a:fillRect/>
+                </a:stretch>
+              </a:blipFill>
+            </p:spPr>
+            <p:txBody>
+              <a:bodyPr/>
+              <a:lstStyle/>
+              <a:p>
+                <a:r>
+                  <a:rPr lang="ja-JP" altLang="en-US">
+                    <a:noFill/>
+                  </a:rPr>
+                  <a:t> </a:t>
+                </a:r>
+              </a:p>
+            </p:txBody>
+          </p:sp>
+        </mc:Fallback>
+      </mc:AlternateContent>
+      <mc:AlternateContent xmlns:mc="http://schemas.openxmlformats.org/markup-compatibility/2006">
+        <mc:Choice xmlns:a14="http://schemas.microsoft.com/office/drawing/2010/main" Requires="a14">
+          <p:sp>
+            <p:nvSpPr>
+              <p:cNvPr id="22" name="テキスト ボックス 21">
+                <a:extLst>
+                  <a:ext uri="{FF2B5EF4-FFF2-40B4-BE49-F238E27FC236}">
+                    <a16:creationId xmlns:a16="http://schemas.microsoft.com/office/drawing/2014/main" id="{1F69A238-4580-D07D-9432-EED78BD61F4D}"/>
+                  </a:ext>
+                </a:extLst>
+              </p:cNvPr>
+              <p:cNvSpPr txBox="1"/>
+              <p:nvPr/>
+            </p:nvSpPr>
+            <p:spPr>
+              <a:xfrm>
+                <a:off x="1763688" y="2348880"/>
+                <a:ext cx="407035" cy="615553"/>
+              </a:xfrm>
+              <a:prstGeom prst="rect">
+                <a:avLst/>
+              </a:prstGeom>
+              <a:noFill/>
+            </p:spPr>
+            <p:txBody>
+              <a:bodyPr wrap="none" lIns="0" tIns="0" rIns="0" bIns="0" rtlCol="0">
+                <a:spAutoFit/>
+              </a:bodyPr>
+              <a:lstStyle/>
+              <a:p>
+                <a14:m>
+                  <m:oMathPara xmlns:m="http://schemas.openxmlformats.org/officeDocument/2006/math">
+                    <m:oMathParaPr>
+                      <m:jc m:val="centerGroup"/>
+                    </m:oMathParaPr>
+                    <m:oMath xmlns:m="http://schemas.openxmlformats.org/officeDocument/2006/math">
+                      <m:r>
+                        <a:rPr kumimoji="1" lang="en-US" altLang="ja-JP" sz="4000" b="0" i="1" smtClean="0">
+                          <a:latin typeface="Cambria Math" panose="02040503050406030204" pitchFamily="18" charset="0"/>
+                        </a:rPr>
+                        <m:t>𝑝</m:t>
+                      </m:r>
+                    </m:oMath>
+                  </m:oMathPara>
+                </a14:m>
+                <a:endParaRPr kumimoji="1" lang="ja-JP" altLang="en-US" sz="4000" dirty="0"/>
+              </a:p>
+            </p:txBody>
+          </p:sp>
+        </mc:Choice>
+        <mc:Fallback>
+          <p:sp>
+            <p:nvSpPr>
+              <p:cNvPr id="22" name="テキスト ボックス 21">
+                <a:extLst>
+                  <a:ext uri="{FF2B5EF4-FFF2-40B4-BE49-F238E27FC236}">
+                    <a16:creationId xmlns:a16="http://schemas.microsoft.com/office/drawing/2014/main" id="{1F69A238-4580-D07D-9432-EED78BD61F4D}"/>
+                  </a:ext>
+                </a:extLst>
+              </p:cNvPr>
+              <p:cNvSpPr txBox="1">
+                <a:spLocks noRot="1" noChangeAspect="1" noMove="1" noResize="1" noEditPoints="1" noAdjustHandles="1" noChangeArrowheads="1" noChangeShapeType="1" noTextEdit="1"/>
+              </p:cNvSpPr>
+              <p:nvPr/>
+            </p:nvSpPr>
+            <p:spPr>
+              <a:xfrm>
+                <a:off x="1763688" y="2348880"/>
+                <a:ext cx="407035" cy="615553"/>
+              </a:xfrm>
+              <a:prstGeom prst="rect">
+                <a:avLst/>
+              </a:prstGeom>
+              <a:blipFill>
+                <a:blip r:embed="rId4"/>
+                <a:stretch>
+                  <a:fillRect/>
+                </a:stretch>
+              </a:blipFill>
+            </p:spPr>
+            <p:txBody>
+              <a:bodyPr/>
+              <a:lstStyle/>
+              <a:p>
+                <a:r>
+                  <a:rPr lang="ja-JP" altLang="en-US">
+                    <a:noFill/>
+                  </a:rPr>
+                  <a:t> </a:t>
+                </a:r>
+              </a:p>
+            </p:txBody>
+          </p:sp>
+        </mc:Fallback>
+      </mc:AlternateContent>
+      <mc:AlternateContent xmlns:mc="http://schemas.openxmlformats.org/markup-compatibility/2006">
+        <mc:Choice xmlns:a14="http://schemas.microsoft.com/office/drawing/2010/main" Requires="a14">
+          <p:sp>
+            <p:nvSpPr>
+              <p:cNvPr id="23" name="テキスト ボックス 22">
+                <a:extLst>
+                  <a:ext uri="{FF2B5EF4-FFF2-40B4-BE49-F238E27FC236}">
+                    <a16:creationId xmlns:a16="http://schemas.microsoft.com/office/drawing/2014/main" id="{1341DCC0-036C-F7AA-53D3-D6F4B39C9097}"/>
+                  </a:ext>
+                </a:extLst>
+              </p:cNvPr>
+              <p:cNvSpPr txBox="1"/>
+              <p:nvPr/>
+            </p:nvSpPr>
+            <p:spPr>
+              <a:xfrm>
+                <a:off x="2987824" y="2348880"/>
+                <a:ext cx="406650" cy="615553"/>
+              </a:xfrm>
+              <a:prstGeom prst="rect">
+                <a:avLst/>
+              </a:prstGeom>
+              <a:noFill/>
+            </p:spPr>
+            <p:txBody>
+              <a:bodyPr wrap="none" lIns="0" tIns="0" rIns="0" bIns="0" rtlCol="0">
+                <a:spAutoFit/>
+              </a:bodyPr>
+              <a:lstStyle/>
+              <a:p>
+                <a14:m>
+                  <m:oMathPara xmlns:m="http://schemas.openxmlformats.org/officeDocument/2006/math">
+                    <m:oMathParaPr>
+                      <m:jc m:val="centerGroup"/>
+                    </m:oMathParaPr>
+                    <m:oMath xmlns:m="http://schemas.openxmlformats.org/officeDocument/2006/math">
+                      <m:r>
+                        <a:rPr kumimoji="1" lang="en-US" altLang="ja-JP" sz="4000" b="0" i="1" smtClean="0">
+                          <a:latin typeface="Cambria Math" panose="02040503050406030204" pitchFamily="18" charset="0"/>
+                        </a:rPr>
+                        <m:t>𝑞</m:t>
+                      </m:r>
+                    </m:oMath>
+                  </m:oMathPara>
+                </a14:m>
+                <a:endParaRPr kumimoji="1" lang="ja-JP" altLang="en-US" sz="4000" dirty="0"/>
+              </a:p>
+            </p:txBody>
+          </p:sp>
+        </mc:Choice>
+        <mc:Fallback>
+          <p:sp>
+            <p:nvSpPr>
+              <p:cNvPr id="23" name="テキスト ボックス 22">
+                <a:extLst>
+                  <a:ext uri="{FF2B5EF4-FFF2-40B4-BE49-F238E27FC236}">
+                    <a16:creationId xmlns:a16="http://schemas.microsoft.com/office/drawing/2014/main" id="{1341DCC0-036C-F7AA-53D3-D6F4B39C9097}"/>
+                  </a:ext>
+                </a:extLst>
+              </p:cNvPr>
+              <p:cNvSpPr txBox="1">
+                <a:spLocks noRot="1" noChangeAspect="1" noMove="1" noResize="1" noEditPoints="1" noAdjustHandles="1" noChangeArrowheads="1" noChangeShapeType="1" noTextEdit="1"/>
+              </p:cNvSpPr>
+              <p:nvPr/>
+            </p:nvSpPr>
+            <p:spPr>
+              <a:xfrm>
+                <a:off x="2987824" y="2348880"/>
+                <a:ext cx="406650" cy="615553"/>
+              </a:xfrm>
+              <a:prstGeom prst="rect">
+                <a:avLst/>
+              </a:prstGeom>
+              <a:blipFill>
+                <a:blip r:embed="rId5"/>
+                <a:stretch>
+                  <a:fillRect/>
+                </a:stretch>
+              </a:blipFill>
+            </p:spPr>
+            <p:txBody>
+              <a:bodyPr/>
+              <a:lstStyle/>
+              <a:p>
+                <a:r>
+                  <a:rPr lang="ja-JP" altLang="en-US">
+                    <a:noFill/>
+                  </a:rPr>
+                  <a:t> </a:t>
+                </a:r>
+              </a:p>
+            </p:txBody>
+          </p:sp>
+        </mc:Fallback>
+      </mc:AlternateContent>
+      <mc:AlternateContent xmlns:mc="http://schemas.openxmlformats.org/markup-compatibility/2006">
+        <mc:Choice xmlns:a14="http://schemas.microsoft.com/office/drawing/2010/main" Requires="a14">
+          <p:sp>
+            <p:nvSpPr>
+              <p:cNvPr id="24" name="テキスト ボックス 23">
+                <a:extLst>
+                  <a:ext uri="{FF2B5EF4-FFF2-40B4-BE49-F238E27FC236}">
+                    <a16:creationId xmlns:a16="http://schemas.microsoft.com/office/drawing/2014/main" id="{17770BA5-B651-17FB-A9B1-DE1E33EC871A}"/>
+                  </a:ext>
+                </a:extLst>
+              </p:cNvPr>
+              <p:cNvSpPr txBox="1"/>
+              <p:nvPr/>
+            </p:nvSpPr>
+            <p:spPr>
+              <a:xfrm>
+                <a:off x="1793829" y="5589240"/>
+                <a:ext cx="329899" cy="615553"/>
+              </a:xfrm>
+              <a:prstGeom prst="rect">
+                <a:avLst/>
+              </a:prstGeom>
+              <a:noFill/>
+            </p:spPr>
+            <p:txBody>
+              <a:bodyPr wrap="none" lIns="0" tIns="0" rIns="0" bIns="0" rtlCol="0">
+                <a:spAutoFit/>
+              </a:bodyPr>
+              <a:lstStyle/>
+              <a:p>
+                <a14:m>
+                  <m:oMathPara xmlns:m="http://schemas.openxmlformats.org/officeDocument/2006/math">
+                    <m:oMathParaPr>
+                      <m:jc m:val="centerGroup"/>
+                    </m:oMathParaPr>
+                    <m:oMath xmlns:m="http://schemas.openxmlformats.org/officeDocument/2006/math">
+                      <m:r>
+                        <a:rPr kumimoji="1" lang="en-US" altLang="ja-JP" sz="4000" b="0" i="1" smtClean="0">
+                          <a:latin typeface="Cambria Math" panose="02040503050406030204" pitchFamily="18" charset="0"/>
+                        </a:rPr>
+                        <m:t>𝑡</m:t>
+                      </m:r>
+                    </m:oMath>
+                  </m:oMathPara>
+                </a14:m>
+                <a:endParaRPr kumimoji="1" lang="ja-JP" altLang="en-US" sz="4000" dirty="0"/>
+              </a:p>
+            </p:txBody>
+          </p:sp>
+        </mc:Choice>
+        <mc:Fallback>
+          <p:sp>
+            <p:nvSpPr>
+              <p:cNvPr id="24" name="テキスト ボックス 23">
+                <a:extLst>
+                  <a:ext uri="{FF2B5EF4-FFF2-40B4-BE49-F238E27FC236}">
+                    <a16:creationId xmlns:a16="http://schemas.microsoft.com/office/drawing/2014/main" id="{17770BA5-B651-17FB-A9B1-DE1E33EC871A}"/>
+                  </a:ext>
+                </a:extLst>
+              </p:cNvPr>
+              <p:cNvSpPr txBox="1">
+                <a:spLocks noRot="1" noChangeAspect="1" noMove="1" noResize="1" noEditPoints="1" noAdjustHandles="1" noChangeArrowheads="1" noChangeShapeType="1" noTextEdit="1"/>
+              </p:cNvSpPr>
+              <p:nvPr/>
+            </p:nvSpPr>
+            <p:spPr>
+              <a:xfrm>
+                <a:off x="1793829" y="5589240"/>
+                <a:ext cx="329899" cy="615553"/>
+              </a:xfrm>
+              <a:prstGeom prst="rect">
+                <a:avLst/>
+              </a:prstGeom>
+              <a:blipFill>
+                <a:blip r:embed="rId6"/>
+                <a:stretch>
+                  <a:fillRect/>
+                </a:stretch>
+              </a:blipFill>
+            </p:spPr>
+            <p:txBody>
+              <a:bodyPr/>
+              <a:lstStyle/>
+              <a:p>
+                <a:r>
+                  <a:rPr lang="ja-JP" altLang="en-US">
+                    <a:noFill/>
+                  </a:rPr>
+                  <a:t> </a:t>
+                </a:r>
+              </a:p>
+            </p:txBody>
+          </p:sp>
+        </mc:Fallback>
+      </mc:AlternateContent>
+      <mc:AlternateContent xmlns:mc="http://schemas.openxmlformats.org/markup-compatibility/2006">
+        <mc:Choice xmlns:a14="http://schemas.microsoft.com/office/drawing/2010/main" Requires="a14">
+          <p:sp>
+            <p:nvSpPr>
+              <p:cNvPr id="25" name="テキスト ボックス 24">
+                <a:extLst>
+                  <a:ext uri="{FF2B5EF4-FFF2-40B4-BE49-F238E27FC236}">
+                    <a16:creationId xmlns:a16="http://schemas.microsoft.com/office/drawing/2014/main" id="{CAE397B0-58CA-FD5B-FFC9-C585EE6817F7}"/>
+                  </a:ext>
+                </a:extLst>
+              </p:cNvPr>
+              <p:cNvSpPr txBox="1"/>
+              <p:nvPr/>
+            </p:nvSpPr>
+            <p:spPr>
+              <a:xfrm>
+                <a:off x="2915816" y="5589240"/>
+                <a:ext cx="456086" cy="615553"/>
+              </a:xfrm>
+              <a:prstGeom prst="rect">
+                <a:avLst/>
+              </a:prstGeom>
+              <a:noFill/>
+            </p:spPr>
+            <p:txBody>
+              <a:bodyPr wrap="none" lIns="0" tIns="0" rIns="0" bIns="0" rtlCol="0">
+                <a:spAutoFit/>
+              </a:bodyPr>
+              <a:lstStyle/>
+              <a:p>
+                <a14:m>
+                  <m:oMathPara xmlns:m="http://schemas.openxmlformats.org/officeDocument/2006/math">
+                    <m:oMathParaPr>
+                      <m:jc m:val="centerGroup"/>
+                    </m:oMathParaPr>
+                    <m:oMath xmlns:m="http://schemas.openxmlformats.org/officeDocument/2006/math">
+                      <m:r>
+                        <a:rPr kumimoji="1" lang="en-US" altLang="ja-JP" sz="4000" b="0" i="1" smtClean="0">
+                          <a:latin typeface="Cambria Math" panose="02040503050406030204" pitchFamily="18" charset="0"/>
+                        </a:rPr>
+                        <m:t>𝐸</m:t>
+                      </m:r>
+                    </m:oMath>
+                  </m:oMathPara>
+                </a14:m>
+                <a:endParaRPr kumimoji="1" lang="ja-JP" altLang="en-US" sz="4000" dirty="0"/>
+              </a:p>
+            </p:txBody>
+          </p:sp>
+        </mc:Choice>
+        <mc:Fallback>
+          <p:sp>
+            <p:nvSpPr>
+              <p:cNvPr id="25" name="テキスト ボックス 24">
+                <a:extLst>
+                  <a:ext uri="{FF2B5EF4-FFF2-40B4-BE49-F238E27FC236}">
+                    <a16:creationId xmlns:a16="http://schemas.microsoft.com/office/drawing/2014/main" id="{CAE397B0-58CA-FD5B-FFC9-C585EE6817F7}"/>
+                  </a:ext>
+                </a:extLst>
+              </p:cNvPr>
+              <p:cNvSpPr txBox="1">
+                <a:spLocks noRot="1" noChangeAspect="1" noMove="1" noResize="1" noEditPoints="1" noAdjustHandles="1" noChangeArrowheads="1" noChangeShapeType="1" noTextEdit="1"/>
+              </p:cNvSpPr>
+              <p:nvPr/>
+            </p:nvSpPr>
+            <p:spPr>
+              <a:xfrm>
+                <a:off x="2915816" y="5589240"/>
+                <a:ext cx="456086" cy="615553"/>
+              </a:xfrm>
+              <a:prstGeom prst="rect">
+                <a:avLst/>
+              </a:prstGeom>
+              <a:blipFill>
+                <a:blip r:embed="rId7"/>
+                <a:stretch>
+                  <a:fillRect/>
+                </a:stretch>
+              </a:blipFill>
+            </p:spPr>
+            <p:txBody>
+              <a:bodyPr/>
+              <a:lstStyle/>
+              <a:p>
+                <a:r>
+                  <a:rPr lang="ja-JP" altLang="en-US">
+                    <a:noFill/>
+                  </a:rPr>
+                  <a:t> </a:t>
+                </a:r>
+              </a:p>
+            </p:txBody>
+          </p:sp>
+        </mc:Fallback>
+      </mc:AlternateContent>
+      <p:sp>
+        <p:nvSpPr>
+          <p:cNvPr id="26" name="矢印: 上 25">
+            <a:extLst>
+              <a:ext uri="{FF2B5EF4-FFF2-40B4-BE49-F238E27FC236}">
+                <a16:creationId xmlns:a16="http://schemas.microsoft.com/office/drawing/2014/main" id="{3A281B8B-95A6-645E-EEB4-2B9AB579E35D}"/>
+              </a:ext>
+            </a:extLst>
+          </p:cNvPr>
+          <p:cNvSpPr/>
+          <p:nvPr/>
+        </p:nvSpPr>
+        <p:spPr>
+          <a:xfrm rot="10800000">
+            <a:off x="2339752" y="4941168"/>
+            <a:ext cx="432048" cy="402344"/>
+          </a:xfrm>
+          <a:prstGeom prst="upArrow">
+            <a:avLst/>
+          </a:prstGeom>
+          <a:solidFill>
+            <a:srgbClr val="FF0000"/>
+          </a:solidFill>
+          <a:ln>
+            <a:solidFill>
+              <a:schemeClr val="tx1"/>
+            </a:solidFill>
+          </a:ln>
+        </p:spPr>
+        <p:txBody>
+          <a:bodyPr wrap="square" rtlCol="0" anchor="ctr">
+            <a:spAutoFit/>
+          </a:bodyPr>
+          <a:lstStyle/>
+          <a:p>
+            <a:pPr algn="ctr"/>
+            <a:endParaRPr kumimoji="1" lang="ja-JP" altLang="en-US" sz="2400" dirty="0"/>
+          </a:p>
+        </p:txBody>
+      </p:sp>
+      <p:sp>
+        <p:nvSpPr>
+          <p:cNvPr id="27" name="矢印: 上 26">
+            <a:extLst>
+              <a:ext uri="{FF2B5EF4-FFF2-40B4-BE49-F238E27FC236}">
+                <a16:creationId xmlns:a16="http://schemas.microsoft.com/office/drawing/2014/main" id="{6E1E9620-3F15-0C55-A5BD-C7570CEA4D37}"/>
+              </a:ext>
+            </a:extLst>
+          </p:cNvPr>
+          <p:cNvSpPr/>
+          <p:nvPr/>
+        </p:nvSpPr>
+        <p:spPr>
+          <a:xfrm>
+            <a:off x="2339752" y="3140968"/>
+            <a:ext cx="432048" cy="402344"/>
+          </a:xfrm>
+          <a:prstGeom prst="upArrow">
+            <a:avLst/>
+          </a:prstGeom>
+          <a:solidFill>
+            <a:srgbClr val="FF0000"/>
+          </a:solidFill>
+          <a:ln>
+            <a:solidFill>
+              <a:schemeClr val="tx1"/>
+            </a:solidFill>
+          </a:ln>
+        </p:spPr>
+        <p:txBody>
+          <a:bodyPr wrap="square" rtlCol="0" anchor="ctr">
+            <a:spAutoFit/>
+          </a:bodyPr>
+          <a:lstStyle/>
+          <a:p>
+            <a:pPr algn="ctr"/>
+            <a:endParaRPr kumimoji="1" lang="ja-JP" altLang="en-US" sz="2400" dirty="0"/>
+          </a:p>
+        </p:txBody>
+      </p:sp>
+      <p:sp>
+        <p:nvSpPr>
+          <p:cNvPr id="28" name="楕円 27">
+            <a:extLst>
+              <a:ext uri="{FF2B5EF4-FFF2-40B4-BE49-F238E27FC236}">
+                <a16:creationId xmlns:a16="http://schemas.microsoft.com/office/drawing/2014/main" id="{15ABB565-CA25-9F05-2948-4677F4E0CC0D}"/>
+              </a:ext>
+            </a:extLst>
+          </p:cNvPr>
+          <p:cNvSpPr/>
+          <p:nvPr/>
+        </p:nvSpPr>
+        <p:spPr>
+          <a:xfrm>
+            <a:off x="6084168" y="3501008"/>
+            <a:ext cx="1152128" cy="1152128"/>
+          </a:xfrm>
+          <a:prstGeom prst="ellipse">
+            <a:avLst/>
+          </a:prstGeom>
+          <a:solidFill>
+            <a:schemeClr val="accent6">
+              <a:lumMod val="40000"/>
+              <a:lumOff val="60000"/>
+            </a:schemeClr>
+          </a:solidFill>
+          <a:ln>
+            <a:noFill/>
+          </a:ln>
+        </p:spPr>
+        <p:txBody>
+          <a:bodyPr wrap="square" rtlCol="0" anchor="ctr">
+            <a:spAutoFit/>
+          </a:bodyPr>
+          <a:lstStyle/>
+          <a:p>
+            <a:pPr algn="ctr"/>
+            <a:endParaRPr kumimoji="1" lang="ja-JP" altLang="en-US" sz="2400" dirty="0"/>
+          </a:p>
+        </p:txBody>
+      </p:sp>
+      <p:grpSp>
+        <p:nvGrpSpPr>
+          <p:cNvPr id="29" name="グループ化 28">
+            <a:extLst>
+              <a:ext uri="{FF2B5EF4-FFF2-40B4-BE49-F238E27FC236}">
+                <a16:creationId xmlns:a16="http://schemas.microsoft.com/office/drawing/2014/main" id="{F593AB53-BD63-5F35-6FFA-0075C2901009}"/>
+              </a:ext>
+            </a:extLst>
+          </p:cNvPr>
+          <p:cNvGrpSpPr/>
+          <p:nvPr/>
+        </p:nvGrpSpPr>
+        <p:grpSpPr>
+          <a:xfrm>
+            <a:off x="5724128" y="5229200"/>
+            <a:ext cx="1152128" cy="1152128"/>
+            <a:chOff x="4499992" y="3429000"/>
+            <a:chExt cx="2160240" cy="2160240"/>
+          </a:xfrm>
+          <a:solidFill>
+            <a:schemeClr val="accent6">
+              <a:lumMod val="40000"/>
+              <a:lumOff val="60000"/>
+            </a:schemeClr>
+          </a:solidFill>
+        </p:grpSpPr>
+        <p:sp>
+          <p:nvSpPr>
+            <p:cNvPr id="30" name="弦 29">
+              <a:extLst>
+                <a:ext uri="{FF2B5EF4-FFF2-40B4-BE49-F238E27FC236}">
+                  <a16:creationId xmlns:a16="http://schemas.microsoft.com/office/drawing/2014/main" id="{F4B7A15F-3D56-2D7D-1AEC-33D0610C9710}"/>
+                </a:ext>
+              </a:extLst>
+            </p:cNvPr>
+            <p:cNvSpPr/>
+            <p:nvPr/>
+          </p:nvSpPr>
+          <p:spPr>
+            <a:xfrm>
+              <a:off x="4499992" y="3429000"/>
+              <a:ext cx="2160240" cy="2160240"/>
+            </a:xfrm>
+            <a:prstGeom prst="chord">
+              <a:avLst>
+                <a:gd name="adj1" fmla="val 5362734"/>
+                <a:gd name="adj2" fmla="val 16200000"/>
+              </a:avLst>
+            </a:prstGeom>
+            <a:grpFill/>
+            <a:ln>
+              <a:noFill/>
+            </a:ln>
+          </p:spPr>
+          <p:txBody>
+            <a:bodyPr wrap="square" rtlCol="0" anchor="ctr">
+              <a:spAutoFit/>
+            </a:bodyPr>
+            <a:lstStyle/>
+            <a:p>
+              <a:pPr algn="ctr"/>
+              <a:endParaRPr kumimoji="1" lang="ja-JP" altLang="en-US" sz="2400" dirty="0"/>
+            </a:p>
+          </p:txBody>
+        </p:sp>
+        <p:sp>
+          <p:nvSpPr>
+            <p:cNvPr id="31" name="正方形/長方形 30">
+              <a:extLst>
+                <a:ext uri="{FF2B5EF4-FFF2-40B4-BE49-F238E27FC236}">
+                  <a16:creationId xmlns:a16="http://schemas.microsoft.com/office/drawing/2014/main" id="{46B6C5D4-8010-069A-9985-90FCB1C1F90D}"/>
+                </a:ext>
+              </a:extLst>
+            </p:cNvPr>
+            <p:cNvSpPr/>
+            <p:nvPr/>
+          </p:nvSpPr>
+          <p:spPr>
+            <a:xfrm>
+              <a:off x="5580112" y="4149080"/>
+              <a:ext cx="288032" cy="720080"/>
+            </a:xfrm>
+            <a:prstGeom prst="rect">
+              <a:avLst/>
+            </a:prstGeom>
+            <a:grpFill/>
+            <a:ln>
+              <a:noFill/>
+            </a:ln>
+          </p:spPr>
+          <p:txBody>
+            <a:bodyPr wrap="square" rtlCol="0" anchor="ctr">
+              <a:spAutoFit/>
+            </a:bodyPr>
+            <a:lstStyle/>
+            <a:p>
+              <a:pPr algn="ctr"/>
+              <a:endParaRPr kumimoji="1" lang="ja-JP" altLang="en-US" sz="2400" dirty="0"/>
+            </a:p>
+          </p:txBody>
+        </p:sp>
+      </p:grpSp>
+      <p:grpSp>
+        <p:nvGrpSpPr>
+          <p:cNvPr id="32" name="グループ化 31">
+            <a:extLst>
+              <a:ext uri="{FF2B5EF4-FFF2-40B4-BE49-F238E27FC236}">
+                <a16:creationId xmlns:a16="http://schemas.microsoft.com/office/drawing/2014/main" id="{1A2D2A23-34D4-C8E4-7529-65EA6191D11D}"/>
+              </a:ext>
+            </a:extLst>
+          </p:cNvPr>
+          <p:cNvGrpSpPr/>
+          <p:nvPr/>
+        </p:nvGrpSpPr>
+        <p:grpSpPr>
+          <a:xfrm>
+            <a:off x="6444208" y="5229200"/>
+            <a:ext cx="1152128" cy="1152128"/>
+            <a:chOff x="5220072" y="3429000"/>
+            <a:chExt cx="2160240" cy="2160240"/>
+          </a:xfrm>
+          <a:solidFill>
+            <a:schemeClr val="accent6">
+              <a:lumMod val="40000"/>
+              <a:lumOff val="60000"/>
+            </a:schemeClr>
+          </a:solidFill>
+        </p:grpSpPr>
+        <p:sp>
+          <p:nvSpPr>
+            <p:cNvPr id="33" name="弦 32">
+              <a:extLst>
+                <a:ext uri="{FF2B5EF4-FFF2-40B4-BE49-F238E27FC236}">
+                  <a16:creationId xmlns:a16="http://schemas.microsoft.com/office/drawing/2014/main" id="{478C6FBC-CD4C-79E2-5FF9-C0DDB8A1914A}"/>
+                </a:ext>
+              </a:extLst>
+            </p:cNvPr>
+            <p:cNvSpPr/>
+            <p:nvPr/>
+          </p:nvSpPr>
+          <p:spPr>
+            <a:xfrm rot="10800000">
+              <a:off x="5220072" y="3429000"/>
+              <a:ext cx="2160240" cy="2160240"/>
+            </a:xfrm>
+            <a:prstGeom prst="chord">
+              <a:avLst>
+                <a:gd name="adj1" fmla="val 5362734"/>
+                <a:gd name="adj2" fmla="val 16200000"/>
+              </a:avLst>
+            </a:prstGeom>
+            <a:grpFill/>
+            <a:ln>
+              <a:noFill/>
+            </a:ln>
+          </p:spPr>
+          <p:txBody>
+            <a:bodyPr wrap="square" rtlCol="0" anchor="ctr">
+              <a:spAutoFit/>
+            </a:bodyPr>
+            <a:lstStyle/>
+            <a:p>
+              <a:pPr algn="ctr"/>
+              <a:endParaRPr kumimoji="1" lang="ja-JP" altLang="en-US" sz="2400" dirty="0"/>
+            </a:p>
+          </p:txBody>
+        </p:sp>
+        <p:sp>
+          <p:nvSpPr>
+            <p:cNvPr id="34" name="正方形/長方形 33">
+              <a:extLst>
+                <a:ext uri="{FF2B5EF4-FFF2-40B4-BE49-F238E27FC236}">
+                  <a16:creationId xmlns:a16="http://schemas.microsoft.com/office/drawing/2014/main" id="{633B8452-B24F-6D57-9848-6F6AA1A01678}"/>
+                </a:ext>
+              </a:extLst>
+            </p:cNvPr>
+            <p:cNvSpPr/>
+            <p:nvPr/>
+          </p:nvSpPr>
+          <p:spPr>
+            <a:xfrm>
+              <a:off x="6228184" y="4149080"/>
+              <a:ext cx="360040" cy="720080"/>
+            </a:xfrm>
+            <a:prstGeom prst="rect">
+              <a:avLst/>
+            </a:prstGeom>
+            <a:solidFill>
+              <a:schemeClr val="bg1"/>
+            </a:solidFill>
+            <a:ln>
+              <a:noFill/>
+            </a:ln>
+          </p:spPr>
+          <p:txBody>
+            <a:bodyPr wrap="square" rtlCol="0" anchor="ctr">
+              <a:spAutoFit/>
+            </a:bodyPr>
+            <a:lstStyle/>
+            <a:p>
+              <a:pPr algn="ctr"/>
+              <a:endParaRPr kumimoji="1" lang="ja-JP" altLang="en-US" sz="2400" dirty="0"/>
+            </a:p>
+          </p:txBody>
+        </p:sp>
+      </p:grpSp>
+      <p:grpSp>
+        <p:nvGrpSpPr>
+          <p:cNvPr id="35" name="グループ化 34">
+            <a:extLst>
+              <a:ext uri="{FF2B5EF4-FFF2-40B4-BE49-F238E27FC236}">
+                <a16:creationId xmlns:a16="http://schemas.microsoft.com/office/drawing/2014/main" id="{660B627C-FB17-2FB1-7238-847F2A272739}"/>
+              </a:ext>
+            </a:extLst>
+          </p:cNvPr>
+          <p:cNvGrpSpPr/>
+          <p:nvPr/>
+        </p:nvGrpSpPr>
+        <p:grpSpPr>
+          <a:xfrm>
+            <a:off x="5724128" y="1988840"/>
+            <a:ext cx="1152128" cy="1152128"/>
+            <a:chOff x="251520" y="4509120"/>
+            <a:chExt cx="2160240" cy="2160240"/>
+          </a:xfrm>
+        </p:grpSpPr>
+        <p:sp>
+          <p:nvSpPr>
+            <p:cNvPr id="36" name="弦 35">
+              <a:extLst>
+                <a:ext uri="{FF2B5EF4-FFF2-40B4-BE49-F238E27FC236}">
+                  <a16:creationId xmlns:a16="http://schemas.microsoft.com/office/drawing/2014/main" id="{30C9D20D-865A-56DB-AEE0-FD54C16ADAC5}"/>
+                </a:ext>
+              </a:extLst>
+            </p:cNvPr>
+            <p:cNvSpPr/>
+            <p:nvPr/>
+          </p:nvSpPr>
+          <p:spPr>
+            <a:xfrm>
+              <a:off x="251520" y="4509120"/>
+              <a:ext cx="2160240" cy="2160240"/>
+            </a:xfrm>
+            <a:prstGeom prst="chord">
+              <a:avLst>
+                <a:gd name="adj1" fmla="val 5362734"/>
+                <a:gd name="adj2" fmla="val 16200000"/>
+              </a:avLst>
+            </a:prstGeom>
+            <a:solidFill>
+              <a:schemeClr val="accent6">
+                <a:lumMod val="40000"/>
+                <a:lumOff val="60000"/>
+              </a:schemeClr>
+            </a:solidFill>
+            <a:ln>
+              <a:noFill/>
+            </a:ln>
+          </p:spPr>
+          <p:txBody>
+            <a:bodyPr wrap="square" rtlCol="0" anchor="ctr">
+              <a:spAutoFit/>
+            </a:bodyPr>
+            <a:lstStyle/>
+            <a:p>
+              <a:pPr algn="ctr"/>
+              <a:endParaRPr kumimoji="1" lang="ja-JP" altLang="en-US" sz="2400" dirty="0"/>
+            </a:p>
+          </p:txBody>
+        </p:sp>
+        <p:sp>
+          <p:nvSpPr>
+            <p:cNvPr id="37" name="二等辺三角形 36">
+              <a:extLst>
+                <a:ext uri="{FF2B5EF4-FFF2-40B4-BE49-F238E27FC236}">
+                  <a16:creationId xmlns:a16="http://schemas.microsoft.com/office/drawing/2014/main" id="{1303CDE3-0CE9-5257-78A4-7DC7FD245F1E}"/>
+                </a:ext>
+              </a:extLst>
+            </p:cNvPr>
+            <p:cNvSpPr/>
+            <p:nvPr/>
+          </p:nvSpPr>
+          <p:spPr>
+            <a:xfrm rot="5400000">
+              <a:off x="935596" y="5337212"/>
+              <a:ext cx="1152128" cy="504056"/>
+            </a:xfrm>
+            <a:prstGeom prst="triangle">
+              <a:avLst/>
+            </a:prstGeom>
+            <a:solidFill>
+              <a:schemeClr val="accent6">
+                <a:lumMod val="40000"/>
+                <a:lumOff val="60000"/>
+              </a:schemeClr>
+            </a:solidFill>
+            <a:ln>
+              <a:noFill/>
+            </a:ln>
+          </p:spPr>
+          <p:txBody>
+            <a:bodyPr wrap="square" rtlCol="0" anchor="ctr">
+              <a:spAutoFit/>
+            </a:bodyPr>
+            <a:lstStyle/>
+            <a:p>
+              <a:pPr algn="ctr"/>
+              <a:endParaRPr kumimoji="1" lang="ja-JP" altLang="en-US" sz="2400" dirty="0"/>
+            </a:p>
+          </p:txBody>
+        </p:sp>
+      </p:grpSp>
+      <p:grpSp>
+        <p:nvGrpSpPr>
+          <p:cNvPr id="38" name="グループ化 37">
+            <a:extLst>
+              <a:ext uri="{FF2B5EF4-FFF2-40B4-BE49-F238E27FC236}">
+                <a16:creationId xmlns:a16="http://schemas.microsoft.com/office/drawing/2014/main" id="{37630A52-680D-CA1C-4C15-5794BFA55932}"/>
+              </a:ext>
+            </a:extLst>
+          </p:cNvPr>
+          <p:cNvGrpSpPr/>
+          <p:nvPr/>
+        </p:nvGrpSpPr>
+        <p:grpSpPr>
+          <a:xfrm>
+            <a:off x="6444208" y="1988840"/>
+            <a:ext cx="1152128" cy="1152128"/>
+            <a:chOff x="1979711" y="4423724"/>
+            <a:chExt cx="2160240" cy="2160240"/>
+          </a:xfrm>
+          <a:solidFill>
+            <a:schemeClr val="accent6">
+              <a:lumMod val="40000"/>
+              <a:lumOff val="60000"/>
+            </a:schemeClr>
+          </a:solidFill>
+        </p:grpSpPr>
+        <p:sp>
+          <p:nvSpPr>
+            <p:cNvPr id="39" name="弦 38">
+              <a:extLst>
+                <a:ext uri="{FF2B5EF4-FFF2-40B4-BE49-F238E27FC236}">
+                  <a16:creationId xmlns:a16="http://schemas.microsoft.com/office/drawing/2014/main" id="{8B053478-2DA8-923F-DD3A-BDAD18975B2F}"/>
+                </a:ext>
+              </a:extLst>
+            </p:cNvPr>
+            <p:cNvSpPr/>
+            <p:nvPr/>
+          </p:nvSpPr>
+          <p:spPr>
+            <a:xfrm rot="10800000">
+              <a:off x="1979711" y="4423724"/>
+              <a:ext cx="2160240" cy="2160240"/>
+            </a:xfrm>
+            <a:prstGeom prst="chord">
+              <a:avLst>
+                <a:gd name="adj1" fmla="val 5362734"/>
+                <a:gd name="adj2" fmla="val 16200000"/>
+              </a:avLst>
+            </a:prstGeom>
+            <a:grpFill/>
+            <a:ln>
+              <a:noFill/>
+            </a:ln>
+          </p:spPr>
+          <p:txBody>
+            <a:bodyPr wrap="square" rtlCol="0" anchor="ctr">
+              <a:spAutoFit/>
+            </a:bodyPr>
+            <a:lstStyle/>
+            <a:p>
+              <a:pPr algn="ctr"/>
+              <a:endParaRPr kumimoji="1" lang="ja-JP" altLang="en-US" sz="2400" dirty="0"/>
+            </a:p>
+          </p:txBody>
+        </p:sp>
+        <p:sp>
+          <p:nvSpPr>
+            <p:cNvPr id="40" name="二等辺三角形 39">
+              <a:extLst>
+                <a:ext uri="{FF2B5EF4-FFF2-40B4-BE49-F238E27FC236}">
+                  <a16:creationId xmlns:a16="http://schemas.microsoft.com/office/drawing/2014/main" id="{759F8765-6CA0-DB47-96A4-DE93C37F4159}"/>
+                </a:ext>
+              </a:extLst>
+            </p:cNvPr>
+            <p:cNvSpPr/>
+            <p:nvPr/>
+          </p:nvSpPr>
+          <p:spPr>
+            <a:xfrm rot="5400000">
+              <a:off x="2627784" y="5150498"/>
+              <a:ext cx="1224136" cy="648072"/>
+            </a:xfrm>
+            <a:prstGeom prst="triangle">
+              <a:avLst/>
+            </a:prstGeom>
+            <a:solidFill>
+              <a:schemeClr val="bg1"/>
+            </a:solidFill>
+            <a:ln>
+              <a:noFill/>
+            </a:ln>
+          </p:spPr>
+          <p:txBody>
+            <a:bodyPr wrap="square" rtlCol="0" anchor="ctr">
+              <a:spAutoFit/>
+            </a:bodyPr>
+            <a:lstStyle/>
+            <a:p>
+              <a:pPr algn="ctr"/>
+              <a:endParaRPr kumimoji="1" lang="ja-JP" altLang="en-US" sz="2400" dirty="0"/>
+            </a:p>
+          </p:txBody>
+        </p:sp>
+      </p:grpSp>
+      <mc:AlternateContent xmlns:mc="http://schemas.openxmlformats.org/markup-compatibility/2006">
+        <mc:Choice xmlns:a14="http://schemas.microsoft.com/office/drawing/2010/main" Requires="a14">
+          <p:sp>
+            <p:nvSpPr>
+              <p:cNvPr id="41" name="テキスト ボックス 40">
+                <a:extLst>
+                  <a:ext uri="{FF2B5EF4-FFF2-40B4-BE49-F238E27FC236}">
+                    <a16:creationId xmlns:a16="http://schemas.microsoft.com/office/drawing/2014/main" id="{B5DA4F6D-2B4D-6442-0760-FA3AAB747BC3}"/>
+                  </a:ext>
+                </a:extLst>
+              </p:cNvPr>
+              <p:cNvSpPr txBox="1"/>
+              <p:nvPr/>
+            </p:nvSpPr>
+            <p:spPr>
+              <a:xfrm>
+                <a:off x="6444208" y="3789040"/>
+                <a:ext cx="478080" cy="615553"/>
+              </a:xfrm>
+              <a:prstGeom prst="rect">
+                <a:avLst/>
+              </a:prstGeom>
+              <a:noFill/>
+            </p:spPr>
+            <p:txBody>
+              <a:bodyPr wrap="none" lIns="0" tIns="0" rIns="0" bIns="0" rtlCol="0">
+                <a:spAutoFit/>
+              </a:bodyPr>
+              <a:lstStyle/>
+              <a:p>
+                <a14:m>
+                  <m:oMathPara xmlns:m="http://schemas.openxmlformats.org/officeDocument/2006/math">
+                    <m:oMathParaPr>
+                      <m:jc m:val="centerGroup"/>
+                    </m:oMathParaPr>
+                    <m:oMath xmlns:m="http://schemas.openxmlformats.org/officeDocument/2006/math">
+                      <m:r>
+                        <a:rPr kumimoji="1" lang="en-US" altLang="ja-JP" sz="4000" b="0" i="1" smtClean="0">
+                          <a:latin typeface="Cambria Math" panose="02040503050406030204" pitchFamily="18" charset="0"/>
+                        </a:rPr>
+                        <m:t>𝑈</m:t>
+                      </m:r>
+                    </m:oMath>
+                  </m:oMathPara>
+                </a14:m>
+                <a:endParaRPr kumimoji="1" lang="ja-JP" altLang="en-US" sz="4000" dirty="0"/>
+              </a:p>
+            </p:txBody>
+          </p:sp>
+        </mc:Choice>
+        <mc:Fallback>
+          <p:sp>
+            <p:nvSpPr>
+              <p:cNvPr id="41" name="テキスト ボックス 40">
+                <a:extLst>
+                  <a:ext uri="{FF2B5EF4-FFF2-40B4-BE49-F238E27FC236}">
+                    <a16:creationId xmlns:a16="http://schemas.microsoft.com/office/drawing/2014/main" id="{B5DA4F6D-2B4D-6442-0760-FA3AAB747BC3}"/>
+                  </a:ext>
+                </a:extLst>
+              </p:cNvPr>
+              <p:cNvSpPr txBox="1">
+                <a:spLocks noRot="1" noChangeAspect="1" noMove="1" noResize="1" noEditPoints="1" noAdjustHandles="1" noChangeArrowheads="1" noChangeShapeType="1" noTextEdit="1"/>
+              </p:cNvSpPr>
+              <p:nvPr/>
+            </p:nvSpPr>
+            <p:spPr>
+              <a:xfrm>
+                <a:off x="6444208" y="3789040"/>
+                <a:ext cx="478080" cy="615553"/>
+              </a:xfrm>
+              <a:prstGeom prst="rect">
+                <a:avLst/>
+              </a:prstGeom>
+              <a:blipFill>
+                <a:blip r:embed="rId8"/>
+                <a:stretch>
+                  <a:fillRect/>
+                </a:stretch>
+              </a:blipFill>
+            </p:spPr>
+            <p:txBody>
+              <a:bodyPr/>
+              <a:lstStyle/>
+              <a:p>
+                <a:r>
+                  <a:rPr lang="ja-JP" altLang="en-US">
+                    <a:noFill/>
+                  </a:rPr>
+                  <a:t> </a:t>
+                </a:r>
+              </a:p>
+            </p:txBody>
+          </p:sp>
+        </mc:Fallback>
+      </mc:AlternateContent>
+      <mc:AlternateContent xmlns:mc="http://schemas.openxmlformats.org/markup-compatibility/2006">
+        <mc:Choice xmlns:a14="http://schemas.microsoft.com/office/drawing/2010/main" Requires="a14">
+          <p:sp>
+            <p:nvSpPr>
+              <p:cNvPr id="42" name="テキスト ボックス 41">
+                <a:extLst>
+                  <a:ext uri="{FF2B5EF4-FFF2-40B4-BE49-F238E27FC236}">
+                    <a16:creationId xmlns:a16="http://schemas.microsoft.com/office/drawing/2014/main" id="{A7DB7F2C-F81C-D0A2-5838-3053B724EF24}"/>
+                  </a:ext>
+                </a:extLst>
+              </p:cNvPr>
+              <p:cNvSpPr txBox="1"/>
+              <p:nvPr/>
+            </p:nvSpPr>
+            <p:spPr>
+              <a:xfrm>
+                <a:off x="5868144" y="2204864"/>
+                <a:ext cx="431272" cy="615553"/>
+              </a:xfrm>
+              <a:prstGeom prst="rect">
+                <a:avLst/>
+              </a:prstGeom>
+              <a:noFill/>
+            </p:spPr>
+            <p:txBody>
+              <a:bodyPr wrap="none" lIns="0" tIns="0" rIns="0" bIns="0" rtlCol="0">
+                <a:spAutoFit/>
+              </a:bodyPr>
+              <a:lstStyle/>
+              <a:p>
+                <a14:m>
+                  <m:oMathPara xmlns:m="http://schemas.openxmlformats.org/officeDocument/2006/math">
+                    <m:oMathParaPr>
+                      <m:jc m:val="centerGroup"/>
+                    </m:oMathParaPr>
+                    <m:oMath xmlns:m="http://schemas.openxmlformats.org/officeDocument/2006/math">
+                      <m:r>
+                        <a:rPr kumimoji="1" lang="en-US" altLang="ja-JP" sz="4000" b="0" i="1" smtClean="0">
+                          <a:latin typeface="Cambria Math" panose="02040503050406030204" pitchFamily="18" charset="0"/>
+                        </a:rPr>
+                        <m:t>𝑇</m:t>
+                      </m:r>
+                    </m:oMath>
+                  </m:oMathPara>
+                </a14:m>
+                <a:endParaRPr kumimoji="1" lang="ja-JP" altLang="en-US" sz="4000" dirty="0"/>
+              </a:p>
+            </p:txBody>
+          </p:sp>
+        </mc:Choice>
+        <mc:Fallback>
+          <p:sp>
+            <p:nvSpPr>
+              <p:cNvPr id="42" name="テキスト ボックス 41">
+                <a:extLst>
+                  <a:ext uri="{FF2B5EF4-FFF2-40B4-BE49-F238E27FC236}">
+                    <a16:creationId xmlns:a16="http://schemas.microsoft.com/office/drawing/2014/main" id="{A7DB7F2C-F81C-D0A2-5838-3053B724EF24}"/>
+                  </a:ext>
+                </a:extLst>
+              </p:cNvPr>
+              <p:cNvSpPr txBox="1">
+                <a:spLocks noRot="1" noChangeAspect="1" noMove="1" noResize="1" noEditPoints="1" noAdjustHandles="1" noChangeArrowheads="1" noChangeShapeType="1" noTextEdit="1"/>
+              </p:cNvSpPr>
+              <p:nvPr/>
+            </p:nvSpPr>
+            <p:spPr>
+              <a:xfrm>
+                <a:off x="5868144" y="2204864"/>
+                <a:ext cx="431272" cy="615553"/>
+              </a:xfrm>
+              <a:prstGeom prst="rect">
+                <a:avLst/>
+              </a:prstGeom>
+              <a:blipFill>
+                <a:blip r:embed="rId9"/>
+                <a:stretch>
+                  <a:fillRect/>
+                </a:stretch>
+              </a:blipFill>
+            </p:spPr>
+            <p:txBody>
+              <a:bodyPr/>
+              <a:lstStyle/>
+              <a:p>
+                <a:r>
+                  <a:rPr lang="ja-JP" altLang="en-US">
+                    <a:noFill/>
+                  </a:rPr>
+                  <a:t> </a:t>
+                </a:r>
+              </a:p>
+            </p:txBody>
+          </p:sp>
+        </mc:Fallback>
+      </mc:AlternateContent>
+      <mc:AlternateContent xmlns:mc="http://schemas.openxmlformats.org/markup-compatibility/2006">
+        <mc:Choice xmlns:a14="http://schemas.microsoft.com/office/drawing/2010/main" Requires="a14">
+          <p:sp>
+            <p:nvSpPr>
+              <p:cNvPr id="43" name="テキスト ボックス 42">
+                <a:extLst>
+                  <a:ext uri="{FF2B5EF4-FFF2-40B4-BE49-F238E27FC236}">
+                    <a16:creationId xmlns:a16="http://schemas.microsoft.com/office/drawing/2014/main" id="{6F8A7800-307D-E918-CDC1-949796E22E05}"/>
+                  </a:ext>
+                </a:extLst>
+              </p:cNvPr>
+              <p:cNvSpPr txBox="1"/>
+              <p:nvPr/>
+            </p:nvSpPr>
+            <p:spPr>
+              <a:xfrm>
+                <a:off x="7092280" y="2204864"/>
+                <a:ext cx="406650" cy="615553"/>
+              </a:xfrm>
+              <a:prstGeom prst="rect">
+                <a:avLst/>
+              </a:prstGeom>
+              <a:noFill/>
+            </p:spPr>
+            <p:txBody>
+              <a:bodyPr wrap="none" lIns="0" tIns="0" rIns="0" bIns="0" rtlCol="0">
+                <a:spAutoFit/>
+              </a:bodyPr>
+              <a:lstStyle/>
+              <a:p>
+                <a14:m>
+                  <m:oMathPara xmlns:m="http://schemas.openxmlformats.org/officeDocument/2006/math">
+                    <m:oMathParaPr>
+                      <m:jc m:val="centerGroup"/>
+                    </m:oMathParaPr>
+                    <m:oMath xmlns:m="http://schemas.openxmlformats.org/officeDocument/2006/math">
+                      <m:r>
+                        <a:rPr kumimoji="1" lang="en-US" altLang="ja-JP" sz="4000" b="0" i="1" smtClean="0">
+                          <a:latin typeface="Cambria Math" panose="02040503050406030204" pitchFamily="18" charset="0"/>
+                        </a:rPr>
+                        <m:t>𝑆</m:t>
+                      </m:r>
+                    </m:oMath>
+                  </m:oMathPara>
+                </a14:m>
+                <a:endParaRPr kumimoji="1" lang="ja-JP" altLang="en-US" sz="4000" dirty="0"/>
+              </a:p>
+            </p:txBody>
+          </p:sp>
+        </mc:Choice>
+        <mc:Fallback>
+          <p:sp>
+            <p:nvSpPr>
+              <p:cNvPr id="43" name="テキスト ボックス 42">
+                <a:extLst>
+                  <a:ext uri="{FF2B5EF4-FFF2-40B4-BE49-F238E27FC236}">
+                    <a16:creationId xmlns:a16="http://schemas.microsoft.com/office/drawing/2014/main" id="{6F8A7800-307D-E918-CDC1-949796E22E05}"/>
+                  </a:ext>
+                </a:extLst>
+              </p:cNvPr>
+              <p:cNvSpPr txBox="1">
+                <a:spLocks noRot="1" noChangeAspect="1" noMove="1" noResize="1" noEditPoints="1" noAdjustHandles="1" noChangeArrowheads="1" noChangeShapeType="1" noTextEdit="1"/>
+              </p:cNvSpPr>
+              <p:nvPr/>
+            </p:nvSpPr>
+            <p:spPr>
+              <a:xfrm>
+                <a:off x="7092280" y="2204864"/>
+                <a:ext cx="406650" cy="615553"/>
+              </a:xfrm>
+              <a:prstGeom prst="rect">
+                <a:avLst/>
+              </a:prstGeom>
+              <a:blipFill>
+                <a:blip r:embed="rId10"/>
+                <a:stretch>
+                  <a:fillRect/>
+                </a:stretch>
+              </a:blipFill>
+            </p:spPr>
+            <p:txBody>
+              <a:bodyPr/>
+              <a:lstStyle/>
+              <a:p>
+                <a:r>
+                  <a:rPr lang="ja-JP" altLang="en-US">
+                    <a:noFill/>
+                  </a:rPr>
+                  <a:t> </a:t>
+                </a:r>
+              </a:p>
+            </p:txBody>
+          </p:sp>
+        </mc:Fallback>
+      </mc:AlternateContent>
+      <mc:AlternateContent xmlns:mc="http://schemas.openxmlformats.org/markup-compatibility/2006">
+        <mc:Choice xmlns:a14="http://schemas.microsoft.com/office/drawing/2010/main" Requires="a14">
+          <p:sp>
+            <p:nvSpPr>
+              <p:cNvPr id="44" name="テキスト ボックス 43">
+                <a:extLst>
+                  <a:ext uri="{FF2B5EF4-FFF2-40B4-BE49-F238E27FC236}">
+                    <a16:creationId xmlns:a16="http://schemas.microsoft.com/office/drawing/2014/main" id="{27F25C51-EB04-D2B4-0BEA-7D4A97A20EC8}"/>
+                  </a:ext>
+                </a:extLst>
+              </p:cNvPr>
+              <p:cNvSpPr txBox="1"/>
+              <p:nvPr/>
+            </p:nvSpPr>
+            <p:spPr>
+              <a:xfrm>
+                <a:off x="5898285" y="5517232"/>
+                <a:ext cx="445315" cy="615553"/>
+              </a:xfrm>
+              <a:prstGeom prst="rect">
+                <a:avLst/>
+              </a:prstGeom>
+              <a:noFill/>
+            </p:spPr>
+            <p:txBody>
+              <a:bodyPr wrap="none" lIns="0" tIns="0" rIns="0" bIns="0" rtlCol="0">
+                <a:spAutoFit/>
+              </a:bodyPr>
+              <a:lstStyle/>
+              <a:p>
+                <a14:m>
+                  <m:oMathPara xmlns:m="http://schemas.openxmlformats.org/officeDocument/2006/math">
+                    <m:oMathParaPr>
+                      <m:jc m:val="centerGroup"/>
+                    </m:oMathParaPr>
+                    <m:oMath xmlns:m="http://schemas.openxmlformats.org/officeDocument/2006/math">
+                      <m:r>
+                        <a:rPr kumimoji="1" lang="en-US" altLang="ja-JP" sz="4000" b="0" i="1" smtClean="0">
+                          <a:latin typeface="Cambria Math" panose="02040503050406030204" pitchFamily="18" charset="0"/>
+                        </a:rPr>
+                        <m:t>𝑃</m:t>
+                      </m:r>
+                    </m:oMath>
+                  </m:oMathPara>
+                </a14:m>
+                <a:endParaRPr kumimoji="1" lang="ja-JP" altLang="en-US" sz="4000" dirty="0"/>
+              </a:p>
+            </p:txBody>
+          </p:sp>
+        </mc:Choice>
+        <mc:Fallback>
+          <p:sp>
+            <p:nvSpPr>
+              <p:cNvPr id="44" name="テキスト ボックス 43">
+                <a:extLst>
+                  <a:ext uri="{FF2B5EF4-FFF2-40B4-BE49-F238E27FC236}">
+                    <a16:creationId xmlns:a16="http://schemas.microsoft.com/office/drawing/2014/main" id="{27F25C51-EB04-D2B4-0BEA-7D4A97A20EC8}"/>
+                  </a:ext>
+                </a:extLst>
+              </p:cNvPr>
+              <p:cNvSpPr txBox="1">
+                <a:spLocks noRot="1" noChangeAspect="1" noMove="1" noResize="1" noEditPoints="1" noAdjustHandles="1" noChangeArrowheads="1" noChangeShapeType="1" noTextEdit="1"/>
+              </p:cNvSpPr>
+              <p:nvPr/>
+            </p:nvSpPr>
+            <p:spPr>
+              <a:xfrm>
+                <a:off x="5898285" y="5517232"/>
+                <a:ext cx="445315" cy="615553"/>
+              </a:xfrm>
+              <a:prstGeom prst="rect">
+                <a:avLst/>
+              </a:prstGeom>
+              <a:blipFill>
+                <a:blip r:embed="rId11"/>
+                <a:stretch>
+                  <a:fillRect/>
+                </a:stretch>
+              </a:blipFill>
+            </p:spPr>
+            <p:txBody>
+              <a:bodyPr/>
+              <a:lstStyle/>
+              <a:p>
+                <a:r>
+                  <a:rPr lang="ja-JP" altLang="en-US">
+                    <a:noFill/>
+                  </a:rPr>
+                  <a:t> </a:t>
+                </a:r>
+              </a:p>
+            </p:txBody>
+          </p:sp>
+        </mc:Fallback>
+      </mc:AlternateContent>
+      <mc:AlternateContent xmlns:mc="http://schemas.openxmlformats.org/markup-compatibility/2006">
+        <mc:Choice xmlns:a14="http://schemas.microsoft.com/office/drawing/2010/main" Requires="a14">
+          <p:sp>
+            <p:nvSpPr>
+              <p:cNvPr id="45" name="テキスト ボックス 44">
+                <a:extLst>
+                  <a:ext uri="{FF2B5EF4-FFF2-40B4-BE49-F238E27FC236}">
+                    <a16:creationId xmlns:a16="http://schemas.microsoft.com/office/drawing/2014/main" id="{461A98E2-58CF-2BBA-9D01-BFDB9AC0C422}"/>
+                  </a:ext>
+                </a:extLst>
+              </p:cNvPr>
+              <p:cNvSpPr txBox="1"/>
+              <p:nvPr/>
+            </p:nvSpPr>
+            <p:spPr>
+              <a:xfrm>
+                <a:off x="7068242" y="5517232"/>
+                <a:ext cx="456086" cy="615553"/>
+              </a:xfrm>
+              <a:prstGeom prst="rect">
+                <a:avLst/>
+              </a:prstGeom>
+              <a:noFill/>
+            </p:spPr>
+            <p:txBody>
+              <a:bodyPr wrap="none" lIns="0" tIns="0" rIns="0" bIns="0" rtlCol="0">
+                <a:spAutoFit/>
+              </a:bodyPr>
+              <a:lstStyle/>
+              <a:p>
+                <a14:m>
+                  <m:oMathPara xmlns:m="http://schemas.openxmlformats.org/officeDocument/2006/math">
+                    <m:oMathParaPr>
+                      <m:jc m:val="centerGroup"/>
+                    </m:oMathParaPr>
+                    <m:oMath xmlns:m="http://schemas.openxmlformats.org/officeDocument/2006/math">
+                      <m:r>
+                        <a:rPr kumimoji="1" lang="en-US" altLang="ja-JP" sz="4000" b="0" i="1" smtClean="0">
+                          <a:latin typeface="Cambria Math" panose="02040503050406030204" pitchFamily="18" charset="0"/>
+                        </a:rPr>
+                        <m:t>𝑉</m:t>
+                      </m:r>
+                    </m:oMath>
+                  </m:oMathPara>
+                </a14:m>
+                <a:endParaRPr kumimoji="1" lang="ja-JP" altLang="en-US" sz="4000" dirty="0"/>
+              </a:p>
+            </p:txBody>
+          </p:sp>
+        </mc:Choice>
+        <mc:Fallback>
+          <p:sp>
+            <p:nvSpPr>
+              <p:cNvPr id="45" name="テキスト ボックス 44">
+                <a:extLst>
+                  <a:ext uri="{FF2B5EF4-FFF2-40B4-BE49-F238E27FC236}">
+                    <a16:creationId xmlns:a16="http://schemas.microsoft.com/office/drawing/2014/main" id="{461A98E2-58CF-2BBA-9D01-BFDB9AC0C422}"/>
+                  </a:ext>
+                </a:extLst>
+              </p:cNvPr>
+              <p:cNvSpPr txBox="1">
+                <a:spLocks noRot="1" noChangeAspect="1" noMove="1" noResize="1" noEditPoints="1" noAdjustHandles="1" noChangeArrowheads="1" noChangeShapeType="1" noTextEdit="1"/>
+              </p:cNvSpPr>
+              <p:nvPr/>
+            </p:nvSpPr>
+            <p:spPr>
+              <a:xfrm>
+                <a:off x="7068242" y="5517232"/>
+                <a:ext cx="456086" cy="615553"/>
+              </a:xfrm>
+              <a:prstGeom prst="rect">
+                <a:avLst/>
+              </a:prstGeom>
+              <a:blipFill>
+                <a:blip r:embed="rId12"/>
+                <a:stretch>
+                  <a:fillRect/>
+                </a:stretch>
+              </a:blipFill>
+            </p:spPr>
+            <p:txBody>
+              <a:bodyPr/>
+              <a:lstStyle/>
+              <a:p>
+                <a:r>
+                  <a:rPr lang="ja-JP" altLang="en-US">
+                    <a:noFill/>
+                  </a:rPr>
+                  <a:t> </a:t>
+                </a:r>
+              </a:p>
+            </p:txBody>
+          </p:sp>
+        </mc:Fallback>
+      </mc:AlternateContent>
+      <p:sp>
+        <p:nvSpPr>
+          <p:cNvPr id="46" name="矢印: 上 45">
+            <a:extLst>
+              <a:ext uri="{FF2B5EF4-FFF2-40B4-BE49-F238E27FC236}">
+                <a16:creationId xmlns:a16="http://schemas.microsoft.com/office/drawing/2014/main" id="{CC483214-4AE4-68E8-8C44-45EBA30A9242}"/>
+              </a:ext>
+            </a:extLst>
+          </p:cNvPr>
+          <p:cNvSpPr/>
+          <p:nvPr/>
+        </p:nvSpPr>
+        <p:spPr>
+          <a:xfrm rot="10800000">
+            <a:off x="6444208" y="4797152"/>
+            <a:ext cx="432048" cy="402344"/>
+          </a:xfrm>
+          <a:prstGeom prst="upArrow">
+            <a:avLst/>
+          </a:prstGeom>
+          <a:solidFill>
+            <a:srgbClr val="FF0000"/>
+          </a:solidFill>
+          <a:ln>
+            <a:solidFill>
+              <a:schemeClr val="tx1"/>
+            </a:solidFill>
+          </a:ln>
+        </p:spPr>
+        <p:txBody>
+          <a:bodyPr wrap="square" rtlCol="0" anchor="ctr">
+            <a:spAutoFit/>
+          </a:bodyPr>
+          <a:lstStyle/>
+          <a:p>
+            <a:pPr algn="ctr"/>
+            <a:endParaRPr kumimoji="1" lang="ja-JP" altLang="en-US" sz="2400" dirty="0"/>
+          </a:p>
+        </p:txBody>
+      </p:sp>
+      <p:sp>
+        <p:nvSpPr>
+          <p:cNvPr id="47" name="矢印: 上 46">
+            <a:extLst>
+              <a:ext uri="{FF2B5EF4-FFF2-40B4-BE49-F238E27FC236}">
+                <a16:creationId xmlns:a16="http://schemas.microsoft.com/office/drawing/2014/main" id="{638FF111-86E7-850F-B987-9EE43DC3FAFD}"/>
+              </a:ext>
+            </a:extLst>
+          </p:cNvPr>
+          <p:cNvSpPr/>
+          <p:nvPr/>
+        </p:nvSpPr>
+        <p:spPr>
+          <a:xfrm>
+            <a:off x="6444208" y="2996952"/>
+            <a:ext cx="432048" cy="402344"/>
+          </a:xfrm>
+          <a:prstGeom prst="upArrow">
+            <a:avLst/>
+          </a:prstGeom>
+          <a:solidFill>
+            <a:srgbClr val="FF0000"/>
+          </a:solidFill>
+          <a:ln>
+            <a:solidFill>
+              <a:schemeClr val="tx1"/>
+            </a:solidFill>
+          </a:ln>
+        </p:spPr>
+        <p:txBody>
+          <a:bodyPr wrap="square" rtlCol="0" anchor="ctr">
+            <a:spAutoFit/>
+          </a:bodyPr>
+          <a:lstStyle/>
+          <a:p>
+            <a:pPr algn="ctr"/>
+            <a:endParaRPr kumimoji="1" lang="ja-JP" altLang="en-US" sz="2400" dirty="0"/>
+          </a:p>
+        </p:txBody>
+      </p:sp>
+      <p:sp>
+        <p:nvSpPr>
+          <p:cNvPr id="48" name="テキスト ボックス 47">
+            <a:extLst>
+              <a:ext uri="{FF2B5EF4-FFF2-40B4-BE49-F238E27FC236}">
+                <a16:creationId xmlns:a16="http://schemas.microsoft.com/office/drawing/2014/main" id="{C8EA4270-7A32-CEDC-C1F3-725B8F8D351D}"/>
+              </a:ext>
+            </a:extLst>
+          </p:cNvPr>
+          <p:cNvSpPr txBox="1"/>
+          <p:nvPr/>
+        </p:nvSpPr>
+        <p:spPr>
+          <a:xfrm>
+            <a:off x="334414" y="4005064"/>
+            <a:ext cx="1415772" cy="461665"/>
+          </a:xfrm>
+          <a:prstGeom prst="rect">
+            <a:avLst/>
+          </a:prstGeom>
+          <a:noFill/>
+        </p:spPr>
+        <p:txBody>
+          <a:bodyPr wrap="none" rtlCol="0">
+            <a:spAutoFit/>
+          </a:bodyPr>
+          <a:lstStyle/>
+          <a:p>
+            <a:r>
+              <a:rPr kumimoji="1" lang="ja-JP" altLang="en-US" sz="2400"/>
+              <a:t>量子力学</a:t>
+            </a:r>
+            <a:endParaRPr kumimoji="1" lang="ja-JP" altLang="en-US" sz="2400" dirty="0"/>
+          </a:p>
+        </p:txBody>
+      </p:sp>
+      <p:sp>
+        <p:nvSpPr>
+          <p:cNvPr id="49" name="テキスト ボックス 48">
+            <a:extLst>
+              <a:ext uri="{FF2B5EF4-FFF2-40B4-BE49-F238E27FC236}">
+                <a16:creationId xmlns:a16="http://schemas.microsoft.com/office/drawing/2014/main" id="{A10EC572-D3A4-3B3B-2C62-67DFA0CC5FC3}"/>
+              </a:ext>
+            </a:extLst>
+          </p:cNvPr>
+          <p:cNvSpPr txBox="1"/>
+          <p:nvPr/>
+        </p:nvSpPr>
+        <p:spPr>
+          <a:xfrm>
+            <a:off x="7524328" y="3789040"/>
+            <a:ext cx="1107996" cy="461665"/>
+          </a:xfrm>
+          <a:prstGeom prst="rect">
+            <a:avLst/>
+          </a:prstGeom>
+          <a:noFill/>
+        </p:spPr>
+        <p:txBody>
+          <a:bodyPr wrap="none" rtlCol="0">
+            <a:spAutoFit/>
+          </a:bodyPr>
+          <a:lstStyle/>
+          <a:p>
+            <a:r>
+              <a:rPr lang="ja-JP" altLang="en-US" sz="2400"/>
+              <a:t>熱</a:t>
+            </a:r>
+            <a:r>
+              <a:rPr kumimoji="1" lang="ja-JP" altLang="en-US" sz="2400"/>
+              <a:t>力学</a:t>
+            </a:r>
+            <a:endParaRPr kumimoji="1" lang="ja-JP" altLang="en-US" sz="2400" dirty="0"/>
+          </a:p>
+        </p:txBody>
+      </p:sp>
+    </p:spTree>
+    <p:extLst>
+      <p:ext uri="{BB962C8B-B14F-4D97-AF65-F5344CB8AC3E}">
+        <p14:creationId xmlns:p14="http://schemas.microsoft.com/office/powerpoint/2010/main" val="4292411866"/>
+      </p:ext>
+    </p:extLst>
+  </p:cSld>
+  <p:clrMapOvr>
+    <a:masterClrMapping/>
+  </p:clrMapOvr>
+</p:sld>
+</file>
+
+<file path=ppt/slides/slide3.xml><?xml version="1.0" encoding="utf-8"?>
+<p:sld xmlns:a="http://schemas.openxmlformats.org/drawingml/2006/main" xmlns:r="http://schemas.openxmlformats.org/officeDocument/2006/relationships" xmlns:p="http://schemas.openxmlformats.org/presentationml/2006/main">
+  <p:cSld>
+    <p:spTree>
+      <p:nvGrpSpPr>
+        <p:cNvPr id="1" name=""/>
+        <p:cNvGrpSpPr/>
+        <p:nvPr/>
+      </p:nvGrpSpPr>
+      <p:grpSpPr>
+        <a:xfrm>
+          <a:off x="0" y="0"/>
+          <a:ext cx="0" cy="0"/>
+          <a:chOff x="0" y="0"/>
+          <a:chExt cx="0" cy="0"/>
+        </a:xfrm>
+      </p:grpSpPr>
       <p:sp>
         <p:nvSpPr>
           <p:cNvPr id="3" name="正方形/長方形 2"/>
@@ -1851,7 +6925,7 @@
 </p:sld>
 </file>
 
-<file path=ppt/slides/slide2.xml><?xml version="1.0" encoding="utf-8"?>
+<file path=ppt/slides/slide4.xml><?xml version="1.0" encoding="utf-8"?>
 <p:sld xmlns:a="http://schemas.openxmlformats.org/drawingml/2006/main" xmlns:r="http://schemas.openxmlformats.org/officeDocument/2006/relationships" xmlns:p="http://schemas.openxmlformats.org/presentationml/2006/main">
   <p:cSld>
     <p:spTree>
@@ -3060,7 +8134,7 @@
 </p:sld>
 </file>
 
-<file path=ppt/slides/slide3.xml><?xml version="1.0" encoding="utf-8"?>
+<file path=ppt/slides/slide5.xml><?xml version="1.0" encoding="utf-8"?>
 <p:sld xmlns:a="http://schemas.openxmlformats.org/drawingml/2006/main" xmlns:r="http://schemas.openxmlformats.org/officeDocument/2006/relationships" xmlns:p="http://schemas.openxmlformats.org/presentationml/2006/main">
   <p:cSld>
     <p:spTree>
@@ -4252,7 +9326,7 @@
 </p:sld>
 </file>
 
-<file path=ppt/slides/slide4.xml><?xml version="1.0" encoding="utf-8"?>
+<file path=ppt/slides/slide6.xml><?xml version="1.0" encoding="utf-8"?>
 <p:sld xmlns:a="http://schemas.openxmlformats.org/drawingml/2006/main" xmlns:r="http://schemas.openxmlformats.org/officeDocument/2006/relationships" xmlns:p="http://schemas.openxmlformats.org/presentationml/2006/main">
   <p:cSld>
     <p:spTree>
@@ -6350,7 +11424,7 @@
 </p:sld>
 </file>
 
-<file path=ppt/slides/slide5.xml><?xml version="1.0" encoding="utf-8"?>
+<file path=ppt/slides/slide7.xml><?xml version="1.0" encoding="utf-8"?>
 <p:sld xmlns:a="http://schemas.openxmlformats.org/drawingml/2006/main" xmlns:r="http://schemas.openxmlformats.org/officeDocument/2006/relationships" xmlns:p="http://schemas.openxmlformats.org/presentationml/2006/main">
   <p:cSld>
     <p:spTree>

--- a/hamiltonian/fig/fig.pptx
+++ b/hamiltonian/fig/fig.pptx
@@ -5,16 +5,18 @@
     <p:sldMasterId id="2147483648" r:id="rId1"/>
   </p:sldMasterIdLst>
   <p:notesMasterIdLst>
-    <p:notesMasterId r:id="rId9"/>
+    <p:notesMasterId r:id="rId11"/>
   </p:notesMasterIdLst>
   <p:sldIdLst>
     <p:sldId id="268" r:id="rId2"/>
     <p:sldId id="269" r:id="rId3"/>
-    <p:sldId id="263" r:id="rId4"/>
-    <p:sldId id="264" r:id="rId5"/>
-    <p:sldId id="265" r:id="rId6"/>
-    <p:sldId id="266" r:id="rId7"/>
-    <p:sldId id="267" r:id="rId8"/>
+    <p:sldId id="270" r:id="rId4"/>
+    <p:sldId id="271" r:id="rId5"/>
+    <p:sldId id="263" r:id="rId6"/>
+    <p:sldId id="264" r:id="rId7"/>
+    <p:sldId id="265" r:id="rId8"/>
+    <p:sldId id="266" r:id="rId9"/>
+    <p:sldId id="267" r:id="rId10"/>
   </p:sldIdLst>
   <p:sldSz cx="9144000" cy="6858000" type="screen4x3"/>
   <p:notesSz cx="6858000" cy="9144000"/>
@@ -218,7 +220,7 @@
             <a:fld id="{D2C63D3F-0352-EF45-A95C-C8137A1B6577}" type="datetimeFigureOut">
               <a:rPr lang="ja-JP" altLang="en-US" smtClean="0"/>
               <a:pPr/>
-              <a:t>2023/6/10</a:t>
+              <a:t>2023/7/22</a:t>
             </a:fld>
             <a:endParaRPr lang="ja-JP" altLang="en-US"/>
           </a:p>
@@ -671,7 +673,7 @@
             <a:fld id="{658B8C6D-C3B1-8D4B-883D-F931C7D3B8B2}" type="slidenum">
               <a:rPr lang="ja-JP" altLang="en-US" smtClean="0"/>
               <a:pPr/>
-              <a:t>6</a:t>
+              <a:t>8</a:t>
             </a:fld>
             <a:endParaRPr lang="ja-JP" altLang="en-US"/>
           </a:p>
@@ -2119,8 +2121,8 @@
           </a:extLst>
         </p:spPr>
       </p:pic>
-      <mc:AlternateContent xmlns:mc="http://schemas.openxmlformats.org/markup-compatibility/2006">
-        <mc:Choice xmlns:a14="http://schemas.microsoft.com/office/drawing/2010/main" Requires="a14">
+      <mc:AlternateContent xmlns:mc="http://schemas.openxmlformats.org/markup-compatibility/2006" xmlns:a14="http://schemas.microsoft.com/office/drawing/2010/main">
+        <mc:Choice Requires="a14">
           <p:sp>
             <p:nvSpPr>
               <p:cNvPr id="54" name="テキスト ボックス 53">
@@ -2149,6 +2151,7 @@
               </a:bodyPr>
               <a:lstStyle/>
               <a:p>
+                <a:pPr/>
                 <a14:m>
                   <m:oMathPara xmlns:m="http://schemas.openxmlformats.org/officeDocument/2006/math">
                     <m:oMathParaPr>
@@ -2169,7 +2172,7 @@
             </p:txBody>
           </p:sp>
         </mc:Choice>
-        <mc:Fallback>
+        <mc:Fallback xmlns="">
           <p:sp>
             <p:nvSpPr>
               <p:cNvPr id="54" name="テキスト ボックス 53">
@@ -2214,8 +2217,8 @@
           </p:sp>
         </mc:Fallback>
       </mc:AlternateContent>
-      <mc:AlternateContent xmlns:mc="http://schemas.openxmlformats.org/markup-compatibility/2006">
-        <mc:Choice xmlns:a14="http://schemas.microsoft.com/office/drawing/2010/main" Requires="a14">
+      <mc:AlternateContent xmlns:mc="http://schemas.openxmlformats.org/markup-compatibility/2006" xmlns:a14="http://schemas.microsoft.com/office/drawing/2010/main">
+        <mc:Choice Requires="a14">
           <p:sp>
             <p:nvSpPr>
               <p:cNvPr id="55" name="テキスト ボックス 54">
@@ -2244,6 +2247,7 @@
               </a:bodyPr>
               <a:lstStyle/>
               <a:p>
+                <a:pPr/>
                 <a14:m>
                   <m:oMathPara xmlns:m="http://schemas.openxmlformats.org/officeDocument/2006/math">
                     <m:oMathParaPr>
@@ -2264,7 +2268,7 @@
             </p:txBody>
           </p:sp>
         </mc:Choice>
-        <mc:Fallback>
+        <mc:Fallback xmlns="">
           <p:sp>
             <p:nvSpPr>
               <p:cNvPr id="55" name="テキスト ボックス 54">
@@ -3418,8 +3422,8 @@
           </a:extLst>
         </p:spPr>
       </p:pic>
-      <mc:AlternateContent xmlns:mc="http://schemas.openxmlformats.org/markup-compatibility/2006">
-        <mc:Choice xmlns:a14="http://schemas.microsoft.com/office/drawing/2010/main" Requires="a14">
+      <mc:AlternateContent xmlns:mc="http://schemas.openxmlformats.org/markup-compatibility/2006" xmlns:a14="http://schemas.microsoft.com/office/drawing/2010/main">
+        <mc:Choice Requires="a14">
           <p:sp>
             <p:nvSpPr>
               <p:cNvPr id="1072" name="テキスト ボックス 1071">
@@ -3448,6 +3452,7 @@
               </a:bodyPr>
               <a:lstStyle/>
               <a:p>
+                <a:pPr/>
                 <a14:m>
                   <m:oMathPara xmlns:m="http://schemas.openxmlformats.org/officeDocument/2006/math">
                     <m:oMathParaPr>
@@ -3536,7 +3541,7 @@
             </p:txBody>
           </p:sp>
         </mc:Choice>
-        <mc:Fallback>
+        <mc:Fallback xmlns="">
           <p:sp>
             <p:nvSpPr>
               <p:cNvPr id="1072" name="テキスト ボックス 1071">
@@ -3581,8 +3586,8 @@
           </p:sp>
         </mc:Fallback>
       </mc:AlternateContent>
-      <mc:AlternateContent xmlns:mc="http://schemas.openxmlformats.org/markup-compatibility/2006">
-        <mc:Choice xmlns:a14="http://schemas.microsoft.com/office/drawing/2010/main" Requires="a14">
+      <mc:AlternateContent xmlns:mc="http://schemas.openxmlformats.org/markup-compatibility/2006" xmlns:a14="http://schemas.microsoft.com/office/drawing/2010/main">
+        <mc:Choice Requires="a14">
           <p:sp>
             <p:nvSpPr>
               <p:cNvPr id="1073" name="テキスト ボックス 1072">
@@ -3611,6 +3616,7 @@
               </a:bodyPr>
               <a:lstStyle/>
               <a:p>
+                <a:pPr/>
                 <a14:m>
                   <m:oMathPara xmlns:m="http://schemas.openxmlformats.org/officeDocument/2006/math">
                     <m:oMathParaPr>
@@ -3717,7 +3723,7 @@
             </p:txBody>
           </p:sp>
         </mc:Choice>
-        <mc:Fallback>
+        <mc:Fallback xmlns="">
           <p:sp>
             <p:nvSpPr>
               <p:cNvPr id="1073" name="テキスト ボックス 1072">
@@ -4327,8 +4333,8 @@
           </p:txBody>
         </p:sp>
       </p:grpSp>
-      <mc:AlternateContent xmlns:mc="http://schemas.openxmlformats.org/markup-compatibility/2006">
-        <mc:Choice xmlns:a14="http://schemas.microsoft.com/office/drawing/2010/main" Requires="a14">
+      <mc:AlternateContent xmlns:mc="http://schemas.openxmlformats.org/markup-compatibility/2006" xmlns:a14="http://schemas.microsoft.com/office/drawing/2010/main">
+        <mc:Choice Requires="a14">
           <p:sp>
             <p:nvSpPr>
               <p:cNvPr id="21" name="テキスト ボックス 20">
@@ -4357,6 +4363,7 @@
               </a:bodyPr>
               <a:lstStyle/>
               <a:p>
+                <a:pPr/>
                 <a14:m>
                   <m:oMathPara xmlns:m="http://schemas.openxmlformats.org/officeDocument/2006/math">
                     <m:oMathParaPr>
@@ -4377,7 +4384,7 @@
             </p:txBody>
           </p:sp>
         </mc:Choice>
-        <mc:Fallback>
+        <mc:Fallback xmlns="">
           <p:sp>
             <p:nvSpPr>
               <p:cNvPr id="21" name="テキスト ボックス 20">
@@ -4422,8 +4429,8 @@
           </p:sp>
         </mc:Fallback>
       </mc:AlternateContent>
-      <mc:AlternateContent xmlns:mc="http://schemas.openxmlformats.org/markup-compatibility/2006">
-        <mc:Choice xmlns:a14="http://schemas.microsoft.com/office/drawing/2010/main" Requires="a14">
+      <mc:AlternateContent xmlns:mc="http://schemas.openxmlformats.org/markup-compatibility/2006" xmlns:a14="http://schemas.microsoft.com/office/drawing/2010/main">
+        <mc:Choice Requires="a14">
           <p:sp>
             <p:nvSpPr>
               <p:cNvPr id="22" name="テキスト ボックス 21">
@@ -4452,6 +4459,7 @@
               </a:bodyPr>
               <a:lstStyle/>
               <a:p>
+                <a:pPr/>
                 <a14:m>
                   <m:oMathPara xmlns:m="http://schemas.openxmlformats.org/officeDocument/2006/math">
                     <m:oMathParaPr>
@@ -4472,7 +4480,7 @@
             </p:txBody>
           </p:sp>
         </mc:Choice>
-        <mc:Fallback>
+        <mc:Fallback xmlns="">
           <p:sp>
             <p:nvSpPr>
               <p:cNvPr id="22" name="テキスト ボックス 21">
@@ -4517,8 +4525,8 @@
           </p:sp>
         </mc:Fallback>
       </mc:AlternateContent>
-      <mc:AlternateContent xmlns:mc="http://schemas.openxmlformats.org/markup-compatibility/2006">
-        <mc:Choice xmlns:a14="http://schemas.microsoft.com/office/drawing/2010/main" Requires="a14">
+      <mc:AlternateContent xmlns:mc="http://schemas.openxmlformats.org/markup-compatibility/2006" xmlns:a14="http://schemas.microsoft.com/office/drawing/2010/main">
+        <mc:Choice Requires="a14">
           <p:sp>
             <p:nvSpPr>
               <p:cNvPr id="23" name="テキスト ボックス 22">
@@ -4547,6 +4555,7 @@
               </a:bodyPr>
               <a:lstStyle/>
               <a:p>
+                <a:pPr/>
                 <a14:m>
                   <m:oMathPara xmlns:m="http://schemas.openxmlformats.org/officeDocument/2006/math">
                     <m:oMathParaPr>
@@ -4567,7 +4576,7 @@
             </p:txBody>
           </p:sp>
         </mc:Choice>
-        <mc:Fallback>
+        <mc:Fallback xmlns="">
           <p:sp>
             <p:nvSpPr>
               <p:cNvPr id="23" name="テキスト ボックス 22">
@@ -4612,8 +4621,8 @@
           </p:sp>
         </mc:Fallback>
       </mc:AlternateContent>
-      <mc:AlternateContent xmlns:mc="http://schemas.openxmlformats.org/markup-compatibility/2006">
-        <mc:Choice xmlns:a14="http://schemas.microsoft.com/office/drawing/2010/main" Requires="a14">
+      <mc:AlternateContent xmlns:mc="http://schemas.openxmlformats.org/markup-compatibility/2006" xmlns:a14="http://schemas.microsoft.com/office/drawing/2010/main">
+        <mc:Choice Requires="a14">
           <p:sp>
             <p:nvSpPr>
               <p:cNvPr id="24" name="テキスト ボックス 23">
@@ -4642,6 +4651,7 @@
               </a:bodyPr>
               <a:lstStyle/>
               <a:p>
+                <a:pPr/>
                 <a14:m>
                   <m:oMathPara xmlns:m="http://schemas.openxmlformats.org/officeDocument/2006/math">
                     <m:oMathParaPr>
@@ -4662,7 +4672,7 @@
             </p:txBody>
           </p:sp>
         </mc:Choice>
-        <mc:Fallback>
+        <mc:Fallback xmlns="">
           <p:sp>
             <p:nvSpPr>
               <p:cNvPr id="24" name="テキスト ボックス 23">
@@ -4707,8 +4717,8 @@
           </p:sp>
         </mc:Fallback>
       </mc:AlternateContent>
-      <mc:AlternateContent xmlns:mc="http://schemas.openxmlformats.org/markup-compatibility/2006">
-        <mc:Choice xmlns:a14="http://schemas.microsoft.com/office/drawing/2010/main" Requires="a14">
+      <mc:AlternateContent xmlns:mc="http://schemas.openxmlformats.org/markup-compatibility/2006" xmlns:a14="http://schemas.microsoft.com/office/drawing/2010/main">
+        <mc:Choice Requires="a14">
           <p:sp>
             <p:nvSpPr>
               <p:cNvPr id="25" name="テキスト ボックス 24">
@@ -4737,6 +4747,7 @@
               </a:bodyPr>
               <a:lstStyle/>
               <a:p>
+                <a:pPr/>
                 <a14:m>
                   <m:oMathPara xmlns:m="http://schemas.openxmlformats.org/officeDocument/2006/math">
                     <m:oMathParaPr>
@@ -4757,7 +4768,7 @@
             </p:txBody>
           </p:sp>
         </mc:Choice>
-        <mc:Fallback>
+        <mc:Fallback xmlns="">
           <p:sp>
             <p:nvSpPr>
               <p:cNvPr id="25" name="テキスト ボックス 24">
@@ -5339,8 +5350,8 @@
           </p:txBody>
         </p:sp>
       </p:grpSp>
-      <mc:AlternateContent xmlns:mc="http://schemas.openxmlformats.org/markup-compatibility/2006">
-        <mc:Choice xmlns:a14="http://schemas.microsoft.com/office/drawing/2010/main" Requires="a14">
+      <mc:AlternateContent xmlns:mc="http://schemas.openxmlformats.org/markup-compatibility/2006" xmlns:a14="http://schemas.microsoft.com/office/drawing/2010/main">
+        <mc:Choice Requires="a14">
           <p:sp>
             <p:nvSpPr>
               <p:cNvPr id="41" name="テキスト ボックス 40">
@@ -5369,6 +5380,7 @@
               </a:bodyPr>
               <a:lstStyle/>
               <a:p>
+                <a:pPr/>
                 <a14:m>
                   <m:oMathPara xmlns:m="http://schemas.openxmlformats.org/officeDocument/2006/math">
                     <m:oMathParaPr>
@@ -5389,7 +5401,7 @@
             </p:txBody>
           </p:sp>
         </mc:Choice>
-        <mc:Fallback>
+        <mc:Fallback xmlns="">
           <p:sp>
             <p:nvSpPr>
               <p:cNvPr id="41" name="テキスト ボックス 40">
@@ -5434,8 +5446,8 @@
           </p:sp>
         </mc:Fallback>
       </mc:AlternateContent>
-      <mc:AlternateContent xmlns:mc="http://schemas.openxmlformats.org/markup-compatibility/2006">
-        <mc:Choice xmlns:a14="http://schemas.microsoft.com/office/drawing/2010/main" Requires="a14">
+      <mc:AlternateContent xmlns:mc="http://schemas.openxmlformats.org/markup-compatibility/2006" xmlns:a14="http://schemas.microsoft.com/office/drawing/2010/main">
+        <mc:Choice Requires="a14">
           <p:sp>
             <p:nvSpPr>
               <p:cNvPr id="42" name="テキスト ボックス 41">
@@ -5464,6 +5476,7 @@
               </a:bodyPr>
               <a:lstStyle/>
               <a:p>
+                <a:pPr/>
                 <a14:m>
                   <m:oMathPara xmlns:m="http://schemas.openxmlformats.org/officeDocument/2006/math">
                     <m:oMathParaPr>
@@ -5484,7 +5497,7 @@
             </p:txBody>
           </p:sp>
         </mc:Choice>
-        <mc:Fallback>
+        <mc:Fallback xmlns="">
           <p:sp>
             <p:nvSpPr>
               <p:cNvPr id="42" name="テキスト ボックス 41">
@@ -5529,8 +5542,8 @@
           </p:sp>
         </mc:Fallback>
       </mc:AlternateContent>
-      <mc:AlternateContent xmlns:mc="http://schemas.openxmlformats.org/markup-compatibility/2006">
-        <mc:Choice xmlns:a14="http://schemas.microsoft.com/office/drawing/2010/main" Requires="a14">
+      <mc:AlternateContent xmlns:mc="http://schemas.openxmlformats.org/markup-compatibility/2006" xmlns:a14="http://schemas.microsoft.com/office/drawing/2010/main">
+        <mc:Choice Requires="a14">
           <p:sp>
             <p:nvSpPr>
               <p:cNvPr id="43" name="テキスト ボックス 42">
@@ -5559,6 +5572,7 @@
               </a:bodyPr>
               <a:lstStyle/>
               <a:p>
+                <a:pPr/>
                 <a14:m>
                   <m:oMathPara xmlns:m="http://schemas.openxmlformats.org/officeDocument/2006/math">
                     <m:oMathParaPr>
@@ -5579,7 +5593,7 @@
             </p:txBody>
           </p:sp>
         </mc:Choice>
-        <mc:Fallback>
+        <mc:Fallback xmlns="">
           <p:sp>
             <p:nvSpPr>
               <p:cNvPr id="43" name="テキスト ボックス 42">
@@ -5624,8 +5638,8 @@
           </p:sp>
         </mc:Fallback>
       </mc:AlternateContent>
-      <mc:AlternateContent xmlns:mc="http://schemas.openxmlformats.org/markup-compatibility/2006">
-        <mc:Choice xmlns:a14="http://schemas.microsoft.com/office/drawing/2010/main" Requires="a14">
+      <mc:AlternateContent xmlns:mc="http://schemas.openxmlformats.org/markup-compatibility/2006" xmlns:a14="http://schemas.microsoft.com/office/drawing/2010/main">
+        <mc:Choice Requires="a14">
           <p:sp>
             <p:nvSpPr>
               <p:cNvPr id="44" name="テキスト ボックス 43">
@@ -5654,6 +5668,7 @@
               </a:bodyPr>
               <a:lstStyle/>
               <a:p>
+                <a:pPr/>
                 <a14:m>
                   <m:oMathPara xmlns:m="http://schemas.openxmlformats.org/officeDocument/2006/math">
                     <m:oMathParaPr>
@@ -5674,7 +5689,7 @@
             </p:txBody>
           </p:sp>
         </mc:Choice>
-        <mc:Fallback>
+        <mc:Fallback xmlns="">
           <p:sp>
             <p:nvSpPr>
               <p:cNvPr id="44" name="テキスト ボックス 43">
@@ -5719,8 +5734,8 @@
           </p:sp>
         </mc:Fallback>
       </mc:AlternateContent>
-      <mc:AlternateContent xmlns:mc="http://schemas.openxmlformats.org/markup-compatibility/2006">
-        <mc:Choice xmlns:a14="http://schemas.microsoft.com/office/drawing/2010/main" Requires="a14">
+      <mc:AlternateContent xmlns:mc="http://schemas.openxmlformats.org/markup-compatibility/2006" xmlns:a14="http://schemas.microsoft.com/office/drawing/2010/main">
+        <mc:Choice Requires="a14">
           <p:sp>
             <p:nvSpPr>
               <p:cNvPr id="45" name="テキスト ボックス 44">
@@ -5749,6 +5764,7 @@
               </a:bodyPr>
               <a:lstStyle/>
               <a:p>
+                <a:pPr/>
                 <a14:m>
                   <m:oMathPara xmlns:m="http://schemas.openxmlformats.org/officeDocument/2006/math">
                     <m:oMathParaPr>
@@ -5769,7 +5785,7 @@
             </p:txBody>
           </p:sp>
         </mc:Choice>
-        <mc:Fallback>
+        <mc:Fallback xmlns="">
           <p:sp>
             <p:nvSpPr>
               <p:cNvPr id="45" name="テキスト ボックス 44">
@@ -5984,6 +6000,3212 @@
 </file>
 
 <file path=ppt/slides/slide3.xml><?xml version="1.0" encoding="utf-8"?>
+<p:sld xmlns:a="http://schemas.openxmlformats.org/drawingml/2006/main" xmlns:r="http://schemas.openxmlformats.org/officeDocument/2006/relationships" xmlns:p="http://schemas.openxmlformats.org/presentationml/2006/main">
+  <p:cSld>
+    <p:spTree>
+      <p:nvGrpSpPr>
+        <p:cNvPr id="1" name=""/>
+        <p:cNvGrpSpPr/>
+        <p:nvPr/>
+      </p:nvGrpSpPr>
+      <p:grpSpPr>
+        <a:xfrm>
+          <a:off x="0" y="0"/>
+          <a:ext cx="0" cy="0"/>
+          <a:chOff x="0" y="0"/>
+          <a:chExt cx="0" cy="0"/>
+        </a:xfrm>
+      </p:grpSpPr>
+      <p:sp>
+        <p:nvSpPr>
+          <p:cNvPr id="2" name="楕円 1">
+            <a:extLst>
+              <a:ext uri="{FF2B5EF4-FFF2-40B4-BE49-F238E27FC236}">
+                <a16:creationId xmlns:a16="http://schemas.microsoft.com/office/drawing/2014/main" id="{25F571D8-31A2-3D14-1E06-2E3163CEA354}"/>
+              </a:ext>
+            </a:extLst>
+          </p:cNvPr>
+          <p:cNvSpPr/>
+          <p:nvPr/>
+        </p:nvSpPr>
+        <p:spPr>
+          <a:xfrm>
+            <a:off x="2123728" y="2420888"/>
+            <a:ext cx="1152128" cy="1152128"/>
+          </a:xfrm>
+          <a:prstGeom prst="ellipse">
+            <a:avLst/>
+          </a:prstGeom>
+          <a:solidFill>
+            <a:schemeClr val="accent3">
+              <a:lumMod val="60000"/>
+              <a:lumOff val="40000"/>
+            </a:schemeClr>
+          </a:solidFill>
+          <a:ln>
+            <a:noFill/>
+          </a:ln>
+        </p:spPr>
+        <p:txBody>
+          <a:bodyPr wrap="square" rtlCol="0" anchor="ctr">
+            <a:spAutoFit/>
+          </a:bodyPr>
+          <a:lstStyle/>
+          <a:p>
+            <a:pPr algn="ctr"/>
+            <a:endParaRPr kumimoji="1" lang="ja-JP" altLang="en-US" sz="2400" dirty="0"/>
+          </a:p>
+        </p:txBody>
+      </p:sp>
+      <p:grpSp>
+        <p:nvGrpSpPr>
+          <p:cNvPr id="3" name="グループ化 2">
+            <a:extLst>
+              <a:ext uri="{FF2B5EF4-FFF2-40B4-BE49-F238E27FC236}">
+                <a16:creationId xmlns:a16="http://schemas.microsoft.com/office/drawing/2014/main" id="{08E95ED4-5BD3-54F6-697C-975D9C501E49}"/>
+              </a:ext>
+            </a:extLst>
+          </p:cNvPr>
+          <p:cNvGrpSpPr/>
+          <p:nvPr/>
+        </p:nvGrpSpPr>
+        <p:grpSpPr>
+          <a:xfrm>
+            <a:off x="1763688" y="4077072"/>
+            <a:ext cx="1152128" cy="1152128"/>
+            <a:chOff x="4499992" y="3429000"/>
+            <a:chExt cx="2160240" cy="2160240"/>
+          </a:xfrm>
+        </p:grpSpPr>
+        <p:sp>
+          <p:nvSpPr>
+            <p:cNvPr id="4" name="弦 3">
+              <a:extLst>
+                <a:ext uri="{FF2B5EF4-FFF2-40B4-BE49-F238E27FC236}">
+                  <a16:creationId xmlns:a16="http://schemas.microsoft.com/office/drawing/2014/main" id="{56FF3FFB-D725-31AD-E55A-E08A60A047F7}"/>
+                </a:ext>
+              </a:extLst>
+            </p:cNvPr>
+            <p:cNvSpPr/>
+            <p:nvPr/>
+          </p:nvSpPr>
+          <p:spPr>
+            <a:xfrm>
+              <a:off x="4499992" y="3429000"/>
+              <a:ext cx="2160240" cy="2160240"/>
+            </a:xfrm>
+            <a:prstGeom prst="chord">
+              <a:avLst>
+                <a:gd name="adj1" fmla="val 5362734"/>
+                <a:gd name="adj2" fmla="val 16200000"/>
+              </a:avLst>
+            </a:prstGeom>
+            <a:solidFill>
+              <a:schemeClr val="accent3">
+                <a:lumMod val="60000"/>
+                <a:lumOff val="40000"/>
+              </a:schemeClr>
+            </a:solidFill>
+            <a:ln>
+              <a:noFill/>
+            </a:ln>
+          </p:spPr>
+          <p:txBody>
+            <a:bodyPr wrap="square" rtlCol="0" anchor="ctr">
+              <a:spAutoFit/>
+            </a:bodyPr>
+            <a:lstStyle/>
+            <a:p>
+              <a:pPr algn="ctr"/>
+              <a:endParaRPr kumimoji="1" lang="ja-JP" altLang="en-US" sz="2400" dirty="0"/>
+            </a:p>
+          </p:txBody>
+        </p:sp>
+        <p:sp>
+          <p:nvSpPr>
+            <p:cNvPr id="5" name="正方形/長方形 4">
+              <a:extLst>
+                <a:ext uri="{FF2B5EF4-FFF2-40B4-BE49-F238E27FC236}">
+                  <a16:creationId xmlns:a16="http://schemas.microsoft.com/office/drawing/2014/main" id="{535DE319-4142-6237-6A46-891E0E6A1E58}"/>
+                </a:ext>
+              </a:extLst>
+            </p:cNvPr>
+            <p:cNvSpPr/>
+            <p:nvPr/>
+          </p:nvSpPr>
+          <p:spPr>
+            <a:xfrm>
+              <a:off x="5580112" y="4149080"/>
+              <a:ext cx="288032" cy="720080"/>
+            </a:xfrm>
+            <a:prstGeom prst="rect">
+              <a:avLst/>
+            </a:prstGeom>
+            <a:solidFill>
+              <a:schemeClr val="accent3">
+                <a:lumMod val="60000"/>
+                <a:lumOff val="40000"/>
+              </a:schemeClr>
+            </a:solidFill>
+            <a:ln>
+              <a:noFill/>
+            </a:ln>
+          </p:spPr>
+          <p:txBody>
+            <a:bodyPr wrap="square" rtlCol="0" anchor="ctr">
+              <a:spAutoFit/>
+            </a:bodyPr>
+            <a:lstStyle/>
+            <a:p>
+              <a:pPr algn="ctr"/>
+              <a:endParaRPr kumimoji="1" lang="ja-JP" altLang="en-US" sz="2400" dirty="0"/>
+            </a:p>
+          </p:txBody>
+        </p:sp>
+      </p:grpSp>
+      <p:grpSp>
+        <p:nvGrpSpPr>
+          <p:cNvPr id="6" name="グループ化 5">
+            <a:extLst>
+              <a:ext uri="{FF2B5EF4-FFF2-40B4-BE49-F238E27FC236}">
+                <a16:creationId xmlns:a16="http://schemas.microsoft.com/office/drawing/2014/main" id="{B6A00F55-65F6-AE8E-F774-3B657B8E70FD}"/>
+              </a:ext>
+            </a:extLst>
+          </p:cNvPr>
+          <p:cNvGrpSpPr/>
+          <p:nvPr/>
+        </p:nvGrpSpPr>
+        <p:grpSpPr>
+          <a:xfrm>
+            <a:off x="2483768" y="4077072"/>
+            <a:ext cx="1152128" cy="1152128"/>
+            <a:chOff x="5220072" y="3429000"/>
+            <a:chExt cx="2160240" cy="2160240"/>
+          </a:xfrm>
+        </p:grpSpPr>
+        <p:sp>
+          <p:nvSpPr>
+            <p:cNvPr id="7" name="弦 6">
+              <a:extLst>
+                <a:ext uri="{FF2B5EF4-FFF2-40B4-BE49-F238E27FC236}">
+                  <a16:creationId xmlns:a16="http://schemas.microsoft.com/office/drawing/2014/main" id="{EBCF90DE-479A-B5D6-0962-E6589335F72A}"/>
+                </a:ext>
+              </a:extLst>
+            </p:cNvPr>
+            <p:cNvSpPr/>
+            <p:nvPr/>
+          </p:nvSpPr>
+          <p:spPr>
+            <a:xfrm rot="10800000">
+              <a:off x="5220072" y="3429000"/>
+              <a:ext cx="2160240" cy="2160240"/>
+            </a:xfrm>
+            <a:prstGeom prst="chord">
+              <a:avLst>
+                <a:gd name="adj1" fmla="val 5362734"/>
+                <a:gd name="adj2" fmla="val 16200000"/>
+              </a:avLst>
+            </a:prstGeom>
+            <a:solidFill>
+              <a:schemeClr val="accent3">
+                <a:lumMod val="60000"/>
+                <a:lumOff val="40000"/>
+              </a:schemeClr>
+            </a:solidFill>
+            <a:ln>
+              <a:noFill/>
+            </a:ln>
+          </p:spPr>
+          <p:txBody>
+            <a:bodyPr wrap="square" rtlCol="0" anchor="ctr">
+              <a:spAutoFit/>
+            </a:bodyPr>
+            <a:lstStyle/>
+            <a:p>
+              <a:pPr algn="ctr"/>
+              <a:endParaRPr kumimoji="1" lang="ja-JP" altLang="en-US" sz="2400" dirty="0"/>
+            </a:p>
+          </p:txBody>
+        </p:sp>
+        <p:sp>
+          <p:nvSpPr>
+            <p:cNvPr id="8" name="正方形/長方形 7">
+              <a:extLst>
+                <a:ext uri="{FF2B5EF4-FFF2-40B4-BE49-F238E27FC236}">
+                  <a16:creationId xmlns:a16="http://schemas.microsoft.com/office/drawing/2014/main" id="{C6D96EA9-9885-DFC1-31F3-BAD596ECCDC2}"/>
+                </a:ext>
+              </a:extLst>
+            </p:cNvPr>
+            <p:cNvSpPr/>
+            <p:nvPr/>
+          </p:nvSpPr>
+          <p:spPr>
+            <a:xfrm>
+              <a:off x="6228184" y="4149080"/>
+              <a:ext cx="360040" cy="720080"/>
+            </a:xfrm>
+            <a:prstGeom prst="rect">
+              <a:avLst/>
+            </a:prstGeom>
+            <a:solidFill>
+              <a:schemeClr val="bg1"/>
+            </a:solidFill>
+            <a:ln>
+              <a:noFill/>
+            </a:ln>
+          </p:spPr>
+          <p:txBody>
+            <a:bodyPr wrap="square" rtlCol="0" anchor="ctr">
+              <a:spAutoFit/>
+            </a:bodyPr>
+            <a:lstStyle/>
+            <a:p>
+              <a:pPr algn="ctr"/>
+              <a:endParaRPr kumimoji="1" lang="ja-JP" altLang="en-US" sz="2400" dirty="0"/>
+            </a:p>
+          </p:txBody>
+        </p:sp>
+      </p:grpSp>
+      <p:grpSp>
+        <p:nvGrpSpPr>
+          <p:cNvPr id="9" name="グループ化 8">
+            <a:extLst>
+              <a:ext uri="{FF2B5EF4-FFF2-40B4-BE49-F238E27FC236}">
+                <a16:creationId xmlns:a16="http://schemas.microsoft.com/office/drawing/2014/main" id="{F74F8E25-81B1-3656-A961-1AD402C5AAD3}"/>
+              </a:ext>
+            </a:extLst>
+          </p:cNvPr>
+          <p:cNvGrpSpPr/>
+          <p:nvPr/>
+        </p:nvGrpSpPr>
+        <p:grpSpPr>
+          <a:xfrm>
+            <a:off x="1763688" y="908720"/>
+            <a:ext cx="1152128" cy="1152128"/>
+            <a:chOff x="251520" y="4509120"/>
+            <a:chExt cx="2160240" cy="2160240"/>
+          </a:xfrm>
+        </p:grpSpPr>
+        <p:sp>
+          <p:nvSpPr>
+            <p:cNvPr id="10" name="弦 9">
+              <a:extLst>
+                <a:ext uri="{FF2B5EF4-FFF2-40B4-BE49-F238E27FC236}">
+                  <a16:creationId xmlns:a16="http://schemas.microsoft.com/office/drawing/2014/main" id="{B9BB20B4-8845-084B-48C9-345F5F0CA6A2}"/>
+                </a:ext>
+              </a:extLst>
+            </p:cNvPr>
+            <p:cNvSpPr/>
+            <p:nvPr/>
+          </p:nvSpPr>
+          <p:spPr>
+            <a:xfrm>
+              <a:off x="251520" y="4509120"/>
+              <a:ext cx="2160240" cy="2160240"/>
+            </a:xfrm>
+            <a:prstGeom prst="chord">
+              <a:avLst>
+                <a:gd name="adj1" fmla="val 5362734"/>
+                <a:gd name="adj2" fmla="val 16200000"/>
+              </a:avLst>
+            </a:prstGeom>
+            <a:solidFill>
+              <a:schemeClr val="accent3">
+                <a:lumMod val="60000"/>
+                <a:lumOff val="40000"/>
+              </a:schemeClr>
+            </a:solidFill>
+            <a:ln>
+              <a:noFill/>
+            </a:ln>
+          </p:spPr>
+          <p:txBody>
+            <a:bodyPr wrap="square" rtlCol="0" anchor="ctr">
+              <a:spAutoFit/>
+            </a:bodyPr>
+            <a:lstStyle/>
+            <a:p>
+              <a:pPr algn="ctr"/>
+              <a:endParaRPr kumimoji="1" lang="ja-JP" altLang="en-US" sz="2400" dirty="0"/>
+            </a:p>
+          </p:txBody>
+        </p:sp>
+        <p:sp>
+          <p:nvSpPr>
+            <p:cNvPr id="11" name="二等辺三角形 10">
+              <a:extLst>
+                <a:ext uri="{FF2B5EF4-FFF2-40B4-BE49-F238E27FC236}">
+                  <a16:creationId xmlns:a16="http://schemas.microsoft.com/office/drawing/2014/main" id="{A5A30E59-9E65-650A-6F0A-4D6476B12C1B}"/>
+                </a:ext>
+              </a:extLst>
+            </p:cNvPr>
+            <p:cNvSpPr/>
+            <p:nvPr/>
+          </p:nvSpPr>
+          <p:spPr>
+            <a:xfrm rot="5400000">
+              <a:off x="935596" y="5337212"/>
+              <a:ext cx="1152128" cy="504056"/>
+            </a:xfrm>
+            <a:prstGeom prst="triangle">
+              <a:avLst/>
+            </a:prstGeom>
+            <a:solidFill>
+              <a:schemeClr val="accent3">
+                <a:lumMod val="60000"/>
+                <a:lumOff val="40000"/>
+              </a:schemeClr>
+            </a:solidFill>
+            <a:ln>
+              <a:noFill/>
+            </a:ln>
+          </p:spPr>
+          <p:txBody>
+            <a:bodyPr wrap="square" rtlCol="0" anchor="ctr">
+              <a:spAutoFit/>
+            </a:bodyPr>
+            <a:lstStyle/>
+            <a:p>
+              <a:pPr algn="ctr"/>
+              <a:endParaRPr kumimoji="1" lang="ja-JP" altLang="en-US" sz="2400" dirty="0"/>
+            </a:p>
+          </p:txBody>
+        </p:sp>
+      </p:grpSp>
+      <p:grpSp>
+        <p:nvGrpSpPr>
+          <p:cNvPr id="12" name="グループ化 11">
+            <a:extLst>
+              <a:ext uri="{FF2B5EF4-FFF2-40B4-BE49-F238E27FC236}">
+                <a16:creationId xmlns:a16="http://schemas.microsoft.com/office/drawing/2014/main" id="{EB96B62F-34B3-4890-1848-BD2CC3E2F583}"/>
+              </a:ext>
+            </a:extLst>
+          </p:cNvPr>
+          <p:cNvGrpSpPr/>
+          <p:nvPr/>
+        </p:nvGrpSpPr>
+        <p:grpSpPr>
+          <a:xfrm>
+            <a:off x="2483768" y="908720"/>
+            <a:ext cx="1152128" cy="1152128"/>
+            <a:chOff x="1979711" y="4423724"/>
+            <a:chExt cx="2160240" cy="2160240"/>
+          </a:xfrm>
+        </p:grpSpPr>
+        <p:sp>
+          <p:nvSpPr>
+            <p:cNvPr id="13" name="弦 12">
+              <a:extLst>
+                <a:ext uri="{FF2B5EF4-FFF2-40B4-BE49-F238E27FC236}">
+                  <a16:creationId xmlns:a16="http://schemas.microsoft.com/office/drawing/2014/main" id="{B4A82758-E235-6B48-E6C0-D72CE415A20E}"/>
+                </a:ext>
+              </a:extLst>
+            </p:cNvPr>
+            <p:cNvSpPr/>
+            <p:nvPr/>
+          </p:nvSpPr>
+          <p:spPr>
+            <a:xfrm rot="10800000">
+              <a:off x="1979711" y="4423724"/>
+              <a:ext cx="2160240" cy="2160240"/>
+            </a:xfrm>
+            <a:prstGeom prst="chord">
+              <a:avLst>
+                <a:gd name="adj1" fmla="val 5362734"/>
+                <a:gd name="adj2" fmla="val 16200000"/>
+              </a:avLst>
+            </a:prstGeom>
+            <a:solidFill>
+              <a:schemeClr val="accent3">
+                <a:lumMod val="60000"/>
+                <a:lumOff val="40000"/>
+              </a:schemeClr>
+            </a:solidFill>
+            <a:ln>
+              <a:noFill/>
+            </a:ln>
+          </p:spPr>
+          <p:txBody>
+            <a:bodyPr wrap="square" rtlCol="0" anchor="ctr">
+              <a:spAutoFit/>
+            </a:bodyPr>
+            <a:lstStyle/>
+            <a:p>
+              <a:pPr algn="ctr"/>
+              <a:endParaRPr kumimoji="1" lang="ja-JP" altLang="en-US" sz="2400" dirty="0"/>
+            </a:p>
+          </p:txBody>
+        </p:sp>
+        <p:sp>
+          <p:nvSpPr>
+            <p:cNvPr id="14" name="二等辺三角形 13">
+              <a:extLst>
+                <a:ext uri="{FF2B5EF4-FFF2-40B4-BE49-F238E27FC236}">
+                  <a16:creationId xmlns:a16="http://schemas.microsoft.com/office/drawing/2014/main" id="{34ACEE89-A07B-A548-9810-9C44697EDA44}"/>
+                </a:ext>
+              </a:extLst>
+            </p:cNvPr>
+            <p:cNvSpPr/>
+            <p:nvPr/>
+          </p:nvSpPr>
+          <p:spPr>
+            <a:xfrm rot="5400000">
+              <a:off x="2627784" y="5150498"/>
+              <a:ext cx="1224136" cy="648072"/>
+            </a:xfrm>
+            <a:prstGeom prst="triangle">
+              <a:avLst/>
+            </a:prstGeom>
+            <a:solidFill>
+              <a:schemeClr val="bg1"/>
+            </a:solidFill>
+            <a:ln>
+              <a:noFill/>
+            </a:ln>
+          </p:spPr>
+          <p:txBody>
+            <a:bodyPr wrap="square" rtlCol="0" anchor="ctr">
+              <a:spAutoFit/>
+            </a:bodyPr>
+            <a:lstStyle/>
+            <a:p>
+              <a:pPr algn="ctr"/>
+              <a:endParaRPr kumimoji="1" lang="ja-JP" altLang="en-US" sz="2400" dirty="0"/>
+            </a:p>
+          </p:txBody>
+        </p:sp>
+      </p:grpSp>
+      <mc:AlternateContent xmlns:mc="http://schemas.openxmlformats.org/markup-compatibility/2006">
+        <mc:Choice xmlns:a14="http://schemas.microsoft.com/office/drawing/2010/main" Requires="a14">
+          <p:sp>
+            <p:nvSpPr>
+              <p:cNvPr id="15" name="テキスト ボックス 14">
+                <a:extLst>
+                  <a:ext uri="{FF2B5EF4-FFF2-40B4-BE49-F238E27FC236}">
+                    <a16:creationId xmlns:a16="http://schemas.microsoft.com/office/drawing/2014/main" id="{3A26F358-AE24-07A0-BC84-EA9EF1A0FD9E}"/>
+                  </a:ext>
+                </a:extLst>
+              </p:cNvPr>
+              <p:cNvSpPr txBox="1"/>
+              <p:nvPr/>
+            </p:nvSpPr>
+            <p:spPr>
+              <a:xfrm>
+                <a:off x="2483768" y="2708920"/>
+                <a:ext cx="416781" cy="615553"/>
+              </a:xfrm>
+              <a:prstGeom prst="rect">
+                <a:avLst/>
+              </a:prstGeom>
+              <a:noFill/>
+            </p:spPr>
+            <p:txBody>
+              <a:bodyPr wrap="none" lIns="0" tIns="0" rIns="0" bIns="0" rtlCol="0">
+                <a:spAutoFit/>
+              </a:bodyPr>
+              <a:lstStyle/>
+              <a:p>
+                <a:pPr/>
+                <a14:m>
+                  <m:oMathPara xmlns:m="http://schemas.openxmlformats.org/officeDocument/2006/math">
+                    <m:oMathParaPr>
+                      <m:jc m:val="centerGroup"/>
+                    </m:oMathParaPr>
+                    <m:oMath xmlns:m="http://schemas.openxmlformats.org/officeDocument/2006/math">
+                      <m:r>
+                        <a:rPr kumimoji="1" lang="en-US" altLang="ja-JP" sz="4000" b="0" i="1" smtClean="0">
+                          <a:latin typeface="Cambria Math" panose="02040503050406030204" pitchFamily="18" charset="0"/>
+                        </a:rPr>
+                        <m:t>ℏ</m:t>
+                      </m:r>
+                    </m:oMath>
+                  </m:oMathPara>
+                </a14:m>
+                <a:endParaRPr kumimoji="1" lang="ja-JP" altLang="en-US" sz="4000" dirty="0"/>
+              </a:p>
+            </p:txBody>
+          </p:sp>
+        </mc:Choice>
+        <mc:Fallback>
+          <p:sp>
+            <p:nvSpPr>
+              <p:cNvPr id="15" name="テキスト ボックス 14">
+                <a:extLst>
+                  <a:ext uri="{FF2B5EF4-FFF2-40B4-BE49-F238E27FC236}">
+                    <a16:creationId xmlns:a16="http://schemas.microsoft.com/office/drawing/2014/main" id="{3A26F358-AE24-07A0-BC84-EA9EF1A0FD9E}"/>
+                  </a:ext>
+                </a:extLst>
+              </p:cNvPr>
+              <p:cNvSpPr txBox="1">
+                <a:spLocks noRot="1" noChangeAspect="1" noMove="1" noResize="1" noEditPoints="1" noAdjustHandles="1" noChangeArrowheads="1" noChangeShapeType="1" noTextEdit="1"/>
+              </p:cNvSpPr>
+              <p:nvPr/>
+            </p:nvSpPr>
+            <p:spPr>
+              <a:xfrm>
+                <a:off x="2483768" y="2708920"/>
+                <a:ext cx="416781" cy="615553"/>
+              </a:xfrm>
+              <a:prstGeom prst="rect">
+                <a:avLst/>
+              </a:prstGeom>
+              <a:blipFill>
+                <a:blip r:embed="rId2"/>
+                <a:stretch>
+                  <a:fillRect/>
+                </a:stretch>
+              </a:blipFill>
+            </p:spPr>
+            <p:txBody>
+              <a:bodyPr/>
+              <a:lstStyle/>
+              <a:p>
+                <a:r>
+                  <a:rPr lang="ja-JP" altLang="en-US">
+                    <a:noFill/>
+                  </a:rPr>
+                  <a:t> </a:t>
+                </a:r>
+              </a:p>
+            </p:txBody>
+          </p:sp>
+        </mc:Fallback>
+      </mc:AlternateContent>
+      <mc:AlternateContent xmlns:mc="http://schemas.openxmlformats.org/markup-compatibility/2006">
+        <mc:Choice xmlns:a14="http://schemas.microsoft.com/office/drawing/2010/main" Requires="a14">
+          <p:sp>
+            <p:nvSpPr>
+              <p:cNvPr id="16" name="テキスト ボックス 15">
+                <a:extLst>
+                  <a:ext uri="{FF2B5EF4-FFF2-40B4-BE49-F238E27FC236}">
+                    <a16:creationId xmlns:a16="http://schemas.microsoft.com/office/drawing/2014/main" id="{F9245A94-C450-9251-400B-435BB89355F1}"/>
+                  </a:ext>
+                </a:extLst>
+              </p:cNvPr>
+              <p:cNvSpPr txBox="1"/>
+              <p:nvPr/>
+            </p:nvSpPr>
+            <p:spPr>
+              <a:xfrm>
+                <a:off x="1907704" y="1124744"/>
+                <a:ext cx="407035" cy="615553"/>
+              </a:xfrm>
+              <a:prstGeom prst="rect">
+                <a:avLst/>
+              </a:prstGeom>
+              <a:noFill/>
+            </p:spPr>
+            <p:txBody>
+              <a:bodyPr wrap="none" lIns="0" tIns="0" rIns="0" bIns="0" rtlCol="0">
+                <a:spAutoFit/>
+              </a:bodyPr>
+              <a:lstStyle/>
+              <a:p>
+                <a:pPr/>
+                <a14:m>
+                  <m:oMathPara xmlns:m="http://schemas.openxmlformats.org/officeDocument/2006/math">
+                    <m:oMathParaPr>
+                      <m:jc m:val="centerGroup"/>
+                    </m:oMathParaPr>
+                    <m:oMath xmlns:m="http://schemas.openxmlformats.org/officeDocument/2006/math">
+                      <m:r>
+                        <a:rPr kumimoji="1" lang="en-US" altLang="ja-JP" sz="4000" b="0" i="1" smtClean="0">
+                          <a:latin typeface="Cambria Math" panose="02040503050406030204" pitchFamily="18" charset="0"/>
+                        </a:rPr>
+                        <m:t>𝑝</m:t>
+                      </m:r>
+                    </m:oMath>
+                  </m:oMathPara>
+                </a14:m>
+                <a:endParaRPr kumimoji="1" lang="ja-JP" altLang="en-US" sz="4000" dirty="0"/>
+              </a:p>
+            </p:txBody>
+          </p:sp>
+        </mc:Choice>
+        <mc:Fallback>
+          <p:sp>
+            <p:nvSpPr>
+              <p:cNvPr id="16" name="テキスト ボックス 15">
+                <a:extLst>
+                  <a:ext uri="{FF2B5EF4-FFF2-40B4-BE49-F238E27FC236}">
+                    <a16:creationId xmlns:a16="http://schemas.microsoft.com/office/drawing/2014/main" id="{F9245A94-C450-9251-400B-435BB89355F1}"/>
+                  </a:ext>
+                </a:extLst>
+              </p:cNvPr>
+              <p:cNvSpPr txBox="1">
+                <a:spLocks noRot="1" noChangeAspect="1" noMove="1" noResize="1" noEditPoints="1" noAdjustHandles="1" noChangeArrowheads="1" noChangeShapeType="1" noTextEdit="1"/>
+              </p:cNvSpPr>
+              <p:nvPr/>
+            </p:nvSpPr>
+            <p:spPr>
+              <a:xfrm>
+                <a:off x="1907704" y="1124744"/>
+                <a:ext cx="407035" cy="615553"/>
+              </a:xfrm>
+              <a:prstGeom prst="rect">
+                <a:avLst/>
+              </a:prstGeom>
+              <a:blipFill>
+                <a:blip r:embed="rId3"/>
+                <a:stretch>
+                  <a:fillRect/>
+                </a:stretch>
+              </a:blipFill>
+            </p:spPr>
+            <p:txBody>
+              <a:bodyPr/>
+              <a:lstStyle/>
+              <a:p>
+                <a:r>
+                  <a:rPr lang="ja-JP" altLang="en-US">
+                    <a:noFill/>
+                  </a:rPr>
+                  <a:t> </a:t>
+                </a:r>
+              </a:p>
+            </p:txBody>
+          </p:sp>
+        </mc:Fallback>
+      </mc:AlternateContent>
+      <mc:AlternateContent xmlns:mc="http://schemas.openxmlformats.org/markup-compatibility/2006">
+        <mc:Choice xmlns:a14="http://schemas.microsoft.com/office/drawing/2010/main" Requires="a14">
+          <p:sp>
+            <p:nvSpPr>
+              <p:cNvPr id="17" name="テキスト ボックス 16">
+                <a:extLst>
+                  <a:ext uri="{FF2B5EF4-FFF2-40B4-BE49-F238E27FC236}">
+                    <a16:creationId xmlns:a16="http://schemas.microsoft.com/office/drawing/2014/main" id="{8FCC1ABB-3999-C963-95AB-EBC2E7F37D6E}"/>
+                  </a:ext>
+                </a:extLst>
+              </p:cNvPr>
+              <p:cNvSpPr txBox="1"/>
+              <p:nvPr/>
+            </p:nvSpPr>
+            <p:spPr>
+              <a:xfrm>
+                <a:off x="3131840" y="1124744"/>
+                <a:ext cx="406650" cy="615553"/>
+              </a:xfrm>
+              <a:prstGeom prst="rect">
+                <a:avLst/>
+              </a:prstGeom>
+              <a:noFill/>
+            </p:spPr>
+            <p:txBody>
+              <a:bodyPr wrap="none" lIns="0" tIns="0" rIns="0" bIns="0" rtlCol="0">
+                <a:spAutoFit/>
+              </a:bodyPr>
+              <a:lstStyle/>
+              <a:p>
+                <a:pPr/>
+                <a14:m>
+                  <m:oMathPara xmlns:m="http://schemas.openxmlformats.org/officeDocument/2006/math">
+                    <m:oMathParaPr>
+                      <m:jc m:val="centerGroup"/>
+                    </m:oMathParaPr>
+                    <m:oMath xmlns:m="http://schemas.openxmlformats.org/officeDocument/2006/math">
+                      <m:r>
+                        <a:rPr kumimoji="1" lang="en-US" altLang="ja-JP" sz="4000" b="0" i="1" smtClean="0">
+                          <a:latin typeface="Cambria Math" panose="02040503050406030204" pitchFamily="18" charset="0"/>
+                        </a:rPr>
+                        <m:t>𝑞</m:t>
+                      </m:r>
+                    </m:oMath>
+                  </m:oMathPara>
+                </a14:m>
+                <a:endParaRPr kumimoji="1" lang="ja-JP" altLang="en-US" sz="4000" dirty="0"/>
+              </a:p>
+            </p:txBody>
+          </p:sp>
+        </mc:Choice>
+        <mc:Fallback>
+          <p:sp>
+            <p:nvSpPr>
+              <p:cNvPr id="17" name="テキスト ボックス 16">
+                <a:extLst>
+                  <a:ext uri="{FF2B5EF4-FFF2-40B4-BE49-F238E27FC236}">
+                    <a16:creationId xmlns:a16="http://schemas.microsoft.com/office/drawing/2014/main" id="{8FCC1ABB-3999-C963-95AB-EBC2E7F37D6E}"/>
+                  </a:ext>
+                </a:extLst>
+              </p:cNvPr>
+              <p:cNvSpPr txBox="1">
+                <a:spLocks noRot="1" noChangeAspect="1" noMove="1" noResize="1" noEditPoints="1" noAdjustHandles="1" noChangeArrowheads="1" noChangeShapeType="1" noTextEdit="1"/>
+              </p:cNvSpPr>
+              <p:nvPr/>
+            </p:nvSpPr>
+            <p:spPr>
+              <a:xfrm>
+                <a:off x="3131840" y="1124744"/>
+                <a:ext cx="406650" cy="615553"/>
+              </a:xfrm>
+              <a:prstGeom prst="rect">
+                <a:avLst/>
+              </a:prstGeom>
+              <a:blipFill>
+                <a:blip r:embed="rId4"/>
+                <a:stretch>
+                  <a:fillRect/>
+                </a:stretch>
+              </a:blipFill>
+            </p:spPr>
+            <p:txBody>
+              <a:bodyPr/>
+              <a:lstStyle/>
+              <a:p>
+                <a:r>
+                  <a:rPr lang="ja-JP" altLang="en-US">
+                    <a:noFill/>
+                  </a:rPr>
+                  <a:t> </a:t>
+                </a:r>
+              </a:p>
+            </p:txBody>
+          </p:sp>
+        </mc:Fallback>
+      </mc:AlternateContent>
+      <mc:AlternateContent xmlns:mc="http://schemas.openxmlformats.org/markup-compatibility/2006">
+        <mc:Choice xmlns:a14="http://schemas.microsoft.com/office/drawing/2010/main" Requires="a14">
+          <p:sp>
+            <p:nvSpPr>
+              <p:cNvPr id="18" name="テキスト ボックス 17">
+                <a:extLst>
+                  <a:ext uri="{FF2B5EF4-FFF2-40B4-BE49-F238E27FC236}">
+                    <a16:creationId xmlns:a16="http://schemas.microsoft.com/office/drawing/2014/main" id="{41A4A291-BCC4-C6EA-185E-8D279F940972}"/>
+                  </a:ext>
+                </a:extLst>
+              </p:cNvPr>
+              <p:cNvSpPr txBox="1"/>
+              <p:nvPr/>
+            </p:nvSpPr>
+            <p:spPr>
+              <a:xfrm>
+                <a:off x="1937845" y="4365104"/>
+                <a:ext cx="329899" cy="615553"/>
+              </a:xfrm>
+              <a:prstGeom prst="rect">
+                <a:avLst/>
+              </a:prstGeom>
+              <a:noFill/>
+            </p:spPr>
+            <p:txBody>
+              <a:bodyPr wrap="none" lIns="0" tIns="0" rIns="0" bIns="0" rtlCol="0">
+                <a:spAutoFit/>
+              </a:bodyPr>
+              <a:lstStyle/>
+              <a:p>
+                <a:pPr/>
+                <a14:m>
+                  <m:oMathPara xmlns:m="http://schemas.openxmlformats.org/officeDocument/2006/math">
+                    <m:oMathParaPr>
+                      <m:jc m:val="centerGroup"/>
+                    </m:oMathParaPr>
+                    <m:oMath xmlns:m="http://schemas.openxmlformats.org/officeDocument/2006/math">
+                      <m:r>
+                        <a:rPr kumimoji="1" lang="en-US" altLang="ja-JP" sz="4000" b="0" i="1" smtClean="0">
+                          <a:latin typeface="Cambria Math" panose="02040503050406030204" pitchFamily="18" charset="0"/>
+                        </a:rPr>
+                        <m:t>𝑡</m:t>
+                      </m:r>
+                    </m:oMath>
+                  </m:oMathPara>
+                </a14:m>
+                <a:endParaRPr kumimoji="1" lang="ja-JP" altLang="en-US" sz="4000" dirty="0"/>
+              </a:p>
+            </p:txBody>
+          </p:sp>
+        </mc:Choice>
+        <mc:Fallback>
+          <p:sp>
+            <p:nvSpPr>
+              <p:cNvPr id="18" name="テキスト ボックス 17">
+                <a:extLst>
+                  <a:ext uri="{FF2B5EF4-FFF2-40B4-BE49-F238E27FC236}">
+                    <a16:creationId xmlns:a16="http://schemas.microsoft.com/office/drawing/2014/main" id="{41A4A291-BCC4-C6EA-185E-8D279F940972}"/>
+                  </a:ext>
+                </a:extLst>
+              </p:cNvPr>
+              <p:cNvSpPr txBox="1">
+                <a:spLocks noRot="1" noChangeAspect="1" noMove="1" noResize="1" noEditPoints="1" noAdjustHandles="1" noChangeArrowheads="1" noChangeShapeType="1" noTextEdit="1"/>
+              </p:cNvSpPr>
+              <p:nvPr/>
+            </p:nvSpPr>
+            <p:spPr>
+              <a:xfrm>
+                <a:off x="1937845" y="4365104"/>
+                <a:ext cx="329899" cy="615553"/>
+              </a:xfrm>
+              <a:prstGeom prst="rect">
+                <a:avLst/>
+              </a:prstGeom>
+              <a:blipFill>
+                <a:blip r:embed="rId5"/>
+                <a:stretch>
+                  <a:fillRect/>
+                </a:stretch>
+              </a:blipFill>
+            </p:spPr>
+            <p:txBody>
+              <a:bodyPr/>
+              <a:lstStyle/>
+              <a:p>
+                <a:r>
+                  <a:rPr lang="ja-JP" altLang="en-US">
+                    <a:noFill/>
+                  </a:rPr>
+                  <a:t> </a:t>
+                </a:r>
+              </a:p>
+            </p:txBody>
+          </p:sp>
+        </mc:Fallback>
+      </mc:AlternateContent>
+      <mc:AlternateContent xmlns:mc="http://schemas.openxmlformats.org/markup-compatibility/2006">
+        <mc:Choice xmlns:a14="http://schemas.microsoft.com/office/drawing/2010/main" Requires="a14">
+          <p:sp>
+            <p:nvSpPr>
+              <p:cNvPr id="19" name="テキスト ボックス 18">
+                <a:extLst>
+                  <a:ext uri="{FF2B5EF4-FFF2-40B4-BE49-F238E27FC236}">
+                    <a16:creationId xmlns:a16="http://schemas.microsoft.com/office/drawing/2014/main" id="{1FC44D41-AF36-8819-4239-41544C10B296}"/>
+                  </a:ext>
+                </a:extLst>
+              </p:cNvPr>
+              <p:cNvSpPr txBox="1"/>
+              <p:nvPr/>
+            </p:nvSpPr>
+            <p:spPr>
+              <a:xfrm>
+                <a:off x="3059832" y="4365104"/>
+                <a:ext cx="456086" cy="615553"/>
+              </a:xfrm>
+              <a:prstGeom prst="rect">
+                <a:avLst/>
+              </a:prstGeom>
+              <a:noFill/>
+            </p:spPr>
+            <p:txBody>
+              <a:bodyPr wrap="none" lIns="0" tIns="0" rIns="0" bIns="0" rtlCol="0">
+                <a:spAutoFit/>
+              </a:bodyPr>
+              <a:lstStyle/>
+              <a:p>
+                <a:pPr/>
+                <a14:m>
+                  <m:oMathPara xmlns:m="http://schemas.openxmlformats.org/officeDocument/2006/math">
+                    <m:oMathParaPr>
+                      <m:jc m:val="centerGroup"/>
+                    </m:oMathParaPr>
+                    <m:oMath xmlns:m="http://schemas.openxmlformats.org/officeDocument/2006/math">
+                      <m:r>
+                        <a:rPr kumimoji="1" lang="en-US" altLang="ja-JP" sz="4000" b="0" i="1" smtClean="0">
+                          <a:latin typeface="Cambria Math" panose="02040503050406030204" pitchFamily="18" charset="0"/>
+                        </a:rPr>
+                        <m:t>𝐸</m:t>
+                      </m:r>
+                    </m:oMath>
+                  </m:oMathPara>
+                </a14:m>
+                <a:endParaRPr kumimoji="1" lang="ja-JP" altLang="en-US" sz="4000" dirty="0"/>
+              </a:p>
+            </p:txBody>
+          </p:sp>
+        </mc:Choice>
+        <mc:Fallback>
+          <p:sp>
+            <p:nvSpPr>
+              <p:cNvPr id="19" name="テキスト ボックス 18">
+                <a:extLst>
+                  <a:ext uri="{FF2B5EF4-FFF2-40B4-BE49-F238E27FC236}">
+                    <a16:creationId xmlns:a16="http://schemas.microsoft.com/office/drawing/2014/main" id="{1FC44D41-AF36-8819-4239-41544C10B296}"/>
+                  </a:ext>
+                </a:extLst>
+              </p:cNvPr>
+              <p:cNvSpPr txBox="1">
+                <a:spLocks noRot="1" noChangeAspect="1" noMove="1" noResize="1" noEditPoints="1" noAdjustHandles="1" noChangeArrowheads="1" noChangeShapeType="1" noTextEdit="1"/>
+              </p:cNvSpPr>
+              <p:nvPr/>
+            </p:nvSpPr>
+            <p:spPr>
+              <a:xfrm>
+                <a:off x="3059832" y="4365104"/>
+                <a:ext cx="456086" cy="615553"/>
+              </a:xfrm>
+              <a:prstGeom prst="rect">
+                <a:avLst/>
+              </a:prstGeom>
+              <a:blipFill>
+                <a:blip r:embed="rId6"/>
+                <a:stretch>
+                  <a:fillRect/>
+                </a:stretch>
+              </a:blipFill>
+            </p:spPr>
+            <p:txBody>
+              <a:bodyPr/>
+              <a:lstStyle/>
+              <a:p>
+                <a:r>
+                  <a:rPr lang="ja-JP" altLang="en-US">
+                    <a:noFill/>
+                  </a:rPr>
+                  <a:t> </a:t>
+                </a:r>
+              </a:p>
+            </p:txBody>
+          </p:sp>
+        </mc:Fallback>
+      </mc:AlternateContent>
+      <p:sp>
+        <p:nvSpPr>
+          <p:cNvPr id="20" name="矢印: 上 19">
+            <a:extLst>
+              <a:ext uri="{FF2B5EF4-FFF2-40B4-BE49-F238E27FC236}">
+                <a16:creationId xmlns:a16="http://schemas.microsoft.com/office/drawing/2014/main" id="{547A35B5-1536-30D8-0635-A02C708B9CDF}"/>
+              </a:ext>
+            </a:extLst>
+          </p:cNvPr>
+          <p:cNvSpPr/>
+          <p:nvPr/>
+        </p:nvSpPr>
+        <p:spPr>
+          <a:xfrm rot="10800000">
+            <a:off x="2483768" y="3717032"/>
+            <a:ext cx="432048" cy="402344"/>
+          </a:xfrm>
+          <a:prstGeom prst="upArrow">
+            <a:avLst/>
+          </a:prstGeom>
+          <a:solidFill>
+            <a:srgbClr val="FF0000"/>
+          </a:solidFill>
+          <a:ln>
+            <a:solidFill>
+              <a:schemeClr val="tx1"/>
+            </a:solidFill>
+          </a:ln>
+        </p:spPr>
+        <p:txBody>
+          <a:bodyPr wrap="square" rtlCol="0" anchor="ctr">
+            <a:spAutoFit/>
+          </a:bodyPr>
+          <a:lstStyle/>
+          <a:p>
+            <a:pPr algn="ctr"/>
+            <a:endParaRPr kumimoji="1" lang="ja-JP" altLang="en-US" sz="2400" dirty="0"/>
+          </a:p>
+        </p:txBody>
+      </p:sp>
+      <p:sp>
+        <p:nvSpPr>
+          <p:cNvPr id="21" name="矢印: 上 20">
+            <a:extLst>
+              <a:ext uri="{FF2B5EF4-FFF2-40B4-BE49-F238E27FC236}">
+                <a16:creationId xmlns:a16="http://schemas.microsoft.com/office/drawing/2014/main" id="{8A70AA3D-E720-C78A-758C-09A80377189B}"/>
+              </a:ext>
+            </a:extLst>
+          </p:cNvPr>
+          <p:cNvSpPr/>
+          <p:nvPr/>
+        </p:nvSpPr>
+        <p:spPr>
+          <a:xfrm>
+            <a:off x="2483768" y="1916832"/>
+            <a:ext cx="432048" cy="402344"/>
+          </a:xfrm>
+          <a:prstGeom prst="upArrow">
+            <a:avLst/>
+          </a:prstGeom>
+          <a:solidFill>
+            <a:srgbClr val="FF0000"/>
+          </a:solidFill>
+          <a:ln>
+            <a:solidFill>
+              <a:schemeClr val="tx1"/>
+            </a:solidFill>
+          </a:ln>
+        </p:spPr>
+        <p:txBody>
+          <a:bodyPr wrap="square" rtlCol="0" anchor="ctr">
+            <a:spAutoFit/>
+          </a:bodyPr>
+          <a:lstStyle/>
+          <a:p>
+            <a:pPr algn="ctr"/>
+            <a:endParaRPr kumimoji="1" lang="ja-JP" altLang="en-US" sz="2400" dirty="0"/>
+          </a:p>
+        </p:txBody>
+      </p:sp>
+      <p:sp>
+        <p:nvSpPr>
+          <p:cNvPr id="22" name="テキスト ボックス 21">
+            <a:extLst>
+              <a:ext uri="{FF2B5EF4-FFF2-40B4-BE49-F238E27FC236}">
+                <a16:creationId xmlns:a16="http://schemas.microsoft.com/office/drawing/2014/main" id="{311E8A5F-2850-39BC-72B7-673FC3A253EF}"/>
+              </a:ext>
+            </a:extLst>
+          </p:cNvPr>
+          <p:cNvSpPr txBox="1"/>
+          <p:nvPr/>
+        </p:nvSpPr>
+        <p:spPr>
+          <a:xfrm>
+            <a:off x="478430" y="2780928"/>
+            <a:ext cx="1415772" cy="461665"/>
+          </a:xfrm>
+          <a:prstGeom prst="rect">
+            <a:avLst/>
+          </a:prstGeom>
+          <a:noFill/>
+        </p:spPr>
+        <p:txBody>
+          <a:bodyPr wrap="none" rtlCol="0">
+            <a:spAutoFit/>
+          </a:bodyPr>
+          <a:lstStyle/>
+          <a:p>
+            <a:r>
+              <a:rPr kumimoji="1" lang="ja-JP" altLang="en-US" sz="2400"/>
+              <a:t>正準共役</a:t>
+            </a:r>
+            <a:endParaRPr kumimoji="1" lang="ja-JP" altLang="en-US" sz="2400" dirty="0"/>
+          </a:p>
+        </p:txBody>
+      </p:sp>
+      <p:sp>
+        <p:nvSpPr>
+          <p:cNvPr id="25" name="楕円 24">
+            <a:extLst>
+              <a:ext uri="{FF2B5EF4-FFF2-40B4-BE49-F238E27FC236}">
+                <a16:creationId xmlns:a16="http://schemas.microsoft.com/office/drawing/2014/main" id="{BB88A074-6361-12DE-F844-0CF96FADD206}"/>
+              </a:ext>
+            </a:extLst>
+          </p:cNvPr>
+          <p:cNvSpPr/>
+          <p:nvPr/>
+        </p:nvSpPr>
+        <p:spPr>
+          <a:xfrm>
+            <a:off x="5724128" y="2348880"/>
+            <a:ext cx="1152128" cy="1152128"/>
+          </a:xfrm>
+          <a:prstGeom prst="ellipse">
+            <a:avLst/>
+          </a:prstGeom>
+          <a:solidFill>
+            <a:schemeClr val="accent6">
+              <a:lumMod val="40000"/>
+              <a:lumOff val="60000"/>
+            </a:schemeClr>
+          </a:solidFill>
+          <a:ln>
+            <a:noFill/>
+          </a:ln>
+        </p:spPr>
+        <p:txBody>
+          <a:bodyPr wrap="square" rtlCol="0" anchor="ctr">
+            <a:spAutoFit/>
+          </a:bodyPr>
+          <a:lstStyle/>
+          <a:p>
+            <a:pPr algn="ctr"/>
+            <a:endParaRPr kumimoji="1" lang="ja-JP" altLang="en-US" sz="2400" dirty="0"/>
+          </a:p>
+        </p:txBody>
+      </p:sp>
+      <p:grpSp>
+        <p:nvGrpSpPr>
+          <p:cNvPr id="26" name="グループ化 25">
+            <a:extLst>
+              <a:ext uri="{FF2B5EF4-FFF2-40B4-BE49-F238E27FC236}">
+                <a16:creationId xmlns:a16="http://schemas.microsoft.com/office/drawing/2014/main" id="{33A6E442-5724-0B58-A072-3D726E0A14F1}"/>
+              </a:ext>
+            </a:extLst>
+          </p:cNvPr>
+          <p:cNvGrpSpPr/>
+          <p:nvPr/>
+        </p:nvGrpSpPr>
+        <p:grpSpPr>
+          <a:xfrm>
+            <a:off x="5364088" y="4077072"/>
+            <a:ext cx="1152128" cy="1152128"/>
+            <a:chOff x="4499992" y="3429000"/>
+            <a:chExt cx="2160240" cy="2160240"/>
+          </a:xfrm>
+          <a:solidFill>
+            <a:schemeClr val="accent6">
+              <a:lumMod val="40000"/>
+              <a:lumOff val="60000"/>
+            </a:schemeClr>
+          </a:solidFill>
+        </p:grpSpPr>
+        <p:sp>
+          <p:nvSpPr>
+            <p:cNvPr id="27" name="弦 26">
+              <a:extLst>
+                <a:ext uri="{FF2B5EF4-FFF2-40B4-BE49-F238E27FC236}">
+                  <a16:creationId xmlns:a16="http://schemas.microsoft.com/office/drawing/2014/main" id="{5B00E736-355B-B6DF-CE1D-451EED676865}"/>
+                </a:ext>
+              </a:extLst>
+            </p:cNvPr>
+            <p:cNvSpPr/>
+            <p:nvPr/>
+          </p:nvSpPr>
+          <p:spPr>
+            <a:xfrm>
+              <a:off x="4499992" y="3429000"/>
+              <a:ext cx="2160240" cy="2160240"/>
+            </a:xfrm>
+            <a:prstGeom prst="chord">
+              <a:avLst>
+                <a:gd name="adj1" fmla="val 5362734"/>
+                <a:gd name="adj2" fmla="val 16200000"/>
+              </a:avLst>
+            </a:prstGeom>
+            <a:grpFill/>
+            <a:ln>
+              <a:noFill/>
+            </a:ln>
+          </p:spPr>
+          <p:txBody>
+            <a:bodyPr wrap="square" rtlCol="0" anchor="ctr">
+              <a:spAutoFit/>
+            </a:bodyPr>
+            <a:lstStyle/>
+            <a:p>
+              <a:pPr algn="ctr"/>
+              <a:endParaRPr kumimoji="1" lang="ja-JP" altLang="en-US" sz="2400" dirty="0"/>
+            </a:p>
+          </p:txBody>
+        </p:sp>
+        <p:sp>
+          <p:nvSpPr>
+            <p:cNvPr id="28" name="正方形/長方形 27">
+              <a:extLst>
+                <a:ext uri="{FF2B5EF4-FFF2-40B4-BE49-F238E27FC236}">
+                  <a16:creationId xmlns:a16="http://schemas.microsoft.com/office/drawing/2014/main" id="{41055A9E-D687-34DB-6B45-2112AA35870C}"/>
+                </a:ext>
+              </a:extLst>
+            </p:cNvPr>
+            <p:cNvSpPr/>
+            <p:nvPr/>
+          </p:nvSpPr>
+          <p:spPr>
+            <a:xfrm>
+              <a:off x="5580112" y="4149080"/>
+              <a:ext cx="288032" cy="720080"/>
+            </a:xfrm>
+            <a:prstGeom prst="rect">
+              <a:avLst/>
+            </a:prstGeom>
+            <a:grpFill/>
+            <a:ln>
+              <a:noFill/>
+            </a:ln>
+          </p:spPr>
+          <p:txBody>
+            <a:bodyPr wrap="square" rtlCol="0" anchor="ctr">
+              <a:spAutoFit/>
+            </a:bodyPr>
+            <a:lstStyle/>
+            <a:p>
+              <a:pPr algn="ctr"/>
+              <a:endParaRPr kumimoji="1" lang="ja-JP" altLang="en-US" sz="2400" dirty="0"/>
+            </a:p>
+          </p:txBody>
+        </p:sp>
+      </p:grpSp>
+      <p:grpSp>
+        <p:nvGrpSpPr>
+          <p:cNvPr id="29" name="グループ化 28">
+            <a:extLst>
+              <a:ext uri="{FF2B5EF4-FFF2-40B4-BE49-F238E27FC236}">
+                <a16:creationId xmlns:a16="http://schemas.microsoft.com/office/drawing/2014/main" id="{2E6F936D-81DB-7282-37B0-21AAFD359A9A}"/>
+              </a:ext>
+            </a:extLst>
+          </p:cNvPr>
+          <p:cNvGrpSpPr/>
+          <p:nvPr/>
+        </p:nvGrpSpPr>
+        <p:grpSpPr>
+          <a:xfrm>
+            <a:off x="6084168" y="4077072"/>
+            <a:ext cx="1152128" cy="1152128"/>
+            <a:chOff x="5220072" y="3429000"/>
+            <a:chExt cx="2160240" cy="2160240"/>
+          </a:xfrm>
+          <a:solidFill>
+            <a:schemeClr val="accent6">
+              <a:lumMod val="40000"/>
+              <a:lumOff val="60000"/>
+            </a:schemeClr>
+          </a:solidFill>
+        </p:grpSpPr>
+        <p:sp>
+          <p:nvSpPr>
+            <p:cNvPr id="30" name="弦 29">
+              <a:extLst>
+                <a:ext uri="{FF2B5EF4-FFF2-40B4-BE49-F238E27FC236}">
+                  <a16:creationId xmlns:a16="http://schemas.microsoft.com/office/drawing/2014/main" id="{E141E161-89F3-31FE-8ABE-D0DF40E0AC2F}"/>
+                </a:ext>
+              </a:extLst>
+            </p:cNvPr>
+            <p:cNvSpPr/>
+            <p:nvPr/>
+          </p:nvSpPr>
+          <p:spPr>
+            <a:xfrm rot="10800000">
+              <a:off x="5220072" y="3429000"/>
+              <a:ext cx="2160240" cy="2160240"/>
+            </a:xfrm>
+            <a:prstGeom prst="chord">
+              <a:avLst>
+                <a:gd name="adj1" fmla="val 5362734"/>
+                <a:gd name="adj2" fmla="val 16200000"/>
+              </a:avLst>
+            </a:prstGeom>
+            <a:grpFill/>
+            <a:ln>
+              <a:noFill/>
+            </a:ln>
+          </p:spPr>
+          <p:txBody>
+            <a:bodyPr wrap="square" rtlCol="0" anchor="ctr">
+              <a:spAutoFit/>
+            </a:bodyPr>
+            <a:lstStyle/>
+            <a:p>
+              <a:pPr algn="ctr"/>
+              <a:endParaRPr kumimoji="1" lang="ja-JP" altLang="en-US" sz="2400" dirty="0"/>
+            </a:p>
+          </p:txBody>
+        </p:sp>
+        <p:sp>
+          <p:nvSpPr>
+            <p:cNvPr id="31" name="正方形/長方形 30">
+              <a:extLst>
+                <a:ext uri="{FF2B5EF4-FFF2-40B4-BE49-F238E27FC236}">
+                  <a16:creationId xmlns:a16="http://schemas.microsoft.com/office/drawing/2014/main" id="{E5B2689E-0E59-B079-68E3-09D5A6393576}"/>
+                </a:ext>
+              </a:extLst>
+            </p:cNvPr>
+            <p:cNvSpPr/>
+            <p:nvPr/>
+          </p:nvSpPr>
+          <p:spPr>
+            <a:xfrm>
+              <a:off x="6228184" y="4149080"/>
+              <a:ext cx="360040" cy="720080"/>
+            </a:xfrm>
+            <a:prstGeom prst="rect">
+              <a:avLst/>
+            </a:prstGeom>
+            <a:solidFill>
+              <a:schemeClr val="bg1"/>
+            </a:solidFill>
+            <a:ln>
+              <a:noFill/>
+            </a:ln>
+          </p:spPr>
+          <p:txBody>
+            <a:bodyPr wrap="square" rtlCol="0" anchor="ctr">
+              <a:spAutoFit/>
+            </a:bodyPr>
+            <a:lstStyle/>
+            <a:p>
+              <a:pPr algn="ctr"/>
+              <a:endParaRPr kumimoji="1" lang="ja-JP" altLang="en-US" sz="2400" dirty="0"/>
+            </a:p>
+          </p:txBody>
+        </p:sp>
+      </p:grpSp>
+      <p:grpSp>
+        <p:nvGrpSpPr>
+          <p:cNvPr id="32" name="グループ化 31">
+            <a:extLst>
+              <a:ext uri="{FF2B5EF4-FFF2-40B4-BE49-F238E27FC236}">
+                <a16:creationId xmlns:a16="http://schemas.microsoft.com/office/drawing/2014/main" id="{B7267DD4-29A4-D6FC-ADBB-2BB94F533A83}"/>
+              </a:ext>
+            </a:extLst>
+          </p:cNvPr>
+          <p:cNvGrpSpPr/>
+          <p:nvPr/>
+        </p:nvGrpSpPr>
+        <p:grpSpPr>
+          <a:xfrm>
+            <a:off x="5364088" y="836712"/>
+            <a:ext cx="1152128" cy="1152128"/>
+            <a:chOff x="251520" y="4509120"/>
+            <a:chExt cx="2160240" cy="2160240"/>
+          </a:xfrm>
+        </p:grpSpPr>
+        <p:sp>
+          <p:nvSpPr>
+            <p:cNvPr id="33" name="弦 32">
+              <a:extLst>
+                <a:ext uri="{FF2B5EF4-FFF2-40B4-BE49-F238E27FC236}">
+                  <a16:creationId xmlns:a16="http://schemas.microsoft.com/office/drawing/2014/main" id="{D0E3FE99-0A3A-C166-506A-E21D8CE5674D}"/>
+                </a:ext>
+              </a:extLst>
+            </p:cNvPr>
+            <p:cNvSpPr/>
+            <p:nvPr/>
+          </p:nvSpPr>
+          <p:spPr>
+            <a:xfrm>
+              <a:off x="251520" y="4509120"/>
+              <a:ext cx="2160240" cy="2160240"/>
+            </a:xfrm>
+            <a:prstGeom prst="chord">
+              <a:avLst>
+                <a:gd name="adj1" fmla="val 5362734"/>
+                <a:gd name="adj2" fmla="val 16200000"/>
+              </a:avLst>
+            </a:prstGeom>
+            <a:solidFill>
+              <a:schemeClr val="accent6">
+                <a:lumMod val="40000"/>
+                <a:lumOff val="60000"/>
+              </a:schemeClr>
+            </a:solidFill>
+            <a:ln>
+              <a:noFill/>
+            </a:ln>
+          </p:spPr>
+          <p:txBody>
+            <a:bodyPr wrap="square" rtlCol="0" anchor="ctr">
+              <a:spAutoFit/>
+            </a:bodyPr>
+            <a:lstStyle/>
+            <a:p>
+              <a:pPr algn="ctr"/>
+              <a:endParaRPr kumimoji="1" lang="ja-JP" altLang="en-US" sz="2400" dirty="0"/>
+            </a:p>
+          </p:txBody>
+        </p:sp>
+        <p:sp>
+          <p:nvSpPr>
+            <p:cNvPr id="34" name="二等辺三角形 33">
+              <a:extLst>
+                <a:ext uri="{FF2B5EF4-FFF2-40B4-BE49-F238E27FC236}">
+                  <a16:creationId xmlns:a16="http://schemas.microsoft.com/office/drawing/2014/main" id="{470ABCE5-8A44-A568-BB4D-326B8CD246DF}"/>
+                </a:ext>
+              </a:extLst>
+            </p:cNvPr>
+            <p:cNvSpPr/>
+            <p:nvPr/>
+          </p:nvSpPr>
+          <p:spPr>
+            <a:xfrm rot="5400000">
+              <a:off x="935596" y="5337212"/>
+              <a:ext cx="1152128" cy="504056"/>
+            </a:xfrm>
+            <a:prstGeom prst="triangle">
+              <a:avLst/>
+            </a:prstGeom>
+            <a:solidFill>
+              <a:schemeClr val="accent6">
+                <a:lumMod val="40000"/>
+                <a:lumOff val="60000"/>
+              </a:schemeClr>
+            </a:solidFill>
+            <a:ln>
+              <a:noFill/>
+            </a:ln>
+          </p:spPr>
+          <p:txBody>
+            <a:bodyPr wrap="square" rtlCol="0" anchor="ctr">
+              <a:spAutoFit/>
+            </a:bodyPr>
+            <a:lstStyle/>
+            <a:p>
+              <a:pPr algn="ctr"/>
+              <a:endParaRPr kumimoji="1" lang="ja-JP" altLang="en-US" sz="2400" dirty="0"/>
+            </a:p>
+          </p:txBody>
+        </p:sp>
+      </p:grpSp>
+      <p:grpSp>
+        <p:nvGrpSpPr>
+          <p:cNvPr id="35" name="グループ化 34">
+            <a:extLst>
+              <a:ext uri="{FF2B5EF4-FFF2-40B4-BE49-F238E27FC236}">
+                <a16:creationId xmlns:a16="http://schemas.microsoft.com/office/drawing/2014/main" id="{1FF5296B-E6B1-C959-A474-B00E3C3A1A3A}"/>
+              </a:ext>
+            </a:extLst>
+          </p:cNvPr>
+          <p:cNvGrpSpPr/>
+          <p:nvPr/>
+        </p:nvGrpSpPr>
+        <p:grpSpPr>
+          <a:xfrm>
+            <a:off x="6084168" y="836712"/>
+            <a:ext cx="1152128" cy="1152128"/>
+            <a:chOff x="1979711" y="4423724"/>
+            <a:chExt cx="2160240" cy="2160240"/>
+          </a:xfrm>
+          <a:solidFill>
+            <a:schemeClr val="accent6">
+              <a:lumMod val="40000"/>
+              <a:lumOff val="60000"/>
+            </a:schemeClr>
+          </a:solidFill>
+        </p:grpSpPr>
+        <p:sp>
+          <p:nvSpPr>
+            <p:cNvPr id="36" name="弦 35">
+              <a:extLst>
+                <a:ext uri="{FF2B5EF4-FFF2-40B4-BE49-F238E27FC236}">
+                  <a16:creationId xmlns:a16="http://schemas.microsoft.com/office/drawing/2014/main" id="{15D37039-2D73-73F5-8183-24D99C71F56A}"/>
+                </a:ext>
+              </a:extLst>
+            </p:cNvPr>
+            <p:cNvSpPr/>
+            <p:nvPr/>
+          </p:nvSpPr>
+          <p:spPr>
+            <a:xfrm rot="10800000">
+              <a:off x="1979711" y="4423724"/>
+              <a:ext cx="2160240" cy="2160240"/>
+            </a:xfrm>
+            <a:prstGeom prst="chord">
+              <a:avLst>
+                <a:gd name="adj1" fmla="val 5362734"/>
+                <a:gd name="adj2" fmla="val 16200000"/>
+              </a:avLst>
+            </a:prstGeom>
+            <a:grpFill/>
+            <a:ln>
+              <a:noFill/>
+            </a:ln>
+          </p:spPr>
+          <p:txBody>
+            <a:bodyPr wrap="square" rtlCol="0" anchor="ctr">
+              <a:spAutoFit/>
+            </a:bodyPr>
+            <a:lstStyle/>
+            <a:p>
+              <a:pPr algn="ctr"/>
+              <a:endParaRPr kumimoji="1" lang="ja-JP" altLang="en-US" sz="2400" dirty="0"/>
+            </a:p>
+          </p:txBody>
+        </p:sp>
+        <p:sp>
+          <p:nvSpPr>
+            <p:cNvPr id="37" name="二等辺三角形 36">
+              <a:extLst>
+                <a:ext uri="{FF2B5EF4-FFF2-40B4-BE49-F238E27FC236}">
+                  <a16:creationId xmlns:a16="http://schemas.microsoft.com/office/drawing/2014/main" id="{75F600B8-354A-3B60-95BC-305C7A1CB8DE}"/>
+                </a:ext>
+              </a:extLst>
+            </p:cNvPr>
+            <p:cNvSpPr/>
+            <p:nvPr/>
+          </p:nvSpPr>
+          <p:spPr>
+            <a:xfrm rot="5400000">
+              <a:off x="2627784" y="5150498"/>
+              <a:ext cx="1224136" cy="648072"/>
+            </a:xfrm>
+            <a:prstGeom prst="triangle">
+              <a:avLst/>
+            </a:prstGeom>
+            <a:solidFill>
+              <a:schemeClr val="bg1"/>
+            </a:solidFill>
+            <a:ln>
+              <a:noFill/>
+            </a:ln>
+          </p:spPr>
+          <p:txBody>
+            <a:bodyPr wrap="square" rtlCol="0" anchor="ctr">
+              <a:spAutoFit/>
+            </a:bodyPr>
+            <a:lstStyle/>
+            <a:p>
+              <a:pPr algn="ctr"/>
+              <a:endParaRPr kumimoji="1" lang="ja-JP" altLang="en-US" sz="2400" dirty="0"/>
+            </a:p>
+          </p:txBody>
+        </p:sp>
+      </p:grpSp>
+      <mc:AlternateContent xmlns:mc="http://schemas.openxmlformats.org/markup-compatibility/2006">
+        <mc:Choice xmlns:a14="http://schemas.microsoft.com/office/drawing/2010/main" Requires="a14">
+          <p:sp>
+            <p:nvSpPr>
+              <p:cNvPr id="38" name="テキスト ボックス 37">
+                <a:extLst>
+                  <a:ext uri="{FF2B5EF4-FFF2-40B4-BE49-F238E27FC236}">
+                    <a16:creationId xmlns:a16="http://schemas.microsoft.com/office/drawing/2014/main" id="{58D6E2FF-EB4F-0C30-8A86-8D455BDC75F4}"/>
+                  </a:ext>
+                </a:extLst>
+              </p:cNvPr>
+              <p:cNvSpPr txBox="1"/>
+              <p:nvPr/>
+            </p:nvSpPr>
+            <p:spPr>
+              <a:xfrm>
+                <a:off x="6084168" y="2636912"/>
+                <a:ext cx="399148" cy="615553"/>
+              </a:xfrm>
+              <a:prstGeom prst="rect">
+                <a:avLst/>
+              </a:prstGeom>
+              <a:noFill/>
+            </p:spPr>
+            <p:txBody>
+              <a:bodyPr wrap="none" lIns="0" tIns="0" rIns="0" bIns="0" rtlCol="0">
+                <a:spAutoFit/>
+              </a:bodyPr>
+              <a:lstStyle/>
+              <a:p>
+                <a:pPr/>
+                <a14:m>
+                  <m:oMathPara xmlns:m="http://schemas.openxmlformats.org/officeDocument/2006/math">
+                    <m:oMathParaPr>
+                      <m:jc m:val="centerGroup"/>
+                    </m:oMathParaPr>
+                    <m:oMath xmlns:m="http://schemas.openxmlformats.org/officeDocument/2006/math">
+                      <m:r>
+                        <a:rPr kumimoji="1" lang="en-US" altLang="ja-JP" sz="4000" b="0" i="1" smtClean="0">
+                          <a:latin typeface="Cambria Math" panose="02040503050406030204" pitchFamily="18" charset="0"/>
+                        </a:rPr>
+                        <m:t>4</m:t>
+                      </m:r>
+                    </m:oMath>
+                  </m:oMathPara>
+                </a14:m>
+                <a:endParaRPr kumimoji="1" lang="ja-JP" altLang="en-US" sz="4000" dirty="0"/>
+              </a:p>
+            </p:txBody>
+          </p:sp>
+        </mc:Choice>
+        <mc:Fallback>
+          <p:sp>
+            <p:nvSpPr>
+              <p:cNvPr id="38" name="テキスト ボックス 37">
+                <a:extLst>
+                  <a:ext uri="{FF2B5EF4-FFF2-40B4-BE49-F238E27FC236}">
+                    <a16:creationId xmlns:a16="http://schemas.microsoft.com/office/drawing/2014/main" id="{58D6E2FF-EB4F-0C30-8A86-8D455BDC75F4}"/>
+                  </a:ext>
+                </a:extLst>
+              </p:cNvPr>
+              <p:cNvSpPr txBox="1">
+                <a:spLocks noRot="1" noChangeAspect="1" noMove="1" noResize="1" noEditPoints="1" noAdjustHandles="1" noChangeArrowheads="1" noChangeShapeType="1" noTextEdit="1"/>
+              </p:cNvSpPr>
+              <p:nvPr/>
+            </p:nvSpPr>
+            <p:spPr>
+              <a:xfrm>
+                <a:off x="6084168" y="2636912"/>
+                <a:ext cx="399148" cy="615553"/>
+              </a:xfrm>
+              <a:prstGeom prst="rect">
+                <a:avLst/>
+              </a:prstGeom>
+              <a:blipFill>
+                <a:blip r:embed="rId7"/>
+                <a:stretch>
+                  <a:fillRect/>
+                </a:stretch>
+              </a:blipFill>
+            </p:spPr>
+            <p:txBody>
+              <a:bodyPr/>
+              <a:lstStyle/>
+              <a:p>
+                <a:r>
+                  <a:rPr lang="ja-JP" altLang="en-US">
+                    <a:noFill/>
+                  </a:rPr>
+                  <a:t> </a:t>
+                </a:r>
+              </a:p>
+            </p:txBody>
+          </p:sp>
+        </mc:Fallback>
+      </mc:AlternateContent>
+      <mc:AlternateContent xmlns:mc="http://schemas.openxmlformats.org/markup-compatibility/2006">
+        <mc:Choice xmlns:a14="http://schemas.microsoft.com/office/drawing/2010/main" Requires="a14">
+          <p:sp>
+            <p:nvSpPr>
+              <p:cNvPr id="39" name="テキスト ボックス 38">
+                <a:extLst>
+                  <a:ext uri="{FF2B5EF4-FFF2-40B4-BE49-F238E27FC236}">
+                    <a16:creationId xmlns:a16="http://schemas.microsoft.com/office/drawing/2014/main" id="{635C1A94-8D26-420E-2B63-51BC87A88E96}"/>
+                  </a:ext>
+                </a:extLst>
+              </p:cNvPr>
+              <p:cNvSpPr txBox="1"/>
+              <p:nvPr/>
+            </p:nvSpPr>
+            <p:spPr>
+              <a:xfrm>
+                <a:off x="5124420" y="1197913"/>
+                <a:ext cx="1031756" cy="430887"/>
+              </a:xfrm>
+              <a:prstGeom prst="rect">
+                <a:avLst/>
+              </a:prstGeom>
+              <a:noFill/>
+            </p:spPr>
+            <p:txBody>
+              <a:bodyPr wrap="none" lIns="0" tIns="0" rIns="0" bIns="0" rtlCol="0">
+                <a:spAutoFit/>
+              </a:bodyPr>
+              <a:lstStyle/>
+              <a:p>
+                <a:pPr/>
+                <a14:m>
+                  <m:oMathPara xmlns:m="http://schemas.openxmlformats.org/officeDocument/2006/math">
+                    <m:oMathParaPr>
+                      <m:jc m:val="centerGroup"/>
+                    </m:oMathParaPr>
+                    <m:oMath xmlns:m="http://schemas.openxmlformats.org/officeDocument/2006/math">
+                      <m:r>
+                        <a:rPr kumimoji="1" lang="en-US" altLang="ja-JP" sz="2800" b="0" i="1" smtClean="0">
+                          <a:latin typeface="Cambria Math" panose="02040503050406030204" pitchFamily="18" charset="0"/>
+                        </a:rPr>
+                        <m:t>2+2</m:t>
+                      </m:r>
+                      <m:r>
+                        <a:rPr kumimoji="1" lang="en-US" altLang="ja-JP" sz="2800" b="0" i="1" smtClean="0">
+                          <a:latin typeface="Cambria Math" panose="02040503050406030204" pitchFamily="18" charset="0"/>
+                        </a:rPr>
+                        <m:t>𝑖</m:t>
+                      </m:r>
+                    </m:oMath>
+                  </m:oMathPara>
+                </a14:m>
+                <a:endParaRPr kumimoji="1" lang="ja-JP" altLang="en-US" sz="2800" dirty="0"/>
+              </a:p>
+            </p:txBody>
+          </p:sp>
+        </mc:Choice>
+        <mc:Fallback>
+          <p:sp>
+            <p:nvSpPr>
+              <p:cNvPr id="39" name="テキスト ボックス 38">
+                <a:extLst>
+                  <a:ext uri="{FF2B5EF4-FFF2-40B4-BE49-F238E27FC236}">
+                    <a16:creationId xmlns:a16="http://schemas.microsoft.com/office/drawing/2014/main" id="{635C1A94-8D26-420E-2B63-51BC87A88E96}"/>
+                  </a:ext>
+                </a:extLst>
+              </p:cNvPr>
+              <p:cNvSpPr txBox="1">
+                <a:spLocks noRot="1" noChangeAspect="1" noMove="1" noResize="1" noEditPoints="1" noAdjustHandles="1" noChangeArrowheads="1" noChangeShapeType="1" noTextEdit="1"/>
+              </p:cNvSpPr>
+              <p:nvPr/>
+            </p:nvSpPr>
+            <p:spPr>
+              <a:xfrm>
+                <a:off x="5124420" y="1197913"/>
+                <a:ext cx="1031756" cy="430887"/>
+              </a:xfrm>
+              <a:prstGeom prst="rect">
+                <a:avLst/>
+              </a:prstGeom>
+              <a:blipFill>
+                <a:blip r:embed="rId8"/>
+                <a:stretch>
+                  <a:fillRect/>
+                </a:stretch>
+              </a:blipFill>
+            </p:spPr>
+            <p:txBody>
+              <a:bodyPr/>
+              <a:lstStyle/>
+              <a:p>
+                <a:r>
+                  <a:rPr lang="ja-JP" altLang="en-US">
+                    <a:noFill/>
+                  </a:rPr>
+                  <a:t> </a:t>
+                </a:r>
+              </a:p>
+            </p:txBody>
+          </p:sp>
+        </mc:Fallback>
+      </mc:AlternateContent>
+      <p:sp>
+        <p:nvSpPr>
+          <p:cNvPr id="43" name="矢印: 上 42">
+            <a:extLst>
+              <a:ext uri="{FF2B5EF4-FFF2-40B4-BE49-F238E27FC236}">
+                <a16:creationId xmlns:a16="http://schemas.microsoft.com/office/drawing/2014/main" id="{E0C37CB5-7D37-96D0-61A6-F957B39D1176}"/>
+              </a:ext>
+            </a:extLst>
+          </p:cNvPr>
+          <p:cNvSpPr/>
+          <p:nvPr/>
+        </p:nvSpPr>
+        <p:spPr>
+          <a:xfrm rot="10800000">
+            <a:off x="6084168" y="3645024"/>
+            <a:ext cx="432048" cy="402344"/>
+          </a:xfrm>
+          <a:prstGeom prst="upArrow">
+            <a:avLst/>
+          </a:prstGeom>
+          <a:solidFill>
+            <a:srgbClr val="FF0000"/>
+          </a:solidFill>
+          <a:ln>
+            <a:solidFill>
+              <a:schemeClr val="tx1"/>
+            </a:solidFill>
+          </a:ln>
+        </p:spPr>
+        <p:txBody>
+          <a:bodyPr wrap="square" rtlCol="0" anchor="ctr">
+            <a:spAutoFit/>
+          </a:bodyPr>
+          <a:lstStyle/>
+          <a:p>
+            <a:pPr algn="ctr"/>
+            <a:endParaRPr kumimoji="1" lang="ja-JP" altLang="en-US" sz="2400" dirty="0"/>
+          </a:p>
+        </p:txBody>
+      </p:sp>
+      <p:sp>
+        <p:nvSpPr>
+          <p:cNvPr id="44" name="矢印: 上 43">
+            <a:extLst>
+              <a:ext uri="{FF2B5EF4-FFF2-40B4-BE49-F238E27FC236}">
+                <a16:creationId xmlns:a16="http://schemas.microsoft.com/office/drawing/2014/main" id="{96D4439F-F93A-B203-3430-233BC49C8B59}"/>
+              </a:ext>
+            </a:extLst>
+          </p:cNvPr>
+          <p:cNvSpPr/>
+          <p:nvPr/>
+        </p:nvSpPr>
+        <p:spPr>
+          <a:xfrm>
+            <a:off x="6084168" y="1844824"/>
+            <a:ext cx="432048" cy="402344"/>
+          </a:xfrm>
+          <a:prstGeom prst="upArrow">
+            <a:avLst/>
+          </a:prstGeom>
+          <a:solidFill>
+            <a:srgbClr val="FF0000"/>
+          </a:solidFill>
+          <a:ln>
+            <a:solidFill>
+              <a:schemeClr val="tx1"/>
+            </a:solidFill>
+          </a:ln>
+        </p:spPr>
+        <p:txBody>
+          <a:bodyPr wrap="square" rtlCol="0" anchor="ctr">
+            <a:spAutoFit/>
+          </a:bodyPr>
+          <a:lstStyle/>
+          <a:p>
+            <a:pPr algn="ctr"/>
+            <a:endParaRPr kumimoji="1" lang="ja-JP" altLang="en-US" sz="2400" dirty="0"/>
+          </a:p>
+        </p:txBody>
+      </p:sp>
+      <mc:AlternateContent xmlns:mc="http://schemas.openxmlformats.org/markup-compatibility/2006">
+        <mc:Choice xmlns:a14="http://schemas.microsoft.com/office/drawing/2010/main" Requires="a14">
+          <p:sp>
+            <p:nvSpPr>
+              <p:cNvPr id="45" name="テキスト ボックス 44">
+                <a:extLst>
+                  <a:ext uri="{FF2B5EF4-FFF2-40B4-BE49-F238E27FC236}">
+                    <a16:creationId xmlns:a16="http://schemas.microsoft.com/office/drawing/2014/main" id="{6801C736-FE88-8BC1-3B79-1D470B4865E6}"/>
+                  </a:ext>
+                </a:extLst>
+              </p:cNvPr>
+              <p:cNvSpPr txBox="1"/>
+              <p:nvPr/>
+            </p:nvSpPr>
+            <p:spPr>
+              <a:xfrm>
+                <a:off x="6516216" y="1196752"/>
+                <a:ext cx="1031757" cy="430887"/>
+              </a:xfrm>
+              <a:prstGeom prst="rect">
+                <a:avLst/>
+              </a:prstGeom>
+              <a:noFill/>
+            </p:spPr>
+            <p:txBody>
+              <a:bodyPr wrap="none" lIns="0" tIns="0" rIns="0" bIns="0" rtlCol="0">
+                <a:spAutoFit/>
+              </a:bodyPr>
+              <a:lstStyle/>
+              <a:p>
+                <a:pPr/>
+                <a14:m>
+                  <m:oMathPara xmlns:m="http://schemas.openxmlformats.org/officeDocument/2006/math">
+                    <m:oMathParaPr>
+                      <m:jc m:val="centerGroup"/>
+                    </m:oMathParaPr>
+                    <m:oMath xmlns:m="http://schemas.openxmlformats.org/officeDocument/2006/math">
+                      <m:r>
+                        <a:rPr kumimoji="1" lang="en-US" altLang="ja-JP" sz="2800" b="0" i="1" smtClean="0">
+                          <a:latin typeface="Cambria Math" panose="02040503050406030204" pitchFamily="18" charset="0"/>
+                        </a:rPr>
+                        <m:t>2−2</m:t>
+                      </m:r>
+                      <m:r>
+                        <a:rPr kumimoji="1" lang="en-US" altLang="ja-JP" sz="2800" b="0" i="1" smtClean="0">
+                          <a:latin typeface="Cambria Math" panose="02040503050406030204" pitchFamily="18" charset="0"/>
+                        </a:rPr>
+                        <m:t>𝑖</m:t>
+                      </m:r>
+                    </m:oMath>
+                  </m:oMathPara>
+                </a14:m>
+                <a:endParaRPr kumimoji="1" lang="ja-JP" altLang="en-US" sz="2800" dirty="0"/>
+              </a:p>
+            </p:txBody>
+          </p:sp>
+        </mc:Choice>
+        <mc:Fallback>
+          <p:sp>
+            <p:nvSpPr>
+              <p:cNvPr id="45" name="テキスト ボックス 44">
+                <a:extLst>
+                  <a:ext uri="{FF2B5EF4-FFF2-40B4-BE49-F238E27FC236}">
+                    <a16:creationId xmlns:a16="http://schemas.microsoft.com/office/drawing/2014/main" id="{6801C736-FE88-8BC1-3B79-1D470B4865E6}"/>
+                  </a:ext>
+                </a:extLst>
+              </p:cNvPr>
+              <p:cNvSpPr txBox="1">
+                <a:spLocks noRot="1" noChangeAspect="1" noMove="1" noResize="1" noEditPoints="1" noAdjustHandles="1" noChangeArrowheads="1" noChangeShapeType="1" noTextEdit="1"/>
+              </p:cNvSpPr>
+              <p:nvPr/>
+            </p:nvSpPr>
+            <p:spPr>
+              <a:xfrm>
+                <a:off x="6516216" y="1196752"/>
+                <a:ext cx="1031757" cy="430887"/>
+              </a:xfrm>
+              <a:prstGeom prst="rect">
+                <a:avLst/>
+              </a:prstGeom>
+              <a:blipFill>
+                <a:blip r:embed="rId9"/>
+                <a:stretch>
+                  <a:fillRect/>
+                </a:stretch>
+              </a:blipFill>
+            </p:spPr>
+            <p:txBody>
+              <a:bodyPr/>
+              <a:lstStyle/>
+              <a:p>
+                <a:r>
+                  <a:rPr lang="ja-JP" altLang="en-US">
+                    <a:noFill/>
+                  </a:rPr>
+                  <a:t> </a:t>
+                </a:r>
+              </a:p>
+            </p:txBody>
+          </p:sp>
+        </mc:Fallback>
+      </mc:AlternateContent>
+      <mc:AlternateContent xmlns:mc="http://schemas.openxmlformats.org/markup-compatibility/2006">
+        <mc:Choice xmlns:a14="http://schemas.microsoft.com/office/drawing/2010/main" Requires="a14">
+          <p:sp>
+            <p:nvSpPr>
+              <p:cNvPr id="46" name="テキスト ボックス 45">
+                <a:extLst>
+                  <a:ext uri="{FF2B5EF4-FFF2-40B4-BE49-F238E27FC236}">
+                    <a16:creationId xmlns:a16="http://schemas.microsoft.com/office/drawing/2014/main" id="{9B71421E-CD5C-AE9A-A784-5BBFDAD193D3}"/>
+                  </a:ext>
+                </a:extLst>
+              </p:cNvPr>
+              <p:cNvSpPr txBox="1"/>
+              <p:nvPr/>
+            </p:nvSpPr>
+            <p:spPr>
+              <a:xfrm>
+                <a:off x="4888586" y="4459561"/>
+                <a:ext cx="1267591" cy="481607"/>
+              </a:xfrm>
+              <a:prstGeom prst="rect">
+                <a:avLst/>
+              </a:prstGeom>
+              <a:noFill/>
+            </p:spPr>
+            <p:txBody>
+              <a:bodyPr wrap="none" lIns="0" tIns="0" rIns="0" bIns="0" rtlCol="0">
+                <a:spAutoFit/>
+              </a:bodyPr>
+              <a:lstStyle/>
+              <a:p>
+                <a:pPr/>
+                <a14:m>
+                  <m:oMathPara xmlns:m="http://schemas.openxmlformats.org/officeDocument/2006/math">
+                    <m:oMathParaPr>
+                      <m:jc m:val="centerGroup"/>
+                    </m:oMathParaPr>
+                    <m:oMath xmlns:m="http://schemas.openxmlformats.org/officeDocument/2006/math">
+                      <m:r>
+                        <a:rPr lang="en-US" altLang="ja-JP" sz="2800" i="1">
+                          <a:latin typeface="Cambria Math" panose="02040503050406030204" pitchFamily="18" charset="0"/>
+                        </a:rPr>
+                        <m:t>1</m:t>
+                      </m:r>
+                      <m:r>
+                        <a:rPr kumimoji="1" lang="en-US" altLang="ja-JP" sz="2800" b="0" i="1" smtClean="0">
+                          <a:latin typeface="Cambria Math" panose="02040503050406030204" pitchFamily="18" charset="0"/>
+                        </a:rPr>
+                        <m:t>+</m:t>
+                      </m:r>
+                      <m:rad>
+                        <m:radPr>
+                          <m:degHide m:val="on"/>
+                          <m:ctrlPr>
+                            <a:rPr kumimoji="1" lang="en-US" altLang="ja-JP" sz="2800" b="0" i="1" smtClean="0">
+                              <a:latin typeface="Cambria Math" panose="02040503050406030204" pitchFamily="18" charset="0"/>
+                            </a:rPr>
+                          </m:ctrlPr>
+                        </m:radPr>
+                        <m:deg/>
+                        <m:e>
+                          <m:r>
+                            <a:rPr kumimoji="1" lang="en-US" altLang="ja-JP" sz="2800" b="0" i="1" smtClean="0">
+                              <a:latin typeface="Cambria Math" panose="02040503050406030204" pitchFamily="18" charset="0"/>
+                            </a:rPr>
+                            <m:t>3</m:t>
+                          </m:r>
+                        </m:e>
+                      </m:rad>
+                      <m:r>
+                        <a:rPr kumimoji="1" lang="en-US" altLang="ja-JP" sz="2800" b="0" i="1" smtClean="0">
+                          <a:latin typeface="Cambria Math" panose="02040503050406030204" pitchFamily="18" charset="0"/>
+                        </a:rPr>
+                        <m:t>𝑖</m:t>
+                      </m:r>
+                    </m:oMath>
+                  </m:oMathPara>
+                </a14:m>
+                <a:endParaRPr kumimoji="1" lang="ja-JP" altLang="en-US" sz="2800" dirty="0"/>
+              </a:p>
+            </p:txBody>
+          </p:sp>
+        </mc:Choice>
+        <mc:Fallback>
+          <p:sp>
+            <p:nvSpPr>
+              <p:cNvPr id="46" name="テキスト ボックス 45">
+                <a:extLst>
+                  <a:ext uri="{FF2B5EF4-FFF2-40B4-BE49-F238E27FC236}">
+                    <a16:creationId xmlns:a16="http://schemas.microsoft.com/office/drawing/2014/main" id="{9B71421E-CD5C-AE9A-A784-5BBFDAD193D3}"/>
+                  </a:ext>
+                </a:extLst>
+              </p:cNvPr>
+              <p:cNvSpPr txBox="1">
+                <a:spLocks noRot="1" noChangeAspect="1" noMove="1" noResize="1" noEditPoints="1" noAdjustHandles="1" noChangeArrowheads="1" noChangeShapeType="1" noTextEdit="1"/>
+              </p:cNvSpPr>
+              <p:nvPr/>
+            </p:nvSpPr>
+            <p:spPr>
+              <a:xfrm>
+                <a:off x="4888586" y="4459561"/>
+                <a:ext cx="1267591" cy="481607"/>
+              </a:xfrm>
+              <a:prstGeom prst="rect">
+                <a:avLst/>
+              </a:prstGeom>
+              <a:blipFill>
+                <a:blip r:embed="rId10"/>
+                <a:stretch>
+                  <a:fillRect/>
+                </a:stretch>
+              </a:blipFill>
+            </p:spPr>
+            <p:txBody>
+              <a:bodyPr/>
+              <a:lstStyle/>
+              <a:p>
+                <a:r>
+                  <a:rPr lang="ja-JP" altLang="en-US">
+                    <a:noFill/>
+                  </a:rPr>
+                  <a:t> </a:t>
+                </a:r>
+              </a:p>
+            </p:txBody>
+          </p:sp>
+        </mc:Fallback>
+      </mc:AlternateContent>
+      <mc:AlternateContent xmlns:mc="http://schemas.openxmlformats.org/markup-compatibility/2006">
+        <mc:Choice xmlns:a14="http://schemas.microsoft.com/office/drawing/2010/main" Requires="a14">
+          <p:sp>
+            <p:nvSpPr>
+              <p:cNvPr id="48" name="テキスト ボックス 47">
+                <a:extLst>
+                  <a:ext uri="{FF2B5EF4-FFF2-40B4-BE49-F238E27FC236}">
+                    <a16:creationId xmlns:a16="http://schemas.microsoft.com/office/drawing/2014/main" id="{E3BE9195-E34F-0740-5BA9-93CE40298C71}"/>
+                  </a:ext>
+                </a:extLst>
+              </p:cNvPr>
+              <p:cNvSpPr txBox="1"/>
+              <p:nvPr/>
+            </p:nvSpPr>
+            <p:spPr>
+              <a:xfrm>
+                <a:off x="6588224" y="4437112"/>
+                <a:ext cx="1267591" cy="481607"/>
+              </a:xfrm>
+              <a:prstGeom prst="rect">
+                <a:avLst/>
+              </a:prstGeom>
+              <a:noFill/>
+            </p:spPr>
+            <p:txBody>
+              <a:bodyPr wrap="none" lIns="0" tIns="0" rIns="0" bIns="0" rtlCol="0">
+                <a:spAutoFit/>
+              </a:bodyPr>
+              <a:lstStyle/>
+              <a:p>
+                <a:pPr/>
+                <a14:m>
+                  <m:oMathPara xmlns:m="http://schemas.openxmlformats.org/officeDocument/2006/math">
+                    <m:oMathParaPr>
+                      <m:jc m:val="centerGroup"/>
+                    </m:oMathParaPr>
+                    <m:oMath xmlns:m="http://schemas.openxmlformats.org/officeDocument/2006/math">
+                      <m:r>
+                        <a:rPr lang="en-US" altLang="ja-JP" sz="2800" i="1" smtClean="0">
+                          <a:latin typeface="Cambria Math" panose="02040503050406030204" pitchFamily="18" charset="0"/>
+                        </a:rPr>
+                        <m:t>1</m:t>
+                      </m:r>
+                      <m:r>
+                        <a:rPr lang="en-US" altLang="ja-JP" sz="2800" b="0" i="1" smtClean="0">
+                          <a:latin typeface="Cambria Math" panose="02040503050406030204" pitchFamily="18" charset="0"/>
+                        </a:rPr>
+                        <m:t>−</m:t>
+                      </m:r>
+                      <m:rad>
+                        <m:radPr>
+                          <m:degHide m:val="on"/>
+                          <m:ctrlPr>
+                            <a:rPr kumimoji="1" lang="en-US" altLang="ja-JP" sz="2800" b="0" i="1" smtClean="0">
+                              <a:latin typeface="Cambria Math" panose="02040503050406030204" pitchFamily="18" charset="0"/>
+                            </a:rPr>
+                          </m:ctrlPr>
+                        </m:radPr>
+                        <m:deg/>
+                        <m:e>
+                          <m:r>
+                            <a:rPr kumimoji="1" lang="en-US" altLang="ja-JP" sz="2800" b="0" i="1" smtClean="0">
+                              <a:latin typeface="Cambria Math" panose="02040503050406030204" pitchFamily="18" charset="0"/>
+                            </a:rPr>
+                            <m:t>3</m:t>
+                          </m:r>
+                        </m:e>
+                      </m:rad>
+                      <m:r>
+                        <a:rPr kumimoji="1" lang="en-US" altLang="ja-JP" sz="2800" b="0" i="1" smtClean="0">
+                          <a:latin typeface="Cambria Math" panose="02040503050406030204" pitchFamily="18" charset="0"/>
+                        </a:rPr>
+                        <m:t>𝑖</m:t>
+                      </m:r>
+                    </m:oMath>
+                  </m:oMathPara>
+                </a14:m>
+                <a:endParaRPr kumimoji="1" lang="ja-JP" altLang="en-US" sz="2800" dirty="0"/>
+              </a:p>
+            </p:txBody>
+          </p:sp>
+        </mc:Choice>
+        <mc:Fallback>
+          <p:sp>
+            <p:nvSpPr>
+              <p:cNvPr id="48" name="テキスト ボックス 47">
+                <a:extLst>
+                  <a:ext uri="{FF2B5EF4-FFF2-40B4-BE49-F238E27FC236}">
+                    <a16:creationId xmlns:a16="http://schemas.microsoft.com/office/drawing/2014/main" id="{E3BE9195-E34F-0740-5BA9-93CE40298C71}"/>
+                  </a:ext>
+                </a:extLst>
+              </p:cNvPr>
+              <p:cNvSpPr txBox="1">
+                <a:spLocks noRot="1" noChangeAspect="1" noMove="1" noResize="1" noEditPoints="1" noAdjustHandles="1" noChangeArrowheads="1" noChangeShapeType="1" noTextEdit="1"/>
+              </p:cNvSpPr>
+              <p:nvPr/>
+            </p:nvSpPr>
+            <p:spPr>
+              <a:xfrm>
+                <a:off x="6588224" y="4437112"/>
+                <a:ext cx="1267591" cy="481607"/>
+              </a:xfrm>
+              <a:prstGeom prst="rect">
+                <a:avLst/>
+              </a:prstGeom>
+              <a:blipFill>
+                <a:blip r:embed="rId11"/>
+                <a:stretch>
+                  <a:fillRect/>
+                </a:stretch>
+              </a:blipFill>
+            </p:spPr>
+            <p:txBody>
+              <a:bodyPr/>
+              <a:lstStyle/>
+              <a:p>
+                <a:r>
+                  <a:rPr lang="ja-JP" altLang="en-US">
+                    <a:noFill/>
+                  </a:rPr>
+                  <a:t> </a:t>
+                </a:r>
+              </a:p>
+            </p:txBody>
+          </p:sp>
+        </mc:Fallback>
+      </mc:AlternateContent>
+      <p:sp>
+        <p:nvSpPr>
+          <p:cNvPr id="49" name="テキスト ボックス 48">
+            <a:extLst>
+              <a:ext uri="{FF2B5EF4-FFF2-40B4-BE49-F238E27FC236}">
+                <a16:creationId xmlns:a16="http://schemas.microsoft.com/office/drawing/2014/main" id="{A294515C-1446-1272-8D8E-02DAAAC385E8}"/>
+              </a:ext>
+            </a:extLst>
+          </p:cNvPr>
+          <p:cNvSpPr txBox="1"/>
+          <p:nvPr/>
+        </p:nvSpPr>
+        <p:spPr>
+          <a:xfrm>
+            <a:off x="7092280" y="2636912"/>
+            <a:ext cx="1415772" cy="461665"/>
+          </a:xfrm>
+          <a:prstGeom prst="rect">
+            <a:avLst/>
+          </a:prstGeom>
+          <a:noFill/>
+        </p:spPr>
+        <p:txBody>
+          <a:bodyPr wrap="none" rtlCol="0">
+            <a:spAutoFit/>
+          </a:bodyPr>
+          <a:lstStyle/>
+          <a:p>
+            <a:r>
+              <a:rPr lang="ja-JP" altLang="en-US" sz="2400"/>
+              <a:t>複素</a:t>
+            </a:r>
+            <a:r>
+              <a:rPr kumimoji="1" lang="ja-JP" altLang="en-US" sz="2400"/>
+              <a:t>共役</a:t>
+            </a:r>
+            <a:endParaRPr kumimoji="1" lang="ja-JP" altLang="en-US" sz="2400" dirty="0"/>
+          </a:p>
+        </p:txBody>
+      </p:sp>
+    </p:spTree>
+    <p:extLst>
+      <p:ext uri="{BB962C8B-B14F-4D97-AF65-F5344CB8AC3E}">
+        <p14:creationId xmlns:p14="http://schemas.microsoft.com/office/powerpoint/2010/main" val="658783392"/>
+      </p:ext>
+    </p:extLst>
+  </p:cSld>
+  <p:clrMapOvr>
+    <a:masterClrMapping/>
+  </p:clrMapOvr>
+</p:sld>
+</file>
+
+<file path=ppt/slides/slide4.xml><?xml version="1.0" encoding="utf-8"?>
+<p:sld xmlns:a="http://schemas.openxmlformats.org/drawingml/2006/main" xmlns:r="http://schemas.openxmlformats.org/officeDocument/2006/relationships" xmlns:p="http://schemas.openxmlformats.org/presentationml/2006/main">
+  <p:cSld>
+    <p:spTree>
+      <p:nvGrpSpPr>
+        <p:cNvPr id="1" name=""/>
+        <p:cNvGrpSpPr/>
+        <p:nvPr/>
+      </p:nvGrpSpPr>
+      <p:grpSpPr>
+        <a:xfrm>
+          <a:off x="0" y="0"/>
+          <a:ext cx="0" cy="0"/>
+          <a:chOff x="0" y="0"/>
+          <a:chExt cx="0" cy="0"/>
+        </a:xfrm>
+      </p:grpSpPr>
+      <mc:AlternateContent xmlns:mc="http://schemas.openxmlformats.org/markup-compatibility/2006">
+        <mc:Choice xmlns:a14="http://schemas.microsoft.com/office/drawing/2010/main" Requires="a14">
+          <p:sp>
+            <p:nvSpPr>
+              <p:cNvPr id="2" name="テキスト ボックス 1">
+                <a:extLst>
+                  <a:ext uri="{FF2B5EF4-FFF2-40B4-BE49-F238E27FC236}">
+                    <a16:creationId xmlns:a16="http://schemas.microsoft.com/office/drawing/2014/main" id="{FF1FE777-6C8C-C67D-393E-989326DD35FF}"/>
+                  </a:ext>
+                </a:extLst>
+              </p:cNvPr>
+              <p:cNvSpPr txBox="1"/>
+              <p:nvPr/>
+            </p:nvSpPr>
+            <p:spPr>
+              <a:xfrm>
+                <a:off x="4355976" y="1124744"/>
+                <a:ext cx="4115807" cy="1369799"/>
+              </a:xfrm>
+              <a:prstGeom prst="rect">
+                <a:avLst/>
+              </a:prstGeom>
+              <a:noFill/>
+            </p:spPr>
+            <p:txBody>
+              <a:bodyPr wrap="none" lIns="0" tIns="0" rIns="0" bIns="0" rtlCol="0">
+                <a:spAutoFit/>
+              </a:bodyPr>
+              <a:lstStyle/>
+              <a:p>
+                <a:pPr/>
+                <a14:m>
+                  <m:oMathPara xmlns:m="http://schemas.openxmlformats.org/officeDocument/2006/math">
+                    <m:oMathParaPr>
+                      <m:jc m:val="centerGroup"/>
+                    </m:oMathParaPr>
+                    <m:oMath xmlns:m="http://schemas.openxmlformats.org/officeDocument/2006/math">
+                      <m:d>
+                        <m:dPr>
+                          <m:begChr m:val="["/>
+                          <m:endChr m:val="]"/>
+                          <m:ctrlPr>
+                            <a:rPr kumimoji="1" lang="en-US" altLang="ja-JP" sz="4000" b="0" i="1" smtClean="0">
+                              <a:latin typeface="Cambria Math" panose="02040503050406030204" pitchFamily="18" charset="0"/>
+                            </a:rPr>
+                          </m:ctrlPr>
+                        </m:dPr>
+                        <m:e>
+                          <m:r>
+                            <a:rPr kumimoji="1" lang="en-US" altLang="ja-JP" sz="4000" b="0" i="1" smtClean="0">
+                              <a:latin typeface="Cambria Math" panose="02040503050406030204" pitchFamily="18" charset="0"/>
+                            </a:rPr>
+                            <m:t>𝑝</m:t>
+                          </m:r>
+                        </m:e>
+                      </m:d>
+                      <m:r>
+                        <a:rPr kumimoji="1" lang="en-US" altLang="ja-JP" sz="4000" b="0" i="1" smtClean="0">
+                          <a:latin typeface="Cambria Math" panose="02040503050406030204" pitchFamily="18" charset="0"/>
+                        </a:rPr>
+                        <m:t>=</m:t>
+                      </m:r>
+                      <m:d>
+                        <m:dPr>
+                          <m:begChr m:val="["/>
+                          <m:endChr m:val="]"/>
+                          <m:ctrlPr>
+                            <a:rPr lang="en-US" altLang="ja-JP" sz="4000" i="1">
+                              <a:latin typeface="Cambria Math" panose="02040503050406030204" pitchFamily="18" charset="0"/>
+                            </a:rPr>
+                          </m:ctrlPr>
+                        </m:dPr>
+                        <m:e>
+                          <m:f>
+                            <m:fPr>
+                              <m:ctrlPr>
+                                <a:rPr lang="en-US" altLang="ja-JP" sz="4000" i="1">
+                                  <a:latin typeface="Cambria Math" panose="02040503050406030204" pitchFamily="18" charset="0"/>
+                                </a:rPr>
+                              </m:ctrlPr>
+                            </m:fPr>
+                            <m:num>
+                              <m:r>
+                                <a:rPr lang="en-US" altLang="ja-JP" sz="4000" i="1">
+                                  <a:latin typeface="Cambria Math" panose="02040503050406030204" pitchFamily="18" charset="0"/>
+                                </a:rPr>
+                                <m:t>𝜕</m:t>
+                              </m:r>
+                              <m:r>
+                                <a:rPr lang="en-US" altLang="ja-JP" sz="4000" i="1">
+                                  <a:latin typeface="Cambria Math" panose="02040503050406030204" pitchFamily="18" charset="0"/>
+                                </a:rPr>
+                                <m:t>𝐿</m:t>
+                              </m:r>
+                            </m:num>
+                            <m:den>
+                              <m:r>
+                                <a:rPr lang="en-US" altLang="ja-JP" sz="4000" i="1">
+                                  <a:latin typeface="Cambria Math" panose="02040503050406030204" pitchFamily="18" charset="0"/>
+                                </a:rPr>
+                                <m:t>𝜕</m:t>
+                              </m:r>
+                              <m:acc>
+                                <m:accPr>
+                                  <m:chr m:val="̇"/>
+                                  <m:ctrlPr>
+                                    <a:rPr lang="en-US" altLang="ja-JP" sz="4000" i="1">
+                                      <a:latin typeface="Cambria Math" panose="02040503050406030204" pitchFamily="18" charset="0"/>
+                                    </a:rPr>
+                                  </m:ctrlPr>
+                                </m:accPr>
+                                <m:e>
+                                  <m:r>
+                                    <a:rPr lang="en-US" altLang="ja-JP" sz="4000" i="1">
+                                      <a:latin typeface="Cambria Math" panose="02040503050406030204" pitchFamily="18" charset="0"/>
+                                    </a:rPr>
+                                    <m:t>𝑞</m:t>
+                                  </m:r>
+                                </m:e>
+                              </m:acc>
+                            </m:den>
+                          </m:f>
+                        </m:e>
+                      </m:d>
+                      <m:r>
+                        <a:rPr lang="en-US" altLang="ja-JP" sz="4000" b="0" i="1" smtClean="0">
+                          <a:latin typeface="Cambria Math" panose="02040503050406030204" pitchFamily="18" charset="0"/>
+                        </a:rPr>
+                        <m:t>=</m:t>
+                      </m:r>
+                      <m:d>
+                        <m:dPr>
+                          <m:begChr m:val="["/>
+                          <m:endChr m:val="]"/>
+                          <m:ctrlPr>
+                            <a:rPr lang="en-US" altLang="ja-JP" sz="4000" i="1">
+                              <a:latin typeface="Cambria Math" panose="02040503050406030204" pitchFamily="18" charset="0"/>
+                            </a:rPr>
+                          </m:ctrlPr>
+                        </m:dPr>
+                        <m:e>
+                          <m:f>
+                            <m:fPr>
+                              <m:ctrlPr>
+                                <a:rPr lang="en-US" altLang="ja-JP" sz="4000" b="0" i="1" smtClean="0">
+                                  <a:latin typeface="Cambria Math" panose="02040503050406030204" pitchFamily="18" charset="0"/>
+                                </a:rPr>
+                              </m:ctrlPr>
+                            </m:fPr>
+                            <m:num>
+                              <m:r>
+                                <a:rPr lang="en-US" altLang="ja-JP" sz="4000" b="0" i="1" smtClean="0">
+                                  <a:latin typeface="Cambria Math" panose="02040503050406030204" pitchFamily="18" charset="0"/>
+                                </a:rPr>
+                                <m:t>𝐸𝑇</m:t>
+                              </m:r>
+                            </m:num>
+                            <m:den>
+                              <m:r>
+                                <a:rPr lang="en-US" altLang="ja-JP" sz="4000" b="0" i="1" smtClean="0">
+                                  <a:latin typeface="Cambria Math" panose="02040503050406030204" pitchFamily="18" charset="0"/>
+                                </a:rPr>
+                                <m:t>𝑄</m:t>
+                              </m:r>
+                            </m:den>
+                          </m:f>
+                        </m:e>
+                      </m:d>
+                    </m:oMath>
+                  </m:oMathPara>
+                </a14:m>
+                <a:endParaRPr kumimoji="1" lang="ja-JP" altLang="en-US" sz="4000" dirty="0"/>
+              </a:p>
+            </p:txBody>
+          </p:sp>
+        </mc:Choice>
+        <mc:Fallback>
+          <p:sp>
+            <p:nvSpPr>
+              <p:cNvPr id="2" name="テキスト ボックス 1">
+                <a:extLst>
+                  <a:ext uri="{FF2B5EF4-FFF2-40B4-BE49-F238E27FC236}">
+                    <a16:creationId xmlns:a16="http://schemas.microsoft.com/office/drawing/2014/main" id="{FF1FE777-6C8C-C67D-393E-989326DD35FF}"/>
+                  </a:ext>
+                </a:extLst>
+              </p:cNvPr>
+              <p:cNvSpPr txBox="1">
+                <a:spLocks noRot="1" noChangeAspect="1" noMove="1" noResize="1" noEditPoints="1" noAdjustHandles="1" noChangeArrowheads="1" noChangeShapeType="1" noTextEdit="1"/>
+              </p:cNvSpPr>
+              <p:nvPr/>
+            </p:nvSpPr>
+            <p:spPr>
+              <a:xfrm>
+                <a:off x="4355976" y="1124744"/>
+                <a:ext cx="4115807" cy="1369799"/>
+              </a:xfrm>
+              <a:prstGeom prst="rect">
+                <a:avLst/>
+              </a:prstGeom>
+              <a:blipFill>
+                <a:blip r:embed="rId2"/>
+                <a:stretch>
+                  <a:fillRect/>
+                </a:stretch>
+              </a:blipFill>
+            </p:spPr>
+            <p:txBody>
+              <a:bodyPr/>
+              <a:lstStyle/>
+              <a:p>
+                <a:r>
+                  <a:rPr lang="ja-JP" altLang="en-US">
+                    <a:noFill/>
+                  </a:rPr>
+                  <a:t> </a:t>
+                </a:r>
+              </a:p>
+            </p:txBody>
+          </p:sp>
+        </mc:Fallback>
+      </mc:AlternateContent>
+      <mc:AlternateContent xmlns:mc="http://schemas.openxmlformats.org/markup-compatibility/2006">
+        <mc:Choice xmlns:a14="http://schemas.microsoft.com/office/drawing/2010/main" Requires="a14">
+          <p:sp>
+            <p:nvSpPr>
+              <p:cNvPr id="4" name="テキスト ボックス 3">
+                <a:extLst>
+                  <a:ext uri="{FF2B5EF4-FFF2-40B4-BE49-F238E27FC236}">
+                    <a16:creationId xmlns:a16="http://schemas.microsoft.com/office/drawing/2014/main" id="{6F949E42-2704-6BA9-B36F-AE16CD1B92F1}"/>
+                  </a:ext>
+                </a:extLst>
+              </p:cNvPr>
+              <p:cNvSpPr txBox="1"/>
+              <p:nvPr/>
+            </p:nvSpPr>
+            <p:spPr>
+              <a:xfrm>
+                <a:off x="1150274" y="653207"/>
+                <a:ext cx="2188869" cy="1369799"/>
+              </a:xfrm>
+              <a:prstGeom prst="rect">
+                <a:avLst/>
+              </a:prstGeom>
+              <a:noFill/>
+            </p:spPr>
+            <p:txBody>
+              <a:bodyPr wrap="none" lIns="0" tIns="0" rIns="0" bIns="0" rtlCol="0">
+                <a:spAutoFit/>
+              </a:bodyPr>
+              <a:lstStyle/>
+              <a:p>
+                <a:pPr/>
+                <a14:m>
+                  <m:oMathPara xmlns:m="http://schemas.openxmlformats.org/officeDocument/2006/math">
+                    <m:oMathParaPr>
+                      <m:jc m:val="centerGroup"/>
+                    </m:oMathParaPr>
+                    <m:oMath xmlns:m="http://schemas.openxmlformats.org/officeDocument/2006/math">
+                      <m:d>
+                        <m:dPr>
+                          <m:begChr m:val="["/>
+                          <m:endChr m:val="]"/>
+                          <m:ctrlPr>
+                            <a:rPr kumimoji="1" lang="en-US" altLang="ja-JP" sz="4000" b="0" i="1" smtClean="0">
+                              <a:latin typeface="Cambria Math" panose="02040503050406030204" pitchFamily="18" charset="0"/>
+                            </a:rPr>
+                          </m:ctrlPr>
+                        </m:dPr>
+                        <m:e>
+                          <m:acc>
+                            <m:accPr>
+                              <m:chr m:val="̇"/>
+                              <m:ctrlPr>
+                                <a:rPr kumimoji="1" lang="en-US" altLang="ja-JP" sz="4000" b="0" i="1" smtClean="0">
+                                  <a:latin typeface="Cambria Math" panose="02040503050406030204" pitchFamily="18" charset="0"/>
+                                </a:rPr>
+                              </m:ctrlPr>
+                            </m:accPr>
+                            <m:e>
+                              <m:r>
+                                <a:rPr kumimoji="1" lang="en-US" altLang="ja-JP" sz="4000" b="0" i="1" smtClean="0">
+                                  <a:latin typeface="Cambria Math" panose="02040503050406030204" pitchFamily="18" charset="0"/>
+                                </a:rPr>
+                                <m:t>𝑞</m:t>
+                              </m:r>
+                            </m:e>
+                          </m:acc>
+                        </m:e>
+                      </m:d>
+                      <m:r>
+                        <a:rPr kumimoji="1" lang="en-US" altLang="ja-JP" sz="4000" b="0" i="1" smtClean="0">
+                          <a:latin typeface="Cambria Math" panose="02040503050406030204" pitchFamily="18" charset="0"/>
+                        </a:rPr>
+                        <m:t>=</m:t>
+                      </m:r>
+                      <m:d>
+                        <m:dPr>
+                          <m:begChr m:val="["/>
+                          <m:endChr m:val="]"/>
+                          <m:ctrlPr>
+                            <a:rPr lang="en-US" altLang="ja-JP" sz="4000" i="1">
+                              <a:latin typeface="Cambria Math" panose="02040503050406030204" pitchFamily="18" charset="0"/>
+                            </a:rPr>
+                          </m:ctrlPr>
+                        </m:dPr>
+                        <m:e>
+                          <m:f>
+                            <m:fPr>
+                              <m:ctrlPr>
+                                <a:rPr lang="en-US" altLang="ja-JP" sz="4000" b="0" i="1" smtClean="0">
+                                  <a:latin typeface="Cambria Math" panose="02040503050406030204" pitchFamily="18" charset="0"/>
+                                </a:rPr>
+                              </m:ctrlPr>
+                            </m:fPr>
+                            <m:num>
+                              <m:r>
+                                <a:rPr lang="en-US" altLang="ja-JP" sz="4000" b="0" i="1" smtClean="0">
+                                  <a:latin typeface="Cambria Math" panose="02040503050406030204" pitchFamily="18" charset="0"/>
+                                </a:rPr>
+                                <m:t>𝑄</m:t>
+                              </m:r>
+                            </m:num>
+                            <m:den>
+                              <m:r>
+                                <a:rPr lang="en-US" altLang="ja-JP" sz="4000" b="0" i="1" smtClean="0">
+                                  <a:latin typeface="Cambria Math" panose="02040503050406030204" pitchFamily="18" charset="0"/>
+                                </a:rPr>
+                                <m:t>𝑇</m:t>
+                              </m:r>
+                            </m:den>
+                          </m:f>
+                        </m:e>
+                      </m:d>
+                    </m:oMath>
+                  </m:oMathPara>
+                </a14:m>
+                <a:endParaRPr kumimoji="1" lang="ja-JP" altLang="en-US" sz="4000" dirty="0"/>
+              </a:p>
+            </p:txBody>
+          </p:sp>
+        </mc:Choice>
+        <mc:Fallback>
+          <p:sp>
+            <p:nvSpPr>
+              <p:cNvPr id="4" name="テキスト ボックス 3">
+                <a:extLst>
+                  <a:ext uri="{FF2B5EF4-FFF2-40B4-BE49-F238E27FC236}">
+                    <a16:creationId xmlns:a16="http://schemas.microsoft.com/office/drawing/2014/main" id="{6F949E42-2704-6BA9-B36F-AE16CD1B92F1}"/>
+                  </a:ext>
+                </a:extLst>
+              </p:cNvPr>
+              <p:cNvSpPr txBox="1">
+                <a:spLocks noRot="1" noChangeAspect="1" noMove="1" noResize="1" noEditPoints="1" noAdjustHandles="1" noChangeArrowheads="1" noChangeShapeType="1" noTextEdit="1"/>
+              </p:cNvSpPr>
+              <p:nvPr/>
+            </p:nvSpPr>
+            <p:spPr>
+              <a:xfrm>
+                <a:off x="1150274" y="653207"/>
+                <a:ext cx="2188869" cy="1369799"/>
+              </a:xfrm>
+              <a:prstGeom prst="rect">
+                <a:avLst/>
+              </a:prstGeom>
+              <a:blipFill>
+                <a:blip r:embed="rId3"/>
+                <a:stretch>
+                  <a:fillRect/>
+                </a:stretch>
+              </a:blipFill>
+            </p:spPr>
+            <p:txBody>
+              <a:bodyPr/>
+              <a:lstStyle/>
+              <a:p>
+                <a:r>
+                  <a:rPr lang="ja-JP" altLang="en-US">
+                    <a:noFill/>
+                  </a:rPr>
+                  <a:t> </a:t>
+                </a:r>
+              </a:p>
+            </p:txBody>
+          </p:sp>
+        </mc:Fallback>
+      </mc:AlternateContent>
+      <mc:AlternateContent xmlns:mc="http://schemas.openxmlformats.org/markup-compatibility/2006">
+        <mc:Choice xmlns:a14="http://schemas.microsoft.com/office/drawing/2010/main" Requires="a14">
+          <p:sp>
+            <p:nvSpPr>
+              <p:cNvPr id="5" name="テキスト ボックス 4">
+                <a:extLst>
+                  <a:ext uri="{FF2B5EF4-FFF2-40B4-BE49-F238E27FC236}">
+                    <a16:creationId xmlns:a16="http://schemas.microsoft.com/office/drawing/2014/main" id="{3C6ADE61-76DC-4139-E709-E3FD25F7D8E2}"/>
+                  </a:ext>
+                </a:extLst>
+              </p:cNvPr>
+              <p:cNvSpPr txBox="1"/>
+              <p:nvPr/>
+            </p:nvSpPr>
+            <p:spPr>
+              <a:xfrm>
+                <a:off x="1222282" y="2237383"/>
+                <a:ext cx="2125582" cy="615553"/>
+              </a:xfrm>
+              <a:prstGeom prst="rect">
+                <a:avLst/>
+              </a:prstGeom>
+              <a:noFill/>
+            </p:spPr>
+            <p:txBody>
+              <a:bodyPr wrap="none" lIns="0" tIns="0" rIns="0" bIns="0" rtlCol="0">
+                <a:spAutoFit/>
+              </a:bodyPr>
+              <a:lstStyle/>
+              <a:p>
+                <a:pPr/>
+                <a14:m>
+                  <m:oMathPara xmlns:m="http://schemas.openxmlformats.org/officeDocument/2006/math">
+                    <m:oMathParaPr>
+                      <m:jc m:val="centerGroup"/>
+                    </m:oMathParaPr>
+                    <m:oMath xmlns:m="http://schemas.openxmlformats.org/officeDocument/2006/math">
+                      <m:d>
+                        <m:dPr>
+                          <m:begChr m:val="["/>
+                          <m:endChr m:val="]"/>
+                          <m:ctrlPr>
+                            <a:rPr kumimoji="1" lang="en-US" altLang="ja-JP" sz="4000" b="0" i="1" smtClean="0">
+                              <a:latin typeface="Cambria Math" panose="02040503050406030204" pitchFamily="18" charset="0"/>
+                            </a:rPr>
+                          </m:ctrlPr>
+                        </m:dPr>
+                        <m:e>
+                          <m:r>
+                            <a:rPr kumimoji="1" lang="en-US" altLang="ja-JP" sz="4000" b="0" i="1" smtClean="0">
+                              <a:latin typeface="Cambria Math" panose="02040503050406030204" pitchFamily="18" charset="0"/>
+                            </a:rPr>
+                            <m:t>𝐿</m:t>
+                          </m:r>
+                        </m:e>
+                      </m:d>
+                      <m:r>
+                        <a:rPr kumimoji="1" lang="en-US" altLang="ja-JP" sz="4000" b="0" i="1" smtClean="0">
+                          <a:latin typeface="Cambria Math" panose="02040503050406030204" pitchFamily="18" charset="0"/>
+                        </a:rPr>
+                        <m:t>=</m:t>
+                      </m:r>
+                      <m:d>
+                        <m:dPr>
+                          <m:begChr m:val="["/>
+                          <m:endChr m:val="]"/>
+                          <m:ctrlPr>
+                            <a:rPr lang="en-US" altLang="ja-JP" sz="4000" i="1">
+                              <a:latin typeface="Cambria Math" panose="02040503050406030204" pitchFamily="18" charset="0"/>
+                            </a:rPr>
+                          </m:ctrlPr>
+                        </m:dPr>
+                        <m:e>
+                          <m:r>
+                            <a:rPr lang="en-US" altLang="ja-JP" sz="4000" b="0" i="1" smtClean="0">
+                              <a:latin typeface="Cambria Math" panose="02040503050406030204" pitchFamily="18" charset="0"/>
+                            </a:rPr>
+                            <m:t>𝐸</m:t>
+                          </m:r>
+                        </m:e>
+                      </m:d>
+                    </m:oMath>
+                  </m:oMathPara>
+                </a14:m>
+                <a:endParaRPr kumimoji="1" lang="ja-JP" altLang="en-US" sz="4000" dirty="0"/>
+              </a:p>
+            </p:txBody>
+          </p:sp>
+        </mc:Choice>
+        <mc:Fallback>
+          <p:sp>
+            <p:nvSpPr>
+              <p:cNvPr id="5" name="テキスト ボックス 4">
+                <a:extLst>
+                  <a:ext uri="{FF2B5EF4-FFF2-40B4-BE49-F238E27FC236}">
+                    <a16:creationId xmlns:a16="http://schemas.microsoft.com/office/drawing/2014/main" id="{3C6ADE61-76DC-4139-E709-E3FD25F7D8E2}"/>
+                  </a:ext>
+                </a:extLst>
+              </p:cNvPr>
+              <p:cNvSpPr txBox="1">
+                <a:spLocks noRot="1" noChangeAspect="1" noMove="1" noResize="1" noEditPoints="1" noAdjustHandles="1" noChangeArrowheads="1" noChangeShapeType="1" noTextEdit="1"/>
+              </p:cNvSpPr>
+              <p:nvPr/>
+            </p:nvSpPr>
+            <p:spPr>
+              <a:xfrm>
+                <a:off x="1222282" y="2237383"/>
+                <a:ext cx="2125582" cy="615553"/>
+              </a:xfrm>
+              <a:prstGeom prst="rect">
+                <a:avLst/>
+              </a:prstGeom>
+              <a:blipFill>
+                <a:blip r:embed="rId4"/>
+                <a:stretch>
+                  <a:fillRect/>
+                </a:stretch>
+              </a:blipFill>
+            </p:spPr>
+            <p:txBody>
+              <a:bodyPr/>
+              <a:lstStyle/>
+              <a:p>
+                <a:r>
+                  <a:rPr lang="ja-JP" altLang="en-US">
+                    <a:noFill/>
+                  </a:rPr>
+                  <a:t> </a:t>
+                </a:r>
+              </a:p>
+            </p:txBody>
+          </p:sp>
+        </mc:Fallback>
+      </mc:AlternateContent>
+      <mc:AlternateContent xmlns:mc="http://schemas.openxmlformats.org/markup-compatibility/2006">
+        <mc:Choice xmlns:a14="http://schemas.microsoft.com/office/drawing/2010/main" Requires="a14">
+          <p:sp>
+            <p:nvSpPr>
+              <p:cNvPr id="6" name="テキスト ボックス 5">
+                <a:extLst>
+                  <a:ext uri="{FF2B5EF4-FFF2-40B4-BE49-F238E27FC236}">
+                    <a16:creationId xmlns:a16="http://schemas.microsoft.com/office/drawing/2014/main" id="{5E937770-7B27-4FA7-455D-240350FAE24D}"/>
+                  </a:ext>
+                </a:extLst>
+              </p:cNvPr>
+              <p:cNvSpPr txBox="1"/>
+              <p:nvPr/>
+            </p:nvSpPr>
+            <p:spPr>
+              <a:xfrm>
+                <a:off x="1763688" y="4365104"/>
+                <a:ext cx="6188489" cy="1369799"/>
+              </a:xfrm>
+              <a:prstGeom prst="rect">
+                <a:avLst/>
+              </a:prstGeom>
+              <a:noFill/>
+            </p:spPr>
+            <p:txBody>
+              <a:bodyPr wrap="none" lIns="0" tIns="0" rIns="0" bIns="0" rtlCol="0">
+                <a:spAutoFit/>
+              </a:bodyPr>
+              <a:lstStyle/>
+              <a:p>
+                <a:pPr/>
+                <a14:m>
+                  <m:oMathPara xmlns:m="http://schemas.openxmlformats.org/officeDocument/2006/math">
+                    <m:oMathParaPr>
+                      <m:jc m:val="centerGroup"/>
+                    </m:oMathParaPr>
+                    <m:oMath xmlns:m="http://schemas.openxmlformats.org/officeDocument/2006/math">
+                      <m:d>
+                        <m:dPr>
+                          <m:begChr m:val="["/>
+                          <m:endChr m:val="]"/>
+                          <m:ctrlPr>
+                            <a:rPr kumimoji="1" lang="en-US" altLang="ja-JP" sz="4000" b="0" i="1" smtClean="0">
+                              <a:latin typeface="Cambria Math" panose="02040503050406030204" pitchFamily="18" charset="0"/>
+                            </a:rPr>
+                          </m:ctrlPr>
+                        </m:dPr>
+                        <m:e>
+                          <m:r>
+                            <a:rPr kumimoji="1" lang="en-US" altLang="ja-JP" sz="4000" b="0" i="1" smtClean="0">
+                              <a:latin typeface="Cambria Math" panose="02040503050406030204" pitchFamily="18" charset="0"/>
+                            </a:rPr>
+                            <m:t>𝑝𝑞</m:t>
+                          </m:r>
+                        </m:e>
+                      </m:d>
+                      <m:r>
+                        <a:rPr kumimoji="1" lang="en-US" altLang="ja-JP" sz="4000" b="0" i="1" smtClean="0">
+                          <a:latin typeface="Cambria Math" panose="02040503050406030204" pitchFamily="18" charset="0"/>
+                        </a:rPr>
+                        <m:t>=</m:t>
+                      </m:r>
+                      <m:d>
+                        <m:dPr>
+                          <m:begChr m:val="["/>
+                          <m:endChr m:val="]"/>
+                          <m:ctrlPr>
+                            <a:rPr lang="en-US" altLang="ja-JP" sz="4000" i="1">
+                              <a:latin typeface="Cambria Math" panose="02040503050406030204" pitchFamily="18" charset="0"/>
+                            </a:rPr>
+                          </m:ctrlPr>
+                        </m:dPr>
+                        <m:e>
+                          <m:f>
+                            <m:fPr>
+                              <m:ctrlPr>
+                                <a:rPr lang="en-US" altLang="ja-JP" sz="4000" b="0" i="1" smtClean="0">
+                                  <a:latin typeface="Cambria Math" panose="02040503050406030204" pitchFamily="18" charset="0"/>
+                                </a:rPr>
+                              </m:ctrlPr>
+                            </m:fPr>
+                            <m:num>
+                              <m:r>
+                                <a:rPr lang="en-US" altLang="ja-JP" sz="4000" b="0" i="1" smtClean="0">
+                                  <a:latin typeface="Cambria Math" panose="02040503050406030204" pitchFamily="18" charset="0"/>
+                                </a:rPr>
+                                <m:t>𝐸𝑇</m:t>
+                              </m:r>
+                            </m:num>
+                            <m:den>
+                              <m:r>
+                                <a:rPr lang="en-US" altLang="ja-JP" sz="4000" b="0" i="1" smtClean="0">
+                                  <a:latin typeface="Cambria Math" panose="02040503050406030204" pitchFamily="18" charset="0"/>
+                                </a:rPr>
+                                <m:t>𝑄</m:t>
+                              </m:r>
+                            </m:den>
+                          </m:f>
+                          <m:r>
+                            <a:rPr lang="en-US" altLang="ja-JP" sz="4000" b="0" i="1" smtClean="0">
+                              <a:latin typeface="Cambria Math" panose="02040503050406030204" pitchFamily="18" charset="0"/>
+                            </a:rPr>
+                            <m:t>𝑄</m:t>
+                          </m:r>
+                        </m:e>
+                      </m:d>
+                      <m:r>
+                        <a:rPr lang="en-US" altLang="ja-JP" sz="4000" b="0" i="1" smtClean="0">
+                          <a:latin typeface="Cambria Math" panose="02040503050406030204" pitchFamily="18" charset="0"/>
+                        </a:rPr>
+                        <m:t>=</m:t>
+                      </m:r>
+                      <m:d>
+                        <m:dPr>
+                          <m:begChr m:val="["/>
+                          <m:endChr m:val="]"/>
+                          <m:ctrlPr>
+                            <a:rPr lang="en-US" altLang="ja-JP" sz="4000" i="1">
+                              <a:latin typeface="Cambria Math" panose="02040503050406030204" pitchFamily="18" charset="0"/>
+                            </a:rPr>
+                          </m:ctrlPr>
+                        </m:dPr>
+                        <m:e>
+                          <m:r>
+                            <a:rPr lang="en-US" altLang="ja-JP" sz="4000" b="0" i="1" smtClean="0">
+                              <a:latin typeface="Cambria Math" panose="02040503050406030204" pitchFamily="18" charset="0"/>
+                            </a:rPr>
+                            <m:t>𝐸𝑇</m:t>
+                          </m:r>
+                        </m:e>
+                      </m:d>
+                      <m:r>
+                        <a:rPr lang="en-US" altLang="ja-JP" sz="4000" b="0" i="1" smtClean="0">
+                          <a:latin typeface="Cambria Math" panose="02040503050406030204" pitchFamily="18" charset="0"/>
+                        </a:rPr>
+                        <m:t>=</m:t>
+                      </m:r>
+                      <m:d>
+                        <m:dPr>
+                          <m:begChr m:val="["/>
+                          <m:endChr m:val="]"/>
+                          <m:ctrlPr>
+                            <a:rPr lang="en-US" altLang="ja-JP" sz="4000" b="0" i="1" smtClean="0">
+                              <a:latin typeface="Cambria Math" panose="02040503050406030204" pitchFamily="18" charset="0"/>
+                            </a:rPr>
+                          </m:ctrlPr>
+                        </m:dPr>
+                        <m:e>
+                          <m:r>
+                            <a:rPr lang="en-US" altLang="ja-JP" sz="4000" b="0" i="1" smtClean="0">
+                              <a:latin typeface="Cambria Math" panose="02040503050406030204" pitchFamily="18" charset="0"/>
+                            </a:rPr>
+                            <m:t>ℏ</m:t>
+                          </m:r>
+                        </m:e>
+                      </m:d>
+                    </m:oMath>
+                  </m:oMathPara>
+                </a14:m>
+                <a:endParaRPr kumimoji="1" lang="ja-JP" altLang="en-US" sz="4000" dirty="0"/>
+              </a:p>
+            </p:txBody>
+          </p:sp>
+        </mc:Choice>
+        <mc:Fallback>
+          <p:sp>
+            <p:nvSpPr>
+              <p:cNvPr id="6" name="テキスト ボックス 5">
+                <a:extLst>
+                  <a:ext uri="{FF2B5EF4-FFF2-40B4-BE49-F238E27FC236}">
+                    <a16:creationId xmlns:a16="http://schemas.microsoft.com/office/drawing/2014/main" id="{5E937770-7B27-4FA7-455D-240350FAE24D}"/>
+                  </a:ext>
+                </a:extLst>
+              </p:cNvPr>
+              <p:cNvSpPr txBox="1">
+                <a:spLocks noRot="1" noChangeAspect="1" noMove="1" noResize="1" noEditPoints="1" noAdjustHandles="1" noChangeArrowheads="1" noChangeShapeType="1" noTextEdit="1"/>
+              </p:cNvSpPr>
+              <p:nvPr/>
+            </p:nvSpPr>
+            <p:spPr>
+              <a:xfrm>
+                <a:off x="1763688" y="4365104"/>
+                <a:ext cx="6188489" cy="1369799"/>
+              </a:xfrm>
+              <a:prstGeom prst="rect">
+                <a:avLst/>
+              </a:prstGeom>
+              <a:blipFill>
+                <a:blip r:embed="rId5"/>
+                <a:stretch>
+                  <a:fillRect/>
+                </a:stretch>
+              </a:blipFill>
+            </p:spPr>
+            <p:txBody>
+              <a:bodyPr/>
+              <a:lstStyle/>
+              <a:p>
+                <a:r>
+                  <a:rPr lang="ja-JP" altLang="en-US">
+                    <a:noFill/>
+                  </a:rPr>
+                  <a:t> </a:t>
+                </a:r>
+              </a:p>
+            </p:txBody>
+          </p:sp>
+        </mc:Fallback>
+      </mc:AlternateContent>
+      <p:sp>
+        <p:nvSpPr>
+          <p:cNvPr id="7" name="矢印: 右 6">
+            <a:extLst>
+              <a:ext uri="{FF2B5EF4-FFF2-40B4-BE49-F238E27FC236}">
+                <a16:creationId xmlns:a16="http://schemas.microsoft.com/office/drawing/2014/main" id="{102E0FE8-E73A-9039-E5BD-DEA7005DF3C7}"/>
+              </a:ext>
+            </a:extLst>
+          </p:cNvPr>
+          <p:cNvSpPr/>
+          <p:nvPr/>
+        </p:nvSpPr>
+        <p:spPr>
+          <a:xfrm>
+            <a:off x="3563888" y="1556792"/>
+            <a:ext cx="648072" cy="556640"/>
+          </a:xfrm>
+          <a:prstGeom prst="rightArrow">
+            <a:avLst/>
+          </a:prstGeom>
+          <a:solidFill>
+            <a:srgbClr val="FF0000"/>
+          </a:solidFill>
+          <a:ln>
+            <a:solidFill>
+              <a:schemeClr val="tx1"/>
+            </a:solidFill>
+          </a:ln>
+        </p:spPr>
+        <p:txBody>
+          <a:bodyPr wrap="square" rtlCol="0" anchor="ctr">
+            <a:spAutoFit/>
+          </a:bodyPr>
+          <a:lstStyle/>
+          <a:p>
+            <a:pPr algn="ctr"/>
+            <a:endParaRPr kumimoji="1" lang="ja-JP" altLang="en-US" sz="2400" dirty="0"/>
+          </a:p>
+        </p:txBody>
+      </p:sp>
+      <p:sp>
+        <p:nvSpPr>
+          <p:cNvPr id="8" name="テキスト ボックス 7">
+            <a:extLst>
+              <a:ext uri="{FF2B5EF4-FFF2-40B4-BE49-F238E27FC236}">
+                <a16:creationId xmlns:a16="http://schemas.microsoft.com/office/drawing/2014/main" id="{98B0968E-9E86-5536-34A2-76C6A01585CF}"/>
+              </a:ext>
+            </a:extLst>
+          </p:cNvPr>
+          <p:cNvSpPr txBox="1"/>
+          <p:nvPr/>
+        </p:nvSpPr>
+        <p:spPr>
+          <a:xfrm>
+            <a:off x="395536" y="476672"/>
+            <a:ext cx="2031325" cy="369332"/>
+          </a:xfrm>
+          <a:prstGeom prst="rect">
+            <a:avLst/>
+          </a:prstGeom>
+          <a:noFill/>
+        </p:spPr>
+        <p:txBody>
+          <a:bodyPr wrap="none" rtlCol="0">
+            <a:spAutoFit/>
+          </a:bodyPr>
+          <a:lstStyle/>
+          <a:p>
+            <a:r>
+              <a:rPr kumimoji="1" lang="ja-JP" altLang="en-US"/>
+              <a:t>一般化速度の次元</a:t>
+            </a:r>
+            <a:endParaRPr kumimoji="1" lang="ja-JP" altLang="en-US" dirty="0"/>
+          </a:p>
+        </p:txBody>
+      </p:sp>
+      <p:sp>
+        <p:nvSpPr>
+          <p:cNvPr id="9" name="テキスト ボックス 8">
+            <a:extLst>
+              <a:ext uri="{FF2B5EF4-FFF2-40B4-BE49-F238E27FC236}">
+                <a16:creationId xmlns:a16="http://schemas.microsoft.com/office/drawing/2014/main" id="{798E1BB3-6015-EF38-E424-C974A2660DCF}"/>
+              </a:ext>
+            </a:extLst>
+          </p:cNvPr>
+          <p:cNvSpPr txBox="1"/>
+          <p:nvPr/>
+        </p:nvSpPr>
+        <p:spPr>
+          <a:xfrm>
+            <a:off x="251520" y="1979548"/>
+            <a:ext cx="2278188" cy="369332"/>
+          </a:xfrm>
+          <a:prstGeom prst="rect">
+            <a:avLst/>
+          </a:prstGeom>
+          <a:noFill/>
+        </p:spPr>
+        <p:txBody>
+          <a:bodyPr wrap="none" rtlCol="0">
+            <a:spAutoFit/>
+          </a:bodyPr>
+          <a:lstStyle/>
+          <a:p>
+            <a:r>
+              <a:rPr kumimoji="1" lang="ja-JP" altLang="en-US"/>
+              <a:t>ラグランジアンの次元</a:t>
+            </a:r>
+            <a:endParaRPr kumimoji="1" lang="ja-JP" altLang="en-US" dirty="0"/>
+          </a:p>
+        </p:txBody>
+      </p:sp>
+      <p:sp>
+        <p:nvSpPr>
+          <p:cNvPr id="10" name="テキスト ボックス 9">
+            <a:extLst>
+              <a:ext uri="{FF2B5EF4-FFF2-40B4-BE49-F238E27FC236}">
+                <a16:creationId xmlns:a16="http://schemas.microsoft.com/office/drawing/2014/main" id="{3A8FE1FE-3DD0-AD61-7EFD-53C5F12C2048}"/>
+              </a:ext>
+            </a:extLst>
+          </p:cNvPr>
+          <p:cNvSpPr txBox="1"/>
+          <p:nvPr/>
+        </p:nvSpPr>
+        <p:spPr>
+          <a:xfrm>
+            <a:off x="3779912" y="764704"/>
+            <a:ext cx="2262158" cy="369332"/>
+          </a:xfrm>
+          <a:prstGeom prst="rect">
+            <a:avLst/>
+          </a:prstGeom>
+          <a:noFill/>
+        </p:spPr>
+        <p:txBody>
+          <a:bodyPr wrap="none" rtlCol="0">
+            <a:spAutoFit/>
+          </a:bodyPr>
+          <a:lstStyle/>
+          <a:p>
+            <a:r>
+              <a:rPr kumimoji="1" lang="ja-JP" altLang="en-US"/>
+              <a:t>一般化運動量の次元</a:t>
+            </a:r>
+            <a:endParaRPr kumimoji="1" lang="ja-JP" altLang="en-US" dirty="0"/>
+          </a:p>
+        </p:txBody>
+      </p:sp>
+      <p:sp>
+        <p:nvSpPr>
+          <p:cNvPr id="11" name="テキスト ボックス 10">
+            <a:extLst>
+              <a:ext uri="{FF2B5EF4-FFF2-40B4-BE49-F238E27FC236}">
+                <a16:creationId xmlns:a16="http://schemas.microsoft.com/office/drawing/2014/main" id="{C4C399FA-7306-823F-66C8-FCB697E5D582}"/>
+              </a:ext>
+            </a:extLst>
+          </p:cNvPr>
+          <p:cNvSpPr txBox="1"/>
+          <p:nvPr/>
+        </p:nvSpPr>
+        <p:spPr>
+          <a:xfrm>
+            <a:off x="1187624" y="4005064"/>
+            <a:ext cx="1800493" cy="646331"/>
+          </a:xfrm>
+          <a:prstGeom prst="rect">
+            <a:avLst/>
+          </a:prstGeom>
+          <a:noFill/>
+        </p:spPr>
+        <p:txBody>
+          <a:bodyPr wrap="none" rtlCol="0">
+            <a:spAutoFit/>
+          </a:bodyPr>
+          <a:lstStyle/>
+          <a:p>
+            <a:r>
+              <a:rPr kumimoji="1" lang="ja-JP" altLang="en-US"/>
+              <a:t>正準共役な</a:t>
+            </a:r>
+            <a:endParaRPr kumimoji="1" lang="en-US" altLang="ja-JP"/>
+          </a:p>
+          <a:p>
+            <a:r>
+              <a:rPr kumimoji="1" lang="ja-JP" altLang="en-US"/>
+              <a:t>変数の</a:t>
+            </a:r>
+            <a:r>
+              <a:rPr lang="ja-JP" altLang="en-US"/>
+              <a:t>積の次元</a:t>
+            </a:r>
+            <a:endParaRPr kumimoji="1" lang="ja-JP" altLang="en-US" dirty="0"/>
+          </a:p>
+        </p:txBody>
+      </p:sp>
+      <p:sp>
+        <p:nvSpPr>
+          <p:cNvPr id="12" name="テキスト ボックス 11">
+            <a:extLst>
+              <a:ext uri="{FF2B5EF4-FFF2-40B4-BE49-F238E27FC236}">
+                <a16:creationId xmlns:a16="http://schemas.microsoft.com/office/drawing/2014/main" id="{5A35E84F-7AFD-DD2D-E4DF-23D218432F99}"/>
+              </a:ext>
+            </a:extLst>
+          </p:cNvPr>
+          <p:cNvSpPr txBox="1"/>
+          <p:nvPr/>
+        </p:nvSpPr>
+        <p:spPr>
+          <a:xfrm>
+            <a:off x="6876256" y="4221088"/>
+            <a:ext cx="1338828" cy="369332"/>
+          </a:xfrm>
+          <a:prstGeom prst="rect">
+            <a:avLst/>
+          </a:prstGeom>
+          <a:noFill/>
+        </p:spPr>
+        <p:txBody>
+          <a:bodyPr wrap="none" rtlCol="0">
+            <a:spAutoFit/>
+          </a:bodyPr>
+          <a:lstStyle/>
+          <a:p>
+            <a:r>
+              <a:rPr kumimoji="1" lang="ja-JP" altLang="en-US"/>
+              <a:t>作用の次元</a:t>
+            </a:r>
+            <a:endParaRPr kumimoji="1" lang="ja-JP" altLang="en-US" dirty="0"/>
+          </a:p>
+        </p:txBody>
+      </p:sp>
+    </p:spTree>
+    <p:extLst>
+      <p:ext uri="{BB962C8B-B14F-4D97-AF65-F5344CB8AC3E}">
+        <p14:creationId xmlns:p14="http://schemas.microsoft.com/office/powerpoint/2010/main" val="3450430728"/>
+      </p:ext>
+    </p:extLst>
+  </p:cSld>
+  <p:clrMapOvr>
+    <a:masterClrMapping/>
+  </p:clrMapOvr>
+</p:sld>
+</file>
+
+<file path=ppt/slides/slide5.xml><?xml version="1.0" encoding="utf-8"?>
 <p:sld xmlns:a="http://schemas.openxmlformats.org/drawingml/2006/main" xmlns:r="http://schemas.openxmlformats.org/officeDocument/2006/relationships" xmlns:p="http://schemas.openxmlformats.org/presentationml/2006/main">
   <p:cSld>
     <p:spTree>
@@ -6925,7 +10147,7 @@
 </p:sld>
 </file>
 
-<file path=ppt/slides/slide4.xml><?xml version="1.0" encoding="utf-8"?>
+<file path=ppt/slides/slide6.xml><?xml version="1.0" encoding="utf-8"?>
 <p:sld xmlns:a="http://schemas.openxmlformats.org/drawingml/2006/main" xmlns:r="http://schemas.openxmlformats.org/officeDocument/2006/relationships" xmlns:p="http://schemas.openxmlformats.org/presentationml/2006/main">
   <p:cSld>
     <p:spTree>
@@ -8134,7 +11356,7 @@
 </p:sld>
 </file>
 
-<file path=ppt/slides/slide5.xml><?xml version="1.0" encoding="utf-8"?>
+<file path=ppt/slides/slide7.xml><?xml version="1.0" encoding="utf-8"?>
 <p:sld xmlns:a="http://schemas.openxmlformats.org/drawingml/2006/main" xmlns:r="http://schemas.openxmlformats.org/officeDocument/2006/relationships" xmlns:p="http://schemas.openxmlformats.org/presentationml/2006/main">
   <p:cSld>
     <p:spTree>
@@ -9326,7 +12548,7 @@
 </p:sld>
 </file>
 
-<file path=ppt/slides/slide6.xml><?xml version="1.0" encoding="utf-8"?>
+<file path=ppt/slides/slide8.xml><?xml version="1.0" encoding="utf-8"?>
 <p:sld xmlns:a="http://schemas.openxmlformats.org/drawingml/2006/main" xmlns:r="http://schemas.openxmlformats.org/officeDocument/2006/relationships" xmlns:p="http://schemas.openxmlformats.org/presentationml/2006/main">
   <p:cSld>
     <p:spTree>
@@ -11424,7 +14646,7 @@
 </p:sld>
 </file>
 
-<file path=ppt/slides/slide7.xml><?xml version="1.0" encoding="utf-8"?>
+<file path=ppt/slides/slide9.xml><?xml version="1.0" encoding="utf-8"?>
 <p:sld xmlns:a="http://schemas.openxmlformats.org/drawingml/2006/main" xmlns:r="http://schemas.openxmlformats.org/officeDocument/2006/relationships" xmlns:p="http://schemas.openxmlformats.org/presentationml/2006/main">
   <p:cSld>
     <p:spTree>
